--- a/Konsep Dasar Layanan IT/Slide-IST501-Manajemen-Pelayanan-Teknologi-Informasi-ITIL-Services-to-SOP(1).pptx
+++ b/Konsep Dasar Layanan IT/Slide-IST501-Manajemen-Pelayanan-Teknologi-Informasi-ITIL-Services-to-SOP(1).pptx
@@ -173,7 +173,7 @@
           </a:lstStyle>
           <a:p>
             <a:r>
-              <a:rPr lang="en-US" smtClean="0"/>
+              <a:rPr lang="en-US"/>
               <a:t>Click to edit Master title style</a:t>
             </a:r>
             <a:endParaRPr lang="en-US" dirty="0"/>
@@ -238,7 +238,7 @@
           </a:lstStyle>
           <a:p>
             <a:r>
-              <a:rPr lang="en-US" smtClean="0"/>
+              <a:rPr lang="en-US"/>
               <a:t>Click to edit Master subtitle style</a:t>
             </a:r>
             <a:endParaRPr lang="en-US" dirty="0"/>
@@ -263,7 +263,7 @@
             <a:fld id="{B61BEF0D-F0BB-DE4B-95CE-6DB70DBA9567}" type="datetimeFigureOut">
               <a:rPr lang="en-US" smtClean="0"/>
               <a:pPr/>
-              <a:t>10/8/2018</a:t>
+              <a:t>1/8/2023</a:t>
             </a:fld>
             <a:endParaRPr lang="en-US" dirty="0"/>
           </a:p>
@@ -363,7 +363,7 @@
           <a:lstStyle/>
           <a:p>
             <a:r>
-              <a:rPr lang="en-US" smtClean="0"/>
+              <a:rPr lang="en-US"/>
               <a:t>Click to edit Master title style</a:t>
             </a:r>
             <a:endParaRPr lang="en-US" dirty="0"/>
@@ -387,35 +387,35 @@
           <a:p>
             <a:pPr lvl="0"/>
             <a:r>
-              <a:rPr lang="en-US" smtClean="0"/>
+              <a:rPr lang="en-US"/>
               <a:t>Click to edit Master text styles</a:t>
             </a:r>
           </a:p>
           <a:p>
             <a:pPr lvl="1"/>
             <a:r>
-              <a:rPr lang="en-US" smtClean="0"/>
+              <a:rPr lang="en-US"/>
               <a:t>Second level</a:t>
             </a:r>
           </a:p>
           <a:p>
             <a:pPr lvl="2"/>
             <a:r>
-              <a:rPr lang="en-US" smtClean="0"/>
+              <a:rPr lang="en-US"/>
               <a:t>Third level</a:t>
             </a:r>
           </a:p>
           <a:p>
             <a:pPr lvl="3"/>
             <a:r>
-              <a:rPr lang="en-US" smtClean="0"/>
+              <a:rPr lang="en-US"/>
               <a:t>Fourth level</a:t>
             </a:r>
           </a:p>
           <a:p>
             <a:pPr lvl="4"/>
             <a:r>
-              <a:rPr lang="en-US" smtClean="0"/>
+              <a:rPr lang="en-US"/>
               <a:t>Fifth level</a:t>
             </a:r>
             <a:endParaRPr lang="en-US" dirty="0"/>
@@ -440,7 +440,7 @@
             <a:fld id="{B61BEF0D-F0BB-DE4B-95CE-6DB70DBA9567}" type="datetimeFigureOut">
               <a:rPr lang="en-US" smtClean="0"/>
               <a:pPr/>
-              <a:t>10/8/2018</a:t>
+              <a:t>1/8/2023</a:t>
             </a:fld>
             <a:endParaRPr lang="en-US" dirty="0"/>
           </a:p>
@@ -540,7 +540,7 @@
           <a:lstStyle/>
           <a:p>
             <a:r>
-              <a:rPr lang="en-US" smtClean="0"/>
+              <a:rPr lang="en-US"/>
               <a:t>Click to edit Master title style</a:t>
             </a:r>
             <a:endParaRPr lang="en-US" dirty="0"/>
@@ -569,35 +569,35 @@
           <a:p>
             <a:pPr lvl="0"/>
             <a:r>
-              <a:rPr lang="en-US" smtClean="0"/>
+              <a:rPr lang="en-US"/>
               <a:t>Click to edit Master text styles</a:t>
             </a:r>
           </a:p>
           <a:p>
             <a:pPr lvl="1"/>
             <a:r>
-              <a:rPr lang="en-US" smtClean="0"/>
+              <a:rPr lang="en-US"/>
               <a:t>Second level</a:t>
             </a:r>
           </a:p>
           <a:p>
             <a:pPr lvl="2"/>
             <a:r>
-              <a:rPr lang="en-US" smtClean="0"/>
+              <a:rPr lang="en-US"/>
               <a:t>Third level</a:t>
             </a:r>
           </a:p>
           <a:p>
             <a:pPr lvl="3"/>
             <a:r>
-              <a:rPr lang="en-US" smtClean="0"/>
+              <a:rPr lang="en-US"/>
               <a:t>Fourth level</a:t>
             </a:r>
           </a:p>
           <a:p>
             <a:pPr lvl="4"/>
             <a:r>
-              <a:rPr lang="en-US" smtClean="0"/>
+              <a:rPr lang="en-US"/>
               <a:t>Fifth level</a:t>
             </a:r>
             <a:endParaRPr lang="en-US" dirty="0"/>
@@ -622,7 +622,7 @@
             <a:fld id="{B61BEF0D-F0BB-DE4B-95CE-6DB70DBA9567}" type="datetimeFigureOut">
               <a:rPr lang="en-US" smtClean="0"/>
               <a:pPr/>
-              <a:t>10/8/2018</a:t>
+              <a:t>1/8/2023</a:t>
             </a:fld>
             <a:endParaRPr lang="en-US" dirty="0"/>
           </a:p>
@@ -711,7 +711,7 @@
           <p:cNvPr id="11" name="Picture Placeholder 10">
             <a:extLst>
               <a:ext uri="{FF2B5EF4-FFF2-40B4-BE49-F238E27FC236}">
-                <a16:creationId xmlns="" xmlns:a16="http://schemas.microsoft.com/office/drawing/2014/main" id="{171E5E3D-6A1C-49BA-9E11-FC053AD81804}"/>
+                <a16:creationId xmlns:a16="http://schemas.microsoft.com/office/drawing/2014/main" id="{171E5E3D-6A1C-49BA-9E11-FC053AD81804}"/>
               </a:ext>
             </a:extLst>
           </p:cNvPr>
@@ -754,7 +754,7 @@
           <p:cNvPr id="2" name="Title 1">
             <a:extLst>
               <a:ext uri="{FF2B5EF4-FFF2-40B4-BE49-F238E27FC236}">
-                <a16:creationId xmlns="" xmlns:a16="http://schemas.microsoft.com/office/drawing/2014/main" id="{00F23EB7-E336-46EB-A4A0-3DB7A6BF4CE1}"/>
+                <a16:creationId xmlns:a16="http://schemas.microsoft.com/office/drawing/2014/main" id="{00F23EB7-E336-46EB-A4A0-3DB7A6BF4CE1}"/>
               </a:ext>
             </a:extLst>
           </p:cNvPr>
@@ -805,7 +805,7 @@
           <p:cNvPr id="3" name="Subtitle 2">
             <a:extLst>
               <a:ext uri="{FF2B5EF4-FFF2-40B4-BE49-F238E27FC236}">
-                <a16:creationId xmlns="" xmlns:a16="http://schemas.microsoft.com/office/drawing/2014/main" id="{C9980B88-3F4A-4688-9ED0-17EF37E62D93}"/>
+                <a16:creationId xmlns:a16="http://schemas.microsoft.com/office/drawing/2014/main" id="{C9980B88-3F4A-4688-9ED0-17EF37E62D93}"/>
               </a:ext>
             </a:extLst>
           </p:cNvPr>
@@ -874,7 +874,7 @@
           </a:lstStyle>
           <a:p>
             <a:r>
-              <a:rPr lang="en-US" smtClean="0"/>
+              <a:rPr lang="en-US"/>
               <a:t>Click to edit Master subtitle style</a:t>
             </a:r>
             <a:endParaRPr lang="en-ZA" dirty="0"/>
@@ -886,7 +886,7 @@
           <p:cNvPr id="12" name="Rectangle 11">
             <a:extLst>
               <a:ext uri="{FF2B5EF4-FFF2-40B4-BE49-F238E27FC236}">
-                <a16:creationId xmlns="" xmlns:a16="http://schemas.microsoft.com/office/drawing/2014/main" id="{3114E411-DCD8-47C4-8385-C03FBB18B180}"/>
+                <a16:creationId xmlns:a16="http://schemas.microsoft.com/office/drawing/2014/main" id="{3114E411-DCD8-47C4-8385-C03FBB18B180}"/>
               </a:ext>
             </a:extLst>
           </p:cNvPr>
@@ -942,7 +942,7 @@
           <p:cNvPr id="13" name="Rectangle 12">
             <a:extLst>
               <a:ext uri="{FF2B5EF4-FFF2-40B4-BE49-F238E27FC236}">
-                <a16:creationId xmlns="" xmlns:a16="http://schemas.microsoft.com/office/drawing/2014/main" id="{D5BF3746-E60B-4321-998E-07F04440CEAC}"/>
+                <a16:creationId xmlns:a16="http://schemas.microsoft.com/office/drawing/2014/main" id="{D5BF3746-E60B-4321-998E-07F04440CEAC}"/>
               </a:ext>
             </a:extLst>
           </p:cNvPr>
@@ -1028,7 +1028,7 @@
           <p:cNvPr id="12" name="Picture Placeholder 10">
             <a:extLst>
               <a:ext uri="{FF2B5EF4-FFF2-40B4-BE49-F238E27FC236}">
-                <a16:creationId xmlns="" xmlns:a16="http://schemas.microsoft.com/office/drawing/2014/main" id="{6F821722-FE34-4DE9-9836-565D865C1559}"/>
+                <a16:creationId xmlns:a16="http://schemas.microsoft.com/office/drawing/2014/main" id="{6F821722-FE34-4DE9-9836-565D865C1559}"/>
               </a:ext>
             </a:extLst>
           </p:cNvPr>
@@ -1071,7 +1071,7 @@
           <p:cNvPr id="13" name="Rectangle 12">
             <a:extLst>
               <a:ext uri="{FF2B5EF4-FFF2-40B4-BE49-F238E27FC236}">
-                <a16:creationId xmlns="" xmlns:a16="http://schemas.microsoft.com/office/drawing/2014/main" id="{9BD909C6-0E9A-451D-91FD-B891A0C803D7}"/>
+                <a16:creationId xmlns:a16="http://schemas.microsoft.com/office/drawing/2014/main" id="{9BD909C6-0E9A-451D-91FD-B891A0C803D7}"/>
               </a:ext>
             </a:extLst>
           </p:cNvPr>
@@ -1127,7 +1127,7 @@
           <p:cNvPr id="14" name="Rectangle 13">
             <a:extLst>
               <a:ext uri="{FF2B5EF4-FFF2-40B4-BE49-F238E27FC236}">
-                <a16:creationId xmlns="" xmlns:a16="http://schemas.microsoft.com/office/drawing/2014/main" id="{41A9BD7F-717A-4177-BAD1-D798AE60FFD0}"/>
+                <a16:creationId xmlns:a16="http://schemas.microsoft.com/office/drawing/2014/main" id="{41A9BD7F-717A-4177-BAD1-D798AE60FFD0}"/>
               </a:ext>
             </a:extLst>
           </p:cNvPr>
@@ -1183,7 +1183,7 @@
           <p:cNvPr id="2" name="Title 1">
             <a:extLst>
               <a:ext uri="{FF2B5EF4-FFF2-40B4-BE49-F238E27FC236}">
-                <a16:creationId xmlns="" xmlns:a16="http://schemas.microsoft.com/office/drawing/2014/main" id="{00F23EB7-E336-46EB-A4A0-3DB7A6BF4CE1}"/>
+                <a16:creationId xmlns:a16="http://schemas.microsoft.com/office/drawing/2014/main" id="{00F23EB7-E336-46EB-A4A0-3DB7A6BF4CE1}"/>
               </a:ext>
             </a:extLst>
           </p:cNvPr>
@@ -1234,7 +1234,7 @@
           <p:cNvPr id="3" name="Subtitle 2">
             <a:extLst>
               <a:ext uri="{FF2B5EF4-FFF2-40B4-BE49-F238E27FC236}">
-                <a16:creationId xmlns="" xmlns:a16="http://schemas.microsoft.com/office/drawing/2014/main" id="{C9980B88-3F4A-4688-9ED0-17EF37E62D93}"/>
+                <a16:creationId xmlns:a16="http://schemas.microsoft.com/office/drawing/2014/main" id="{C9980B88-3F4A-4688-9ED0-17EF37E62D93}"/>
               </a:ext>
             </a:extLst>
           </p:cNvPr>
@@ -1301,7 +1301,7 @@
           </a:lstStyle>
           <a:p>
             <a:r>
-              <a:rPr lang="en-US" smtClean="0"/>
+              <a:rPr lang="en-US"/>
               <a:t>Click to edit Master subtitle style</a:t>
             </a:r>
             <a:endParaRPr lang="en-ZA" dirty="0"/>
@@ -1313,7 +1313,7 @@
           <p:cNvPr id="6" name="Picture Placeholder 5">
             <a:extLst>
               <a:ext uri="{FF2B5EF4-FFF2-40B4-BE49-F238E27FC236}">
-                <a16:creationId xmlns="" xmlns:a16="http://schemas.microsoft.com/office/drawing/2014/main" id="{63EB74F7-DC44-48B1-8EF5-BD557540B41C}"/>
+                <a16:creationId xmlns:a16="http://schemas.microsoft.com/office/drawing/2014/main" id="{63EB74F7-DC44-48B1-8EF5-BD557540B41C}"/>
               </a:ext>
             </a:extLst>
           </p:cNvPr>
@@ -1345,7 +1345,7 @@
           </a:lstStyle>
           <a:p>
             <a:r>
-              <a:rPr lang="en-US" smtClean="0"/>
+              <a:rPr lang="en-US"/>
               <a:t>Click icon to add picture</a:t>
             </a:r>
             <a:endParaRPr lang="en-ZA" dirty="0"/>
@@ -1387,7 +1387,7 @@
           <p:cNvPr id="11" name="Picture Placeholder 10">
             <a:extLst>
               <a:ext uri="{FF2B5EF4-FFF2-40B4-BE49-F238E27FC236}">
-                <a16:creationId xmlns="" xmlns:a16="http://schemas.microsoft.com/office/drawing/2014/main" id="{171E5E3D-6A1C-49BA-9E11-FC053AD81804}"/>
+                <a16:creationId xmlns:a16="http://schemas.microsoft.com/office/drawing/2014/main" id="{171E5E3D-6A1C-49BA-9E11-FC053AD81804}"/>
               </a:ext>
             </a:extLst>
           </p:cNvPr>
@@ -1430,7 +1430,7 @@
           <p:cNvPr id="2" name="Title 1">
             <a:extLst>
               <a:ext uri="{FF2B5EF4-FFF2-40B4-BE49-F238E27FC236}">
-                <a16:creationId xmlns="" xmlns:a16="http://schemas.microsoft.com/office/drawing/2014/main" id="{00F23EB7-E336-46EB-A4A0-3DB7A6BF4CE1}"/>
+                <a16:creationId xmlns:a16="http://schemas.microsoft.com/office/drawing/2014/main" id="{00F23EB7-E336-46EB-A4A0-3DB7A6BF4CE1}"/>
               </a:ext>
             </a:extLst>
           </p:cNvPr>
@@ -1481,7 +1481,7 @@
           <p:cNvPr id="3" name="Subtitle 2">
             <a:extLst>
               <a:ext uri="{FF2B5EF4-FFF2-40B4-BE49-F238E27FC236}">
-                <a16:creationId xmlns="" xmlns:a16="http://schemas.microsoft.com/office/drawing/2014/main" id="{C9980B88-3F4A-4688-9ED0-17EF37E62D93}"/>
+                <a16:creationId xmlns:a16="http://schemas.microsoft.com/office/drawing/2014/main" id="{C9980B88-3F4A-4688-9ED0-17EF37E62D93}"/>
               </a:ext>
             </a:extLst>
           </p:cNvPr>
@@ -1548,7 +1548,7 @@
           </a:lstStyle>
           <a:p>
             <a:r>
-              <a:rPr lang="en-US" smtClean="0"/>
+              <a:rPr lang="en-US"/>
               <a:t>Click to edit Master subtitle style</a:t>
             </a:r>
             <a:endParaRPr lang="en-ZA" dirty="0"/>
@@ -1560,7 +1560,7 @@
           <p:cNvPr id="5" name="Slide Number Placeholder 4">
             <a:extLst>
               <a:ext uri="{FF2B5EF4-FFF2-40B4-BE49-F238E27FC236}">
-                <a16:creationId xmlns="" xmlns:a16="http://schemas.microsoft.com/office/drawing/2014/main" id="{AE6A6BE3-DFA9-4797-868F-D23E7118FAB9}"/>
+                <a16:creationId xmlns:a16="http://schemas.microsoft.com/office/drawing/2014/main" id="{AE6A6BE3-DFA9-4797-868F-D23E7118FAB9}"/>
               </a:ext>
             </a:extLst>
           </p:cNvPr>
@@ -1604,7 +1604,7 @@
           <p:cNvPr id="9" name="Footer Placeholder 8">
             <a:extLst>
               <a:ext uri="{FF2B5EF4-FFF2-40B4-BE49-F238E27FC236}">
-                <a16:creationId xmlns="" xmlns:a16="http://schemas.microsoft.com/office/drawing/2014/main" id="{827C91B9-2B28-435F-8A65-9FB91CE2F765}"/>
+                <a16:creationId xmlns:a16="http://schemas.microsoft.com/office/drawing/2014/main" id="{827C91B9-2B28-435F-8A65-9FB91CE2F765}"/>
               </a:ext>
             </a:extLst>
           </p:cNvPr>
@@ -1639,7 +1639,7 @@
           <p:cNvPr id="8" name="Picture Placeholder 5">
             <a:extLst>
               <a:ext uri="{FF2B5EF4-FFF2-40B4-BE49-F238E27FC236}">
-                <a16:creationId xmlns="" xmlns:a16="http://schemas.microsoft.com/office/drawing/2014/main" id="{22A84B62-AFF6-45B7-8ACB-FE91AB69BFEA}"/>
+                <a16:creationId xmlns:a16="http://schemas.microsoft.com/office/drawing/2014/main" id="{22A84B62-AFF6-45B7-8ACB-FE91AB69BFEA}"/>
               </a:ext>
             </a:extLst>
           </p:cNvPr>
@@ -1671,7 +1671,7 @@
           </a:lstStyle>
           <a:p>
             <a:r>
-              <a:rPr lang="en-US" smtClean="0"/>
+              <a:rPr lang="en-US"/>
               <a:t>Click icon to add picture</a:t>
             </a:r>
             <a:endParaRPr lang="en-ZA" dirty="0"/>
@@ -1713,7 +1713,7 @@
           <p:cNvPr id="4" name="Rectangle 3">
             <a:extLst>
               <a:ext uri="{FF2B5EF4-FFF2-40B4-BE49-F238E27FC236}">
-                <a16:creationId xmlns="" xmlns:a16="http://schemas.microsoft.com/office/drawing/2014/main" id="{4A54DF6A-4172-4D5F-A3ED-02BB36DE79DA}"/>
+                <a16:creationId xmlns:a16="http://schemas.microsoft.com/office/drawing/2014/main" id="{4A54DF6A-4172-4D5F-A3ED-02BB36DE79DA}"/>
               </a:ext>
             </a:extLst>
           </p:cNvPr>
@@ -1771,7 +1771,7 @@
           <p:cNvPr id="2" name="Title 1">
             <a:extLst>
               <a:ext uri="{FF2B5EF4-FFF2-40B4-BE49-F238E27FC236}">
-                <a16:creationId xmlns="" xmlns:a16="http://schemas.microsoft.com/office/drawing/2014/main" id="{00F23EB7-E336-46EB-A4A0-3DB7A6BF4CE1}"/>
+                <a16:creationId xmlns:a16="http://schemas.microsoft.com/office/drawing/2014/main" id="{00F23EB7-E336-46EB-A4A0-3DB7A6BF4CE1}"/>
               </a:ext>
             </a:extLst>
           </p:cNvPr>
@@ -1821,7 +1821,7 @@
           <p:cNvPr id="3" name="Subtitle 2">
             <a:extLst>
               <a:ext uri="{FF2B5EF4-FFF2-40B4-BE49-F238E27FC236}">
-                <a16:creationId xmlns="" xmlns:a16="http://schemas.microsoft.com/office/drawing/2014/main" id="{C9980B88-3F4A-4688-9ED0-17EF37E62D93}"/>
+                <a16:creationId xmlns:a16="http://schemas.microsoft.com/office/drawing/2014/main" id="{C9980B88-3F4A-4688-9ED0-17EF37E62D93}"/>
               </a:ext>
             </a:extLst>
           </p:cNvPr>
@@ -1888,7 +1888,7 @@
           </a:lstStyle>
           <a:p>
             <a:r>
-              <a:rPr lang="en-US" smtClean="0"/>
+              <a:rPr lang="en-US"/>
               <a:t>Click to edit Master subtitle style</a:t>
             </a:r>
             <a:endParaRPr lang="en-ZA" dirty="0"/>
@@ -1900,7 +1900,7 @@
           <p:cNvPr id="5" name="Slide Number Placeholder 4">
             <a:extLst>
               <a:ext uri="{FF2B5EF4-FFF2-40B4-BE49-F238E27FC236}">
-                <a16:creationId xmlns="" xmlns:a16="http://schemas.microsoft.com/office/drawing/2014/main" id="{AE6A6BE3-DFA9-4797-868F-D23E7118FAB9}"/>
+                <a16:creationId xmlns:a16="http://schemas.microsoft.com/office/drawing/2014/main" id="{AE6A6BE3-DFA9-4797-868F-D23E7118FAB9}"/>
               </a:ext>
             </a:extLst>
           </p:cNvPr>
@@ -1944,7 +1944,7 @@
           <p:cNvPr id="9" name="Footer Placeholder 8">
             <a:extLst>
               <a:ext uri="{FF2B5EF4-FFF2-40B4-BE49-F238E27FC236}">
-                <a16:creationId xmlns="" xmlns:a16="http://schemas.microsoft.com/office/drawing/2014/main" id="{827C91B9-2B28-435F-8A65-9FB91CE2F765}"/>
+                <a16:creationId xmlns:a16="http://schemas.microsoft.com/office/drawing/2014/main" id="{827C91B9-2B28-435F-8A65-9FB91CE2F765}"/>
               </a:ext>
             </a:extLst>
           </p:cNvPr>
@@ -1979,7 +1979,7 @@
           <p:cNvPr id="12" name="Picture Placeholder 5">
             <a:extLst>
               <a:ext uri="{FF2B5EF4-FFF2-40B4-BE49-F238E27FC236}">
-                <a16:creationId xmlns="" xmlns:a16="http://schemas.microsoft.com/office/drawing/2014/main" id="{3B9EDE4C-506D-4501-A8C1-766F17FB5C04}"/>
+                <a16:creationId xmlns:a16="http://schemas.microsoft.com/office/drawing/2014/main" id="{3B9EDE4C-506D-4501-A8C1-766F17FB5C04}"/>
               </a:ext>
             </a:extLst>
           </p:cNvPr>
@@ -2011,7 +2011,7 @@
           </a:lstStyle>
           <a:p>
             <a:r>
-              <a:rPr lang="en-US" smtClean="0"/>
+              <a:rPr lang="en-US"/>
               <a:t>Click icon to add picture</a:t>
             </a:r>
             <a:endParaRPr lang="en-ZA" dirty="0"/>
@@ -2023,7 +2023,7 @@
           <p:cNvPr id="13" name="Picture Placeholder 5">
             <a:extLst>
               <a:ext uri="{FF2B5EF4-FFF2-40B4-BE49-F238E27FC236}">
-                <a16:creationId xmlns="" xmlns:a16="http://schemas.microsoft.com/office/drawing/2014/main" id="{2A359302-DDE8-41C2-8232-50B1223BEA25}"/>
+                <a16:creationId xmlns:a16="http://schemas.microsoft.com/office/drawing/2014/main" id="{2A359302-DDE8-41C2-8232-50B1223BEA25}"/>
               </a:ext>
             </a:extLst>
           </p:cNvPr>
@@ -2055,7 +2055,7 @@
           </a:lstStyle>
           <a:p>
             <a:r>
-              <a:rPr lang="en-US" smtClean="0"/>
+              <a:rPr lang="en-US"/>
               <a:t>Click icon to add picture</a:t>
             </a:r>
             <a:endParaRPr lang="en-ZA" dirty="0"/>
@@ -2067,7 +2067,7 @@
           <p:cNvPr id="16" name="Text Placeholder 15">
             <a:extLst>
               <a:ext uri="{FF2B5EF4-FFF2-40B4-BE49-F238E27FC236}">
-                <a16:creationId xmlns="" xmlns:a16="http://schemas.microsoft.com/office/drawing/2014/main" id="{B975D864-7312-481A-A5DD-E3B6C5B41BDB}"/>
+                <a16:creationId xmlns:a16="http://schemas.microsoft.com/office/drawing/2014/main" id="{B975D864-7312-481A-A5DD-E3B6C5B41BDB}"/>
               </a:ext>
             </a:extLst>
           </p:cNvPr>
@@ -2090,35 +2090,35 @@
           <a:p>
             <a:pPr lvl="0"/>
             <a:r>
-              <a:rPr lang="en-US" smtClean="0"/>
+              <a:rPr lang="en-US"/>
               <a:t>Click to edit Master text styles</a:t>
             </a:r>
           </a:p>
           <a:p>
             <a:pPr lvl="1"/>
             <a:r>
-              <a:rPr lang="en-US" smtClean="0"/>
+              <a:rPr lang="en-US"/>
               <a:t>Second level</a:t>
             </a:r>
           </a:p>
           <a:p>
             <a:pPr lvl="2"/>
             <a:r>
-              <a:rPr lang="en-US" smtClean="0"/>
+              <a:rPr lang="en-US"/>
               <a:t>Third level</a:t>
             </a:r>
           </a:p>
           <a:p>
             <a:pPr lvl="3"/>
             <a:r>
-              <a:rPr lang="en-US" smtClean="0"/>
+              <a:rPr lang="en-US"/>
               <a:t>Fourth level</a:t>
             </a:r>
           </a:p>
           <a:p>
             <a:pPr lvl="4"/>
             <a:r>
-              <a:rPr lang="en-US" smtClean="0"/>
+              <a:rPr lang="en-US"/>
               <a:t>Fifth level</a:t>
             </a:r>
             <a:endParaRPr lang="en-ZA" dirty="0"/>
@@ -2160,7 +2160,7 @@
           <p:cNvPr id="2" name="Title 1">
             <a:extLst>
               <a:ext uri="{FF2B5EF4-FFF2-40B4-BE49-F238E27FC236}">
-                <a16:creationId xmlns="" xmlns:a16="http://schemas.microsoft.com/office/drawing/2014/main" id="{5FC626A5-4FF6-42BD-858A-AE4B2C23A6BC}"/>
+                <a16:creationId xmlns:a16="http://schemas.microsoft.com/office/drawing/2014/main" id="{5FC626A5-4FF6-42BD-858A-AE4B2C23A6BC}"/>
               </a:ext>
             </a:extLst>
           </p:cNvPr>
@@ -2188,7 +2188,7 @@
           </a:lstStyle>
           <a:p>
             <a:r>
-              <a:rPr lang="en-US" smtClean="0"/>
+              <a:rPr lang="en-US"/>
               <a:t>Click to edit Master title style</a:t>
             </a:r>
             <a:endParaRPr lang="en-ZA" dirty="0"/>
@@ -2200,7 +2200,7 @@
           <p:cNvPr id="6" name="Footer Placeholder 5">
             <a:extLst>
               <a:ext uri="{FF2B5EF4-FFF2-40B4-BE49-F238E27FC236}">
-                <a16:creationId xmlns="" xmlns:a16="http://schemas.microsoft.com/office/drawing/2014/main" id="{29E5E346-F307-4307-949D-77CDB6E6577A}"/>
+                <a16:creationId xmlns:a16="http://schemas.microsoft.com/office/drawing/2014/main" id="{29E5E346-F307-4307-949D-77CDB6E6577A}"/>
               </a:ext>
             </a:extLst>
           </p:cNvPr>
@@ -2246,7 +2246,7 @@
           <p:cNvPr id="7" name="Slide Number Placeholder 6">
             <a:extLst>
               <a:ext uri="{FF2B5EF4-FFF2-40B4-BE49-F238E27FC236}">
-                <a16:creationId xmlns="" xmlns:a16="http://schemas.microsoft.com/office/drawing/2014/main" id="{BB4446C0-A637-4726-88A6-815A6AB63B96}"/>
+                <a16:creationId xmlns:a16="http://schemas.microsoft.com/office/drawing/2014/main" id="{BB4446C0-A637-4726-88A6-815A6AB63B96}"/>
               </a:ext>
             </a:extLst>
           </p:cNvPr>
@@ -2301,7 +2301,7 @@
           <p:cNvPr id="5" name="Text Placeholder 8">
             <a:extLst>
               <a:ext uri="{FF2B5EF4-FFF2-40B4-BE49-F238E27FC236}">
-                <a16:creationId xmlns="" xmlns:a16="http://schemas.microsoft.com/office/drawing/2014/main" id="{31898370-0247-41A8-AF7A-6DD67D2AEDB1}"/>
+                <a16:creationId xmlns:a16="http://schemas.microsoft.com/office/drawing/2014/main" id="{31898370-0247-41A8-AF7A-6DD67D2AEDB1}"/>
               </a:ext>
             </a:extLst>
           </p:cNvPr>
@@ -2350,7 +2350,7 @@
           <p:cNvPr id="8" name="Text Placeholder 10">
             <a:extLst>
               <a:ext uri="{FF2B5EF4-FFF2-40B4-BE49-F238E27FC236}">
-                <a16:creationId xmlns="" xmlns:a16="http://schemas.microsoft.com/office/drawing/2014/main" id="{697E4DC3-72E4-4678-9EB9-18EF75AE1A59}"/>
+                <a16:creationId xmlns:a16="http://schemas.microsoft.com/office/drawing/2014/main" id="{697E4DC3-72E4-4678-9EB9-18EF75AE1A59}"/>
               </a:ext>
             </a:extLst>
           </p:cNvPr>
@@ -2397,7 +2397,7 @@
           <p:cNvPr id="9" name="Text Placeholder 8">
             <a:extLst>
               <a:ext uri="{FF2B5EF4-FFF2-40B4-BE49-F238E27FC236}">
-                <a16:creationId xmlns="" xmlns:a16="http://schemas.microsoft.com/office/drawing/2014/main" id="{07F18567-9326-411F-BA8D-561D58C7DD91}"/>
+                <a16:creationId xmlns:a16="http://schemas.microsoft.com/office/drawing/2014/main" id="{07F18567-9326-411F-BA8D-561D58C7DD91}"/>
               </a:ext>
             </a:extLst>
           </p:cNvPr>
@@ -2446,7 +2446,7 @@
           <p:cNvPr id="10" name="Text Placeholder 10">
             <a:extLst>
               <a:ext uri="{FF2B5EF4-FFF2-40B4-BE49-F238E27FC236}">
-                <a16:creationId xmlns="" xmlns:a16="http://schemas.microsoft.com/office/drawing/2014/main" id="{39809F78-EA1B-4C23-A53E-7DE8B4A6AE1D}"/>
+                <a16:creationId xmlns:a16="http://schemas.microsoft.com/office/drawing/2014/main" id="{39809F78-EA1B-4C23-A53E-7DE8B4A6AE1D}"/>
               </a:ext>
             </a:extLst>
           </p:cNvPr>
@@ -2493,7 +2493,7 @@
           <p:cNvPr id="11" name="Text Placeholder 8">
             <a:extLst>
               <a:ext uri="{FF2B5EF4-FFF2-40B4-BE49-F238E27FC236}">
-                <a16:creationId xmlns="" xmlns:a16="http://schemas.microsoft.com/office/drawing/2014/main" id="{97E7DC10-1618-471B-9441-C640C7FEDD37}"/>
+                <a16:creationId xmlns:a16="http://schemas.microsoft.com/office/drawing/2014/main" id="{97E7DC10-1618-471B-9441-C640C7FEDD37}"/>
               </a:ext>
             </a:extLst>
           </p:cNvPr>
@@ -2542,7 +2542,7 @@
           <p:cNvPr id="12" name="Text Placeholder 10">
             <a:extLst>
               <a:ext uri="{FF2B5EF4-FFF2-40B4-BE49-F238E27FC236}">
-                <a16:creationId xmlns="" xmlns:a16="http://schemas.microsoft.com/office/drawing/2014/main" id="{20AEB661-858B-44C9-9484-E540E04AD365}"/>
+                <a16:creationId xmlns:a16="http://schemas.microsoft.com/office/drawing/2014/main" id="{20AEB661-858B-44C9-9484-E540E04AD365}"/>
               </a:ext>
             </a:extLst>
           </p:cNvPr>
@@ -2589,7 +2589,7 @@
           <p:cNvPr id="13" name="Text Placeholder 8">
             <a:extLst>
               <a:ext uri="{FF2B5EF4-FFF2-40B4-BE49-F238E27FC236}">
-                <a16:creationId xmlns="" xmlns:a16="http://schemas.microsoft.com/office/drawing/2014/main" id="{FDB26B40-5901-4EF0-BCF0-55677E28B176}"/>
+                <a16:creationId xmlns:a16="http://schemas.microsoft.com/office/drawing/2014/main" id="{FDB26B40-5901-4EF0-BCF0-55677E28B176}"/>
               </a:ext>
             </a:extLst>
           </p:cNvPr>
@@ -2638,7 +2638,7 @@
           <p:cNvPr id="14" name="Text Placeholder 10">
             <a:extLst>
               <a:ext uri="{FF2B5EF4-FFF2-40B4-BE49-F238E27FC236}">
-                <a16:creationId xmlns="" xmlns:a16="http://schemas.microsoft.com/office/drawing/2014/main" id="{CCEAE0AB-74EC-4097-A534-A578F1097938}"/>
+                <a16:creationId xmlns:a16="http://schemas.microsoft.com/office/drawing/2014/main" id="{CCEAE0AB-74EC-4097-A534-A578F1097938}"/>
               </a:ext>
             </a:extLst>
           </p:cNvPr>
@@ -2685,7 +2685,7 @@
           <p:cNvPr id="15" name="Text Placeholder 8">
             <a:extLst>
               <a:ext uri="{FF2B5EF4-FFF2-40B4-BE49-F238E27FC236}">
-                <a16:creationId xmlns="" xmlns:a16="http://schemas.microsoft.com/office/drawing/2014/main" id="{B95692FA-0FC8-4EBA-8C23-6F85A921DB49}"/>
+                <a16:creationId xmlns:a16="http://schemas.microsoft.com/office/drawing/2014/main" id="{B95692FA-0FC8-4EBA-8C23-6F85A921DB49}"/>
               </a:ext>
             </a:extLst>
           </p:cNvPr>
@@ -2734,7 +2734,7 @@
           <p:cNvPr id="16" name="Text Placeholder 10">
             <a:extLst>
               <a:ext uri="{FF2B5EF4-FFF2-40B4-BE49-F238E27FC236}">
-                <a16:creationId xmlns="" xmlns:a16="http://schemas.microsoft.com/office/drawing/2014/main" id="{BFA4D6B2-D388-4538-A77C-689D93EDB695}"/>
+                <a16:creationId xmlns:a16="http://schemas.microsoft.com/office/drawing/2014/main" id="{BFA4D6B2-D388-4538-A77C-689D93EDB695}"/>
               </a:ext>
             </a:extLst>
           </p:cNvPr>
@@ -2781,7 +2781,7 @@
           <p:cNvPr id="17" name="Picture Placeholder 15">
             <a:extLst>
               <a:ext uri="{FF2B5EF4-FFF2-40B4-BE49-F238E27FC236}">
-                <a16:creationId xmlns="" xmlns:a16="http://schemas.microsoft.com/office/drawing/2014/main" id="{9DE1E570-14DE-42F6-9DDD-49752C3ACA3B}"/>
+                <a16:creationId xmlns:a16="http://schemas.microsoft.com/office/drawing/2014/main" id="{9DE1E570-14DE-42F6-9DDD-49752C3ACA3B}"/>
               </a:ext>
             </a:extLst>
           </p:cNvPr>
@@ -2843,7 +2843,7 @@
           <a:p>
             <a:pPr marL="266700" lvl="0" indent="-266700" algn="ctr"/>
             <a:r>
-              <a:rPr lang="en-US" smtClean="0"/>
+              <a:rPr lang="en-US"/>
               <a:t>Click icon to add picture</a:t>
             </a:r>
             <a:endParaRPr lang="en-ZA" dirty="0"/>
@@ -2855,7 +2855,7 @@
           <p:cNvPr id="18" name="Picture Placeholder 15">
             <a:extLst>
               <a:ext uri="{FF2B5EF4-FFF2-40B4-BE49-F238E27FC236}">
-                <a16:creationId xmlns="" xmlns:a16="http://schemas.microsoft.com/office/drawing/2014/main" id="{43CBE128-6D8D-4605-B225-5A34FFB1F25B}"/>
+                <a16:creationId xmlns:a16="http://schemas.microsoft.com/office/drawing/2014/main" id="{43CBE128-6D8D-4605-B225-5A34FFB1F25B}"/>
               </a:ext>
             </a:extLst>
           </p:cNvPr>
@@ -2917,7 +2917,7 @@
           <a:p>
             <a:pPr marL="266700" lvl="0" indent="-266700" algn="ctr"/>
             <a:r>
-              <a:rPr lang="en-US" smtClean="0"/>
+              <a:rPr lang="en-US"/>
               <a:t>Click icon to add picture</a:t>
             </a:r>
             <a:endParaRPr lang="en-ZA" dirty="0"/>
@@ -2929,7 +2929,7 @@
           <p:cNvPr id="19" name="Picture Placeholder 15">
             <a:extLst>
               <a:ext uri="{FF2B5EF4-FFF2-40B4-BE49-F238E27FC236}">
-                <a16:creationId xmlns="" xmlns:a16="http://schemas.microsoft.com/office/drawing/2014/main" id="{E63C0874-8701-4CED-B60A-61A655FB5A5F}"/>
+                <a16:creationId xmlns:a16="http://schemas.microsoft.com/office/drawing/2014/main" id="{E63C0874-8701-4CED-B60A-61A655FB5A5F}"/>
               </a:ext>
             </a:extLst>
           </p:cNvPr>
@@ -2991,7 +2991,7 @@
           <a:p>
             <a:pPr marL="266700" lvl="0" indent="-266700" algn="ctr"/>
             <a:r>
-              <a:rPr lang="en-US" smtClean="0"/>
+              <a:rPr lang="en-US"/>
               <a:t>Click icon to add picture</a:t>
             </a:r>
             <a:endParaRPr lang="en-ZA" dirty="0"/>
@@ -3003,7 +3003,7 @@
           <p:cNvPr id="20" name="Picture Placeholder 15">
             <a:extLst>
               <a:ext uri="{FF2B5EF4-FFF2-40B4-BE49-F238E27FC236}">
-                <a16:creationId xmlns="" xmlns:a16="http://schemas.microsoft.com/office/drawing/2014/main" id="{F223D9C7-A9C3-4D38-B4D8-9CAB3A19CF51}"/>
+                <a16:creationId xmlns:a16="http://schemas.microsoft.com/office/drawing/2014/main" id="{F223D9C7-A9C3-4D38-B4D8-9CAB3A19CF51}"/>
               </a:ext>
             </a:extLst>
           </p:cNvPr>
@@ -3065,7 +3065,7 @@
           <a:p>
             <a:pPr marL="266700" lvl="0" indent="-266700" algn="ctr"/>
             <a:r>
-              <a:rPr lang="en-US" smtClean="0"/>
+              <a:rPr lang="en-US"/>
               <a:t>Click icon to add picture</a:t>
             </a:r>
             <a:endParaRPr lang="en-ZA" dirty="0"/>
@@ -3077,7 +3077,7 @@
           <p:cNvPr id="21" name="Picture Placeholder 15">
             <a:extLst>
               <a:ext uri="{FF2B5EF4-FFF2-40B4-BE49-F238E27FC236}">
-                <a16:creationId xmlns="" xmlns:a16="http://schemas.microsoft.com/office/drawing/2014/main" id="{5B90C43A-E202-44D5-87CB-BD25DE6EF544}"/>
+                <a16:creationId xmlns:a16="http://schemas.microsoft.com/office/drawing/2014/main" id="{5B90C43A-E202-44D5-87CB-BD25DE6EF544}"/>
               </a:ext>
             </a:extLst>
           </p:cNvPr>
@@ -3139,7 +3139,7 @@
           <a:p>
             <a:pPr marL="266700" lvl="0" indent="-266700" algn="ctr"/>
             <a:r>
-              <a:rPr lang="en-US" smtClean="0"/>
+              <a:rPr lang="en-US"/>
               <a:t>Click icon to add picture</a:t>
             </a:r>
             <a:endParaRPr lang="en-ZA" dirty="0"/>
@@ -3151,7 +3151,7 @@
           <p:cNvPr id="22" name="Text Placeholder 5">
             <a:extLst>
               <a:ext uri="{FF2B5EF4-FFF2-40B4-BE49-F238E27FC236}">
-                <a16:creationId xmlns="" xmlns:a16="http://schemas.microsoft.com/office/drawing/2014/main" id="{AE3E6576-B268-4232-858E-037F3AFA53D0}"/>
+                <a16:creationId xmlns:a16="http://schemas.microsoft.com/office/drawing/2014/main" id="{AE3E6576-B268-4232-858E-037F3AFA53D0}"/>
               </a:ext>
             </a:extLst>
           </p:cNvPr>
@@ -3207,10 +3207,10 @@
           <p:cNvPr id="23" name="Rectangle 6">
             <a:extLst>
               <a:ext uri="{FF2B5EF4-FFF2-40B4-BE49-F238E27FC236}">
-                <a16:creationId xmlns="" xmlns:a16="http://schemas.microsoft.com/office/drawing/2014/main" id="{644FE3AF-A04D-4D49-BDFD-FAF66D921FBF}"/>
+                <a16:creationId xmlns:a16="http://schemas.microsoft.com/office/drawing/2014/main" id="{644FE3AF-A04D-4D49-BDFD-FAF66D921FBF}"/>
               </a:ext>
               <a:ext uri="{C183D7F6-B498-43B3-948B-1728B52AA6E4}">
-                <adec:decorative xmlns="" xmlns:adec="http://schemas.microsoft.com/office/drawing/2017/decorative" val="1"/>
+                <adec:decorative xmlns:adec="http://schemas.microsoft.com/office/drawing/2017/decorative" val="1"/>
               </a:ext>
             </a:extLst>
           </p:cNvPr>
@@ -3330,10 +3330,10 @@
           <p:cNvPr id="24" name="Rectangle 6">
             <a:extLst>
               <a:ext uri="{FF2B5EF4-FFF2-40B4-BE49-F238E27FC236}">
-                <a16:creationId xmlns="" xmlns:a16="http://schemas.microsoft.com/office/drawing/2014/main" id="{EAC46016-1B95-4163-8EAA-252BE4B86300}"/>
+                <a16:creationId xmlns:a16="http://schemas.microsoft.com/office/drawing/2014/main" id="{EAC46016-1B95-4163-8EAA-252BE4B86300}"/>
               </a:ext>
               <a:ext uri="{C183D7F6-B498-43B3-948B-1728B52AA6E4}">
-                <adec:decorative xmlns="" xmlns:adec="http://schemas.microsoft.com/office/drawing/2017/decorative" val="1"/>
+                <adec:decorative xmlns:adec="http://schemas.microsoft.com/office/drawing/2017/decorative" val="1"/>
               </a:ext>
             </a:extLst>
           </p:cNvPr>
@@ -3453,10 +3453,10 @@
           <p:cNvPr id="25" name="Rectangle 6">
             <a:extLst>
               <a:ext uri="{FF2B5EF4-FFF2-40B4-BE49-F238E27FC236}">
-                <a16:creationId xmlns="" xmlns:a16="http://schemas.microsoft.com/office/drawing/2014/main" id="{EC09029D-7190-452C-92D6-6B055D055C5B}"/>
+                <a16:creationId xmlns:a16="http://schemas.microsoft.com/office/drawing/2014/main" id="{EC09029D-7190-452C-92D6-6B055D055C5B}"/>
               </a:ext>
               <a:ext uri="{C183D7F6-B498-43B3-948B-1728B52AA6E4}">
-                <adec:decorative xmlns="" xmlns:adec="http://schemas.microsoft.com/office/drawing/2017/decorative" val="1"/>
+                <adec:decorative xmlns:adec="http://schemas.microsoft.com/office/drawing/2017/decorative" val="1"/>
               </a:ext>
             </a:extLst>
           </p:cNvPr>
@@ -3576,10 +3576,10 @@
           <p:cNvPr id="26" name="Rectangle 6">
             <a:extLst>
               <a:ext uri="{FF2B5EF4-FFF2-40B4-BE49-F238E27FC236}">
-                <a16:creationId xmlns="" xmlns:a16="http://schemas.microsoft.com/office/drawing/2014/main" id="{78798274-03F6-4FD0-93AB-82A31D0A2649}"/>
+                <a16:creationId xmlns:a16="http://schemas.microsoft.com/office/drawing/2014/main" id="{78798274-03F6-4FD0-93AB-82A31D0A2649}"/>
               </a:ext>
               <a:ext uri="{C183D7F6-B498-43B3-948B-1728B52AA6E4}">
-                <adec:decorative xmlns="" xmlns:adec="http://schemas.microsoft.com/office/drawing/2017/decorative" val="1"/>
+                <adec:decorative xmlns:adec="http://schemas.microsoft.com/office/drawing/2017/decorative" val="1"/>
               </a:ext>
             </a:extLst>
           </p:cNvPr>
@@ -3699,10 +3699,10 @@
           <p:cNvPr id="27" name="Rectangle 6">
             <a:extLst>
               <a:ext uri="{FF2B5EF4-FFF2-40B4-BE49-F238E27FC236}">
-                <a16:creationId xmlns="" xmlns:a16="http://schemas.microsoft.com/office/drawing/2014/main" id="{1E3DDEC1-3507-486F-8CCF-7F1E9EB810E9}"/>
+                <a16:creationId xmlns:a16="http://schemas.microsoft.com/office/drawing/2014/main" id="{1E3DDEC1-3507-486F-8CCF-7F1E9EB810E9}"/>
               </a:ext>
               <a:ext uri="{C183D7F6-B498-43B3-948B-1728B52AA6E4}">
-                <adec:decorative xmlns="" xmlns:adec="http://schemas.microsoft.com/office/drawing/2017/decorative" val="1"/>
+                <adec:decorative xmlns:adec="http://schemas.microsoft.com/office/drawing/2017/decorative" val="1"/>
               </a:ext>
             </a:extLst>
           </p:cNvPr>
@@ -3852,7 +3852,7 @@
           <p:cNvPr id="23" name="Picture Placeholder 10">
             <a:extLst>
               <a:ext uri="{FF2B5EF4-FFF2-40B4-BE49-F238E27FC236}">
-                <a16:creationId xmlns="" xmlns:a16="http://schemas.microsoft.com/office/drawing/2014/main" id="{42B3D5D2-87D3-49A6-9FA2-5D21A6486F97}"/>
+                <a16:creationId xmlns:a16="http://schemas.microsoft.com/office/drawing/2014/main" id="{42B3D5D2-87D3-49A6-9FA2-5D21A6486F97}"/>
               </a:ext>
             </a:extLst>
           </p:cNvPr>
@@ -3895,7 +3895,7 @@
           <p:cNvPr id="2" name="Title 1">
             <a:extLst>
               <a:ext uri="{FF2B5EF4-FFF2-40B4-BE49-F238E27FC236}">
-                <a16:creationId xmlns="" xmlns:a16="http://schemas.microsoft.com/office/drawing/2014/main" id="{5FC626A5-4FF6-42BD-858A-AE4B2C23A6BC}"/>
+                <a16:creationId xmlns:a16="http://schemas.microsoft.com/office/drawing/2014/main" id="{5FC626A5-4FF6-42BD-858A-AE4B2C23A6BC}"/>
               </a:ext>
             </a:extLst>
           </p:cNvPr>
@@ -3928,7 +3928,7 @@
           </a:lstStyle>
           <a:p>
             <a:r>
-              <a:rPr lang="en-US" smtClean="0"/>
+              <a:rPr lang="en-US"/>
               <a:t>Click to edit Master title style</a:t>
             </a:r>
             <a:endParaRPr lang="en-ZA" dirty="0"/>
@@ -3940,7 +3940,7 @@
           <p:cNvPr id="6" name="Footer Placeholder 5">
             <a:extLst>
               <a:ext uri="{FF2B5EF4-FFF2-40B4-BE49-F238E27FC236}">
-                <a16:creationId xmlns="" xmlns:a16="http://schemas.microsoft.com/office/drawing/2014/main" id="{29E5E346-F307-4307-949D-77CDB6E6577A}"/>
+                <a16:creationId xmlns:a16="http://schemas.microsoft.com/office/drawing/2014/main" id="{29E5E346-F307-4307-949D-77CDB6E6577A}"/>
               </a:ext>
             </a:extLst>
           </p:cNvPr>
@@ -3986,7 +3986,7 @@
           <p:cNvPr id="7" name="Slide Number Placeholder 6">
             <a:extLst>
               <a:ext uri="{FF2B5EF4-FFF2-40B4-BE49-F238E27FC236}">
-                <a16:creationId xmlns="" xmlns:a16="http://schemas.microsoft.com/office/drawing/2014/main" id="{BB4446C0-A637-4726-88A6-815A6AB63B96}"/>
+                <a16:creationId xmlns:a16="http://schemas.microsoft.com/office/drawing/2014/main" id="{BB4446C0-A637-4726-88A6-815A6AB63B96}"/>
               </a:ext>
             </a:extLst>
           </p:cNvPr>
@@ -4041,7 +4041,7 @@
           <p:cNvPr id="11" name="Text Placeholder 8">
             <a:extLst>
               <a:ext uri="{FF2B5EF4-FFF2-40B4-BE49-F238E27FC236}">
-                <a16:creationId xmlns="" xmlns:a16="http://schemas.microsoft.com/office/drawing/2014/main" id="{97E7DC10-1618-471B-9441-C640C7FEDD37}"/>
+                <a16:creationId xmlns:a16="http://schemas.microsoft.com/office/drawing/2014/main" id="{97E7DC10-1618-471B-9441-C640C7FEDD37}"/>
               </a:ext>
             </a:extLst>
           </p:cNvPr>
@@ -4090,7 +4090,7 @@
           <p:cNvPr id="12" name="Text Placeholder 10">
             <a:extLst>
               <a:ext uri="{FF2B5EF4-FFF2-40B4-BE49-F238E27FC236}">
-                <a16:creationId xmlns="" xmlns:a16="http://schemas.microsoft.com/office/drawing/2014/main" id="{20AEB661-858B-44C9-9484-E540E04AD365}"/>
+                <a16:creationId xmlns:a16="http://schemas.microsoft.com/office/drawing/2014/main" id="{20AEB661-858B-44C9-9484-E540E04AD365}"/>
               </a:ext>
             </a:extLst>
           </p:cNvPr>
@@ -4137,7 +4137,7 @@
           <p:cNvPr id="13" name="Text Placeholder 8">
             <a:extLst>
               <a:ext uri="{FF2B5EF4-FFF2-40B4-BE49-F238E27FC236}">
-                <a16:creationId xmlns="" xmlns:a16="http://schemas.microsoft.com/office/drawing/2014/main" id="{FDB26B40-5901-4EF0-BCF0-55677E28B176}"/>
+                <a16:creationId xmlns:a16="http://schemas.microsoft.com/office/drawing/2014/main" id="{FDB26B40-5901-4EF0-BCF0-55677E28B176}"/>
               </a:ext>
             </a:extLst>
           </p:cNvPr>
@@ -4186,7 +4186,7 @@
           <p:cNvPr id="14" name="Text Placeholder 10">
             <a:extLst>
               <a:ext uri="{FF2B5EF4-FFF2-40B4-BE49-F238E27FC236}">
-                <a16:creationId xmlns="" xmlns:a16="http://schemas.microsoft.com/office/drawing/2014/main" id="{CCEAE0AB-74EC-4097-A534-A578F1097938}"/>
+                <a16:creationId xmlns:a16="http://schemas.microsoft.com/office/drawing/2014/main" id="{CCEAE0AB-74EC-4097-A534-A578F1097938}"/>
               </a:ext>
             </a:extLst>
           </p:cNvPr>
@@ -4233,7 +4233,7 @@
           <p:cNvPr id="15" name="Text Placeholder 8">
             <a:extLst>
               <a:ext uri="{FF2B5EF4-FFF2-40B4-BE49-F238E27FC236}">
-                <a16:creationId xmlns="" xmlns:a16="http://schemas.microsoft.com/office/drawing/2014/main" id="{B95692FA-0FC8-4EBA-8C23-6F85A921DB49}"/>
+                <a16:creationId xmlns:a16="http://schemas.microsoft.com/office/drawing/2014/main" id="{B95692FA-0FC8-4EBA-8C23-6F85A921DB49}"/>
               </a:ext>
             </a:extLst>
           </p:cNvPr>
@@ -4282,7 +4282,7 @@
           <p:cNvPr id="16" name="Text Placeholder 10">
             <a:extLst>
               <a:ext uri="{FF2B5EF4-FFF2-40B4-BE49-F238E27FC236}">
-                <a16:creationId xmlns="" xmlns:a16="http://schemas.microsoft.com/office/drawing/2014/main" id="{BFA4D6B2-D388-4538-A77C-689D93EDB695}"/>
+                <a16:creationId xmlns:a16="http://schemas.microsoft.com/office/drawing/2014/main" id="{BFA4D6B2-D388-4538-A77C-689D93EDB695}"/>
               </a:ext>
             </a:extLst>
           </p:cNvPr>
@@ -4329,7 +4329,7 @@
           <p:cNvPr id="19" name="Picture Placeholder 15">
             <a:extLst>
               <a:ext uri="{FF2B5EF4-FFF2-40B4-BE49-F238E27FC236}">
-                <a16:creationId xmlns="" xmlns:a16="http://schemas.microsoft.com/office/drawing/2014/main" id="{E63C0874-8701-4CED-B60A-61A655FB5A5F}"/>
+                <a16:creationId xmlns:a16="http://schemas.microsoft.com/office/drawing/2014/main" id="{E63C0874-8701-4CED-B60A-61A655FB5A5F}"/>
               </a:ext>
             </a:extLst>
           </p:cNvPr>
@@ -4391,7 +4391,7 @@
           <a:p>
             <a:pPr marL="266700" lvl="0" indent="-266700" algn="ctr"/>
             <a:r>
-              <a:rPr lang="en-US" smtClean="0"/>
+              <a:rPr lang="en-US"/>
               <a:t>Click icon to add picture</a:t>
             </a:r>
             <a:endParaRPr lang="en-ZA" dirty="0"/>
@@ -4403,7 +4403,7 @@
           <p:cNvPr id="20" name="Picture Placeholder 15">
             <a:extLst>
               <a:ext uri="{FF2B5EF4-FFF2-40B4-BE49-F238E27FC236}">
-                <a16:creationId xmlns="" xmlns:a16="http://schemas.microsoft.com/office/drawing/2014/main" id="{F223D9C7-A9C3-4D38-B4D8-9CAB3A19CF51}"/>
+                <a16:creationId xmlns:a16="http://schemas.microsoft.com/office/drawing/2014/main" id="{F223D9C7-A9C3-4D38-B4D8-9CAB3A19CF51}"/>
               </a:ext>
             </a:extLst>
           </p:cNvPr>
@@ -4465,7 +4465,7 @@
           <a:p>
             <a:pPr marL="266700" lvl="0" indent="-266700" algn="ctr"/>
             <a:r>
-              <a:rPr lang="en-US" smtClean="0"/>
+              <a:rPr lang="en-US"/>
               <a:t>Click icon to add picture</a:t>
             </a:r>
             <a:endParaRPr lang="en-ZA" dirty="0"/>
@@ -4477,7 +4477,7 @@
           <p:cNvPr id="21" name="Picture Placeholder 15">
             <a:extLst>
               <a:ext uri="{FF2B5EF4-FFF2-40B4-BE49-F238E27FC236}">
-                <a16:creationId xmlns="" xmlns:a16="http://schemas.microsoft.com/office/drawing/2014/main" id="{5B90C43A-E202-44D5-87CB-BD25DE6EF544}"/>
+                <a16:creationId xmlns:a16="http://schemas.microsoft.com/office/drawing/2014/main" id="{5B90C43A-E202-44D5-87CB-BD25DE6EF544}"/>
               </a:ext>
             </a:extLst>
           </p:cNvPr>
@@ -4539,7 +4539,7 @@
           <a:p>
             <a:pPr marL="266700" lvl="0" indent="-266700" algn="ctr"/>
             <a:r>
-              <a:rPr lang="en-US" smtClean="0"/>
+              <a:rPr lang="en-US"/>
               <a:t>Click icon to add picture</a:t>
             </a:r>
             <a:endParaRPr lang="en-ZA" dirty="0"/>
@@ -4551,7 +4551,7 @@
           <p:cNvPr id="22" name="Text Placeholder 5">
             <a:extLst>
               <a:ext uri="{FF2B5EF4-FFF2-40B4-BE49-F238E27FC236}">
-                <a16:creationId xmlns="" xmlns:a16="http://schemas.microsoft.com/office/drawing/2014/main" id="{AE3E6576-B268-4232-858E-037F3AFA53D0}"/>
+                <a16:creationId xmlns:a16="http://schemas.microsoft.com/office/drawing/2014/main" id="{AE3E6576-B268-4232-858E-037F3AFA53D0}"/>
               </a:ext>
             </a:extLst>
           </p:cNvPr>
@@ -4607,7 +4607,7 @@
           <p:cNvPr id="25" name="Group 24">
             <a:extLst>
               <a:ext uri="{FF2B5EF4-FFF2-40B4-BE49-F238E27FC236}">
-                <a16:creationId xmlns="" xmlns:a16="http://schemas.microsoft.com/office/drawing/2014/main" id="{00A98AF6-5DA1-4AA4-9068-753B7B67CCD9}"/>
+                <a16:creationId xmlns:a16="http://schemas.microsoft.com/office/drawing/2014/main" id="{00A98AF6-5DA1-4AA4-9068-753B7B67CCD9}"/>
               </a:ext>
             </a:extLst>
           </p:cNvPr>
@@ -4627,7 +4627,7 @@
             <p:cNvPr id="26" name="Rectangle 6">
               <a:extLst>
                 <a:ext uri="{FF2B5EF4-FFF2-40B4-BE49-F238E27FC236}">
-                  <a16:creationId xmlns="" xmlns:a16="http://schemas.microsoft.com/office/drawing/2014/main" id="{610C6BE2-3871-4E51-920D-2E1F13FA22D4}"/>
+                  <a16:creationId xmlns:a16="http://schemas.microsoft.com/office/drawing/2014/main" id="{610C6BE2-3871-4E51-920D-2E1F13FA22D4}"/>
                 </a:ext>
               </a:extLst>
             </p:cNvPr>
@@ -4747,7 +4747,7 @@
             <p:cNvPr id="27" name="Rectangle 6">
               <a:extLst>
                 <a:ext uri="{FF2B5EF4-FFF2-40B4-BE49-F238E27FC236}">
-                  <a16:creationId xmlns="" xmlns:a16="http://schemas.microsoft.com/office/drawing/2014/main" id="{409F8537-0917-49A4-B9A1-0B68ED60DF2C}"/>
+                  <a16:creationId xmlns:a16="http://schemas.microsoft.com/office/drawing/2014/main" id="{409F8537-0917-49A4-B9A1-0B68ED60DF2C}"/>
                 </a:ext>
               </a:extLst>
             </p:cNvPr>
@@ -4868,10 +4868,10 @@
           <p:cNvPr id="24" name="Rectangle 6">
             <a:extLst>
               <a:ext uri="{FF2B5EF4-FFF2-40B4-BE49-F238E27FC236}">
-                <a16:creationId xmlns="" xmlns:a16="http://schemas.microsoft.com/office/drawing/2014/main" id="{3E24480B-1EA1-4618-A14A-DFF8FA263887}"/>
+                <a16:creationId xmlns:a16="http://schemas.microsoft.com/office/drawing/2014/main" id="{3E24480B-1EA1-4618-A14A-DFF8FA263887}"/>
               </a:ext>
               <a:ext uri="{C183D7F6-B498-43B3-948B-1728B52AA6E4}">
-                <adec:decorative xmlns="" xmlns:adec="http://schemas.microsoft.com/office/drawing/2017/decorative" val="1"/>
+                <adec:decorative xmlns:adec="http://schemas.microsoft.com/office/drawing/2017/decorative" val="1"/>
               </a:ext>
             </a:extLst>
           </p:cNvPr>
@@ -4989,10 +4989,10 @@
           <p:cNvPr id="28" name="Rectangle 6">
             <a:extLst>
               <a:ext uri="{FF2B5EF4-FFF2-40B4-BE49-F238E27FC236}">
-                <a16:creationId xmlns="" xmlns:a16="http://schemas.microsoft.com/office/drawing/2014/main" id="{043B620A-4118-4E00-9D79-5BD4C87DCEAB}"/>
+                <a16:creationId xmlns:a16="http://schemas.microsoft.com/office/drawing/2014/main" id="{043B620A-4118-4E00-9D79-5BD4C87DCEAB}"/>
               </a:ext>
               <a:ext uri="{C183D7F6-B498-43B3-948B-1728B52AA6E4}">
-                <adec:decorative xmlns="" xmlns:adec="http://schemas.microsoft.com/office/drawing/2017/decorative" val="1"/>
+                <adec:decorative xmlns:adec="http://schemas.microsoft.com/office/drawing/2017/decorative" val="1"/>
               </a:ext>
             </a:extLst>
           </p:cNvPr>
@@ -5110,10 +5110,10 @@
           <p:cNvPr id="29" name="Rectangle 6">
             <a:extLst>
               <a:ext uri="{FF2B5EF4-FFF2-40B4-BE49-F238E27FC236}">
-                <a16:creationId xmlns="" xmlns:a16="http://schemas.microsoft.com/office/drawing/2014/main" id="{612097E6-9559-4AEF-968E-6C2F89163D7B}"/>
+                <a16:creationId xmlns:a16="http://schemas.microsoft.com/office/drawing/2014/main" id="{612097E6-9559-4AEF-968E-6C2F89163D7B}"/>
               </a:ext>
               <a:ext uri="{C183D7F6-B498-43B3-948B-1728B52AA6E4}">
-                <adec:decorative xmlns="" xmlns:adec="http://schemas.microsoft.com/office/drawing/2017/decorative" val="1"/>
+                <adec:decorative xmlns:adec="http://schemas.microsoft.com/office/drawing/2017/decorative" val="1"/>
               </a:ext>
             </a:extLst>
           </p:cNvPr>
@@ -5261,7 +5261,7 @@
           <p:cNvPr id="23" name="Picture Placeholder 10">
             <a:extLst>
               <a:ext uri="{FF2B5EF4-FFF2-40B4-BE49-F238E27FC236}">
-                <a16:creationId xmlns="" xmlns:a16="http://schemas.microsoft.com/office/drawing/2014/main" id="{42B3D5D2-87D3-49A6-9FA2-5D21A6486F97}"/>
+                <a16:creationId xmlns:a16="http://schemas.microsoft.com/office/drawing/2014/main" id="{42B3D5D2-87D3-49A6-9FA2-5D21A6486F97}"/>
               </a:ext>
             </a:extLst>
           </p:cNvPr>
@@ -5304,7 +5304,7 @@
           <p:cNvPr id="2" name="Title 1">
             <a:extLst>
               <a:ext uri="{FF2B5EF4-FFF2-40B4-BE49-F238E27FC236}">
-                <a16:creationId xmlns="" xmlns:a16="http://schemas.microsoft.com/office/drawing/2014/main" id="{5FC626A5-4FF6-42BD-858A-AE4B2C23A6BC}"/>
+                <a16:creationId xmlns:a16="http://schemas.microsoft.com/office/drawing/2014/main" id="{5FC626A5-4FF6-42BD-858A-AE4B2C23A6BC}"/>
               </a:ext>
             </a:extLst>
           </p:cNvPr>
@@ -5337,7 +5337,7 @@
           </a:lstStyle>
           <a:p>
             <a:r>
-              <a:rPr lang="en-US" smtClean="0"/>
+              <a:rPr lang="en-US"/>
               <a:t>Click to edit Master title style</a:t>
             </a:r>
             <a:endParaRPr lang="en-ZA" dirty="0"/>
@@ -5349,7 +5349,7 @@
           <p:cNvPr id="6" name="Footer Placeholder 5">
             <a:extLst>
               <a:ext uri="{FF2B5EF4-FFF2-40B4-BE49-F238E27FC236}">
-                <a16:creationId xmlns="" xmlns:a16="http://schemas.microsoft.com/office/drawing/2014/main" id="{29E5E346-F307-4307-949D-77CDB6E6577A}"/>
+                <a16:creationId xmlns:a16="http://schemas.microsoft.com/office/drawing/2014/main" id="{29E5E346-F307-4307-949D-77CDB6E6577A}"/>
               </a:ext>
             </a:extLst>
           </p:cNvPr>
@@ -5395,7 +5395,7 @@
           <p:cNvPr id="7" name="Slide Number Placeholder 6">
             <a:extLst>
               <a:ext uri="{FF2B5EF4-FFF2-40B4-BE49-F238E27FC236}">
-                <a16:creationId xmlns="" xmlns:a16="http://schemas.microsoft.com/office/drawing/2014/main" id="{BB4446C0-A637-4726-88A6-815A6AB63B96}"/>
+                <a16:creationId xmlns:a16="http://schemas.microsoft.com/office/drawing/2014/main" id="{BB4446C0-A637-4726-88A6-815A6AB63B96}"/>
               </a:ext>
             </a:extLst>
           </p:cNvPr>
@@ -5450,7 +5450,7 @@
           <p:cNvPr id="11" name="Text Placeholder 8">
             <a:extLst>
               <a:ext uri="{FF2B5EF4-FFF2-40B4-BE49-F238E27FC236}">
-                <a16:creationId xmlns="" xmlns:a16="http://schemas.microsoft.com/office/drawing/2014/main" id="{97E7DC10-1618-471B-9441-C640C7FEDD37}"/>
+                <a16:creationId xmlns:a16="http://schemas.microsoft.com/office/drawing/2014/main" id="{97E7DC10-1618-471B-9441-C640C7FEDD37}"/>
               </a:ext>
             </a:extLst>
           </p:cNvPr>
@@ -5499,7 +5499,7 @@
           <p:cNvPr id="12" name="Text Placeholder 10">
             <a:extLst>
               <a:ext uri="{FF2B5EF4-FFF2-40B4-BE49-F238E27FC236}">
-                <a16:creationId xmlns="" xmlns:a16="http://schemas.microsoft.com/office/drawing/2014/main" id="{20AEB661-858B-44C9-9484-E540E04AD365}"/>
+                <a16:creationId xmlns:a16="http://schemas.microsoft.com/office/drawing/2014/main" id="{20AEB661-858B-44C9-9484-E540E04AD365}"/>
               </a:ext>
             </a:extLst>
           </p:cNvPr>
@@ -5546,7 +5546,7 @@
           <p:cNvPr id="13" name="Text Placeholder 8">
             <a:extLst>
               <a:ext uri="{FF2B5EF4-FFF2-40B4-BE49-F238E27FC236}">
-                <a16:creationId xmlns="" xmlns:a16="http://schemas.microsoft.com/office/drawing/2014/main" id="{FDB26B40-5901-4EF0-BCF0-55677E28B176}"/>
+                <a16:creationId xmlns:a16="http://schemas.microsoft.com/office/drawing/2014/main" id="{FDB26B40-5901-4EF0-BCF0-55677E28B176}"/>
               </a:ext>
             </a:extLst>
           </p:cNvPr>
@@ -5595,7 +5595,7 @@
           <p:cNvPr id="14" name="Text Placeholder 10">
             <a:extLst>
               <a:ext uri="{FF2B5EF4-FFF2-40B4-BE49-F238E27FC236}">
-                <a16:creationId xmlns="" xmlns:a16="http://schemas.microsoft.com/office/drawing/2014/main" id="{CCEAE0AB-74EC-4097-A534-A578F1097938}"/>
+                <a16:creationId xmlns:a16="http://schemas.microsoft.com/office/drawing/2014/main" id="{CCEAE0AB-74EC-4097-A534-A578F1097938}"/>
               </a:ext>
             </a:extLst>
           </p:cNvPr>
@@ -5642,7 +5642,7 @@
           <p:cNvPr id="19" name="Picture Placeholder 15">
             <a:extLst>
               <a:ext uri="{FF2B5EF4-FFF2-40B4-BE49-F238E27FC236}">
-                <a16:creationId xmlns="" xmlns:a16="http://schemas.microsoft.com/office/drawing/2014/main" id="{E63C0874-8701-4CED-B60A-61A655FB5A5F}"/>
+                <a16:creationId xmlns:a16="http://schemas.microsoft.com/office/drawing/2014/main" id="{E63C0874-8701-4CED-B60A-61A655FB5A5F}"/>
               </a:ext>
             </a:extLst>
           </p:cNvPr>
@@ -5704,7 +5704,7 @@
           <a:p>
             <a:pPr marL="266700" lvl="0" indent="-266700" algn="ctr"/>
             <a:r>
-              <a:rPr lang="en-US" smtClean="0"/>
+              <a:rPr lang="en-US"/>
               <a:t>Click icon to add picture</a:t>
             </a:r>
             <a:endParaRPr lang="en-ZA" dirty="0"/>
@@ -5716,7 +5716,7 @@
           <p:cNvPr id="20" name="Picture Placeholder 15">
             <a:extLst>
               <a:ext uri="{FF2B5EF4-FFF2-40B4-BE49-F238E27FC236}">
-                <a16:creationId xmlns="" xmlns:a16="http://schemas.microsoft.com/office/drawing/2014/main" id="{F223D9C7-A9C3-4D38-B4D8-9CAB3A19CF51}"/>
+                <a16:creationId xmlns:a16="http://schemas.microsoft.com/office/drawing/2014/main" id="{F223D9C7-A9C3-4D38-B4D8-9CAB3A19CF51}"/>
               </a:ext>
             </a:extLst>
           </p:cNvPr>
@@ -5778,7 +5778,7 @@
           <a:p>
             <a:pPr marL="266700" lvl="0" indent="-266700" algn="ctr"/>
             <a:r>
-              <a:rPr lang="en-US" smtClean="0"/>
+              <a:rPr lang="en-US"/>
               <a:t>Click icon to add picture</a:t>
             </a:r>
             <a:endParaRPr lang="en-ZA" dirty="0"/>
@@ -5790,7 +5790,7 @@
           <p:cNvPr id="22" name="Text Placeholder 5">
             <a:extLst>
               <a:ext uri="{FF2B5EF4-FFF2-40B4-BE49-F238E27FC236}">
-                <a16:creationId xmlns="" xmlns:a16="http://schemas.microsoft.com/office/drawing/2014/main" id="{AE3E6576-B268-4232-858E-037F3AFA53D0}"/>
+                <a16:creationId xmlns:a16="http://schemas.microsoft.com/office/drawing/2014/main" id="{AE3E6576-B268-4232-858E-037F3AFA53D0}"/>
               </a:ext>
             </a:extLst>
           </p:cNvPr>
@@ -5846,7 +5846,7 @@
           <p:cNvPr id="25" name="Group 24">
             <a:extLst>
               <a:ext uri="{FF2B5EF4-FFF2-40B4-BE49-F238E27FC236}">
-                <a16:creationId xmlns="" xmlns:a16="http://schemas.microsoft.com/office/drawing/2014/main" id="{00A98AF6-5DA1-4AA4-9068-753B7B67CCD9}"/>
+                <a16:creationId xmlns:a16="http://schemas.microsoft.com/office/drawing/2014/main" id="{00A98AF6-5DA1-4AA4-9068-753B7B67CCD9}"/>
               </a:ext>
             </a:extLst>
           </p:cNvPr>
@@ -5866,7 +5866,7 @@
             <p:cNvPr id="26" name="Rectangle 6">
               <a:extLst>
                 <a:ext uri="{FF2B5EF4-FFF2-40B4-BE49-F238E27FC236}">
-                  <a16:creationId xmlns="" xmlns:a16="http://schemas.microsoft.com/office/drawing/2014/main" id="{610C6BE2-3871-4E51-920D-2E1F13FA22D4}"/>
+                  <a16:creationId xmlns:a16="http://schemas.microsoft.com/office/drawing/2014/main" id="{610C6BE2-3871-4E51-920D-2E1F13FA22D4}"/>
                 </a:ext>
               </a:extLst>
             </p:cNvPr>
@@ -5986,7 +5986,7 @@
             <p:cNvPr id="27" name="Rectangle 6">
               <a:extLst>
                 <a:ext uri="{FF2B5EF4-FFF2-40B4-BE49-F238E27FC236}">
-                  <a16:creationId xmlns="" xmlns:a16="http://schemas.microsoft.com/office/drawing/2014/main" id="{409F8537-0917-49A4-B9A1-0B68ED60DF2C}"/>
+                  <a16:creationId xmlns:a16="http://schemas.microsoft.com/office/drawing/2014/main" id="{409F8537-0917-49A4-B9A1-0B68ED60DF2C}"/>
                 </a:ext>
               </a:extLst>
             </p:cNvPr>
@@ -6107,7 +6107,7 @@
           <p:cNvPr id="33" name="Text Placeholder 8">
             <a:extLst>
               <a:ext uri="{FF2B5EF4-FFF2-40B4-BE49-F238E27FC236}">
-                <a16:creationId xmlns="" xmlns:a16="http://schemas.microsoft.com/office/drawing/2014/main" id="{88A88076-4208-4A97-A015-3DFBFCC94A72}"/>
+                <a16:creationId xmlns:a16="http://schemas.microsoft.com/office/drawing/2014/main" id="{88A88076-4208-4A97-A015-3DFBFCC94A72}"/>
               </a:ext>
             </a:extLst>
           </p:cNvPr>
@@ -6156,7 +6156,7 @@
           <p:cNvPr id="34" name="Text Placeholder 10">
             <a:extLst>
               <a:ext uri="{FF2B5EF4-FFF2-40B4-BE49-F238E27FC236}">
-                <a16:creationId xmlns="" xmlns:a16="http://schemas.microsoft.com/office/drawing/2014/main" id="{C0468E64-5403-40FE-84BE-184FCF30EA38}"/>
+                <a16:creationId xmlns:a16="http://schemas.microsoft.com/office/drawing/2014/main" id="{C0468E64-5403-40FE-84BE-184FCF30EA38}"/>
               </a:ext>
             </a:extLst>
           </p:cNvPr>
@@ -6203,7 +6203,7 @@
           <p:cNvPr id="35" name="Text Placeholder 8">
             <a:extLst>
               <a:ext uri="{FF2B5EF4-FFF2-40B4-BE49-F238E27FC236}">
-                <a16:creationId xmlns="" xmlns:a16="http://schemas.microsoft.com/office/drawing/2014/main" id="{D0CF6241-B0D3-4D20-B605-DD302BA1D6C1}"/>
+                <a16:creationId xmlns:a16="http://schemas.microsoft.com/office/drawing/2014/main" id="{D0CF6241-B0D3-4D20-B605-DD302BA1D6C1}"/>
               </a:ext>
             </a:extLst>
           </p:cNvPr>
@@ -6252,7 +6252,7 @@
           <p:cNvPr id="36" name="Text Placeholder 10">
             <a:extLst>
               <a:ext uri="{FF2B5EF4-FFF2-40B4-BE49-F238E27FC236}">
-                <a16:creationId xmlns="" xmlns:a16="http://schemas.microsoft.com/office/drawing/2014/main" id="{711DB09A-A42D-4902-AF3E-5D0DC168C285}"/>
+                <a16:creationId xmlns:a16="http://schemas.microsoft.com/office/drawing/2014/main" id="{711DB09A-A42D-4902-AF3E-5D0DC168C285}"/>
               </a:ext>
             </a:extLst>
           </p:cNvPr>
@@ -6299,7 +6299,7 @@
           <p:cNvPr id="37" name="Picture Placeholder 15">
             <a:extLst>
               <a:ext uri="{FF2B5EF4-FFF2-40B4-BE49-F238E27FC236}">
-                <a16:creationId xmlns="" xmlns:a16="http://schemas.microsoft.com/office/drawing/2014/main" id="{E96186ED-3118-47CD-987B-87DECE43F025}"/>
+                <a16:creationId xmlns:a16="http://schemas.microsoft.com/office/drawing/2014/main" id="{E96186ED-3118-47CD-987B-87DECE43F025}"/>
               </a:ext>
             </a:extLst>
           </p:cNvPr>
@@ -6361,7 +6361,7 @@
           <a:p>
             <a:pPr marL="266700" lvl="0" indent="-266700" algn="ctr"/>
             <a:r>
-              <a:rPr lang="en-US" smtClean="0"/>
+              <a:rPr lang="en-US"/>
               <a:t>Click icon to add picture</a:t>
             </a:r>
             <a:endParaRPr lang="en-ZA" dirty="0"/>
@@ -6373,7 +6373,7 @@
           <p:cNvPr id="38" name="Picture Placeholder 15">
             <a:extLst>
               <a:ext uri="{FF2B5EF4-FFF2-40B4-BE49-F238E27FC236}">
-                <a16:creationId xmlns="" xmlns:a16="http://schemas.microsoft.com/office/drawing/2014/main" id="{BF2BC07A-75E7-4434-B71D-F48A7ADA8048}"/>
+                <a16:creationId xmlns:a16="http://schemas.microsoft.com/office/drawing/2014/main" id="{BF2BC07A-75E7-4434-B71D-F48A7ADA8048}"/>
               </a:ext>
             </a:extLst>
           </p:cNvPr>
@@ -6435,7 +6435,7 @@
           <a:p>
             <a:pPr marL="266700" lvl="0" indent="-266700" algn="ctr"/>
             <a:r>
-              <a:rPr lang="en-US" smtClean="0"/>
+              <a:rPr lang="en-US"/>
               <a:t>Click icon to add picture</a:t>
             </a:r>
             <a:endParaRPr lang="en-ZA" dirty="0"/>
@@ -6447,10 +6447,10 @@
           <p:cNvPr id="24" name="Rectangle 6">
             <a:extLst>
               <a:ext uri="{FF2B5EF4-FFF2-40B4-BE49-F238E27FC236}">
-                <a16:creationId xmlns="" xmlns:a16="http://schemas.microsoft.com/office/drawing/2014/main" id="{CEDEC4EC-1B7D-4C30-9BDC-ED714BC0AD87}"/>
+                <a16:creationId xmlns:a16="http://schemas.microsoft.com/office/drawing/2014/main" id="{CEDEC4EC-1B7D-4C30-9BDC-ED714BC0AD87}"/>
               </a:ext>
               <a:ext uri="{C183D7F6-B498-43B3-948B-1728B52AA6E4}">
-                <adec:decorative xmlns="" xmlns:adec="http://schemas.microsoft.com/office/drawing/2017/decorative" val="1"/>
+                <adec:decorative xmlns:adec="http://schemas.microsoft.com/office/drawing/2017/decorative" val="1"/>
               </a:ext>
             </a:extLst>
           </p:cNvPr>
@@ -6570,10 +6570,10 @@
           <p:cNvPr id="28" name="Rectangle 6">
             <a:extLst>
               <a:ext uri="{FF2B5EF4-FFF2-40B4-BE49-F238E27FC236}">
-                <a16:creationId xmlns="" xmlns:a16="http://schemas.microsoft.com/office/drawing/2014/main" id="{61B31970-0B46-450B-916F-74D6DEF9B8F8}"/>
+                <a16:creationId xmlns:a16="http://schemas.microsoft.com/office/drawing/2014/main" id="{61B31970-0B46-450B-916F-74D6DEF9B8F8}"/>
               </a:ext>
               <a:ext uri="{C183D7F6-B498-43B3-948B-1728B52AA6E4}">
-                <adec:decorative xmlns="" xmlns:adec="http://schemas.microsoft.com/office/drawing/2017/decorative" val="1"/>
+                <adec:decorative xmlns:adec="http://schemas.microsoft.com/office/drawing/2017/decorative" val="1"/>
               </a:ext>
             </a:extLst>
           </p:cNvPr>
@@ -6693,10 +6693,10 @@
           <p:cNvPr id="29" name="Rectangle 6">
             <a:extLst>
               <a:ext uri="{FF2B5EF4-FFF2-40B4-BE49-F238E27FC236}">
-                <a16:creationId xmlns="" xmlns:a16="http://schemas.microsoft.com/office/drawing/2014/main" id="{950320AF-7644-49E1-9D16-70547713917F}"/>
+                <a16:creationId xmlns:a16="http://schemas.microsoft.com/office/drawing/2014/main" id="{950320AF-7644-49E1-9D16-70547713917F}"/>
               </a:ext>
               <a:ext uri="{C183D7F6-B498-43B3-948B-1728B52AA6E4}">
-                <adec:decorative xmlns="" xmlns:adec="http://schemas.microsoft.com/office/drawing/2017/decorative" val="1"/>
+                <adec:decorative xmlns:adec="http://schemas.microsoft.com/office/drawing/2017/decorative" val="1"/>
               </a:ext>
             </a:extLst>
           </p:cNvPr>
@@ -6816,10 +6816,10 @@
           <p:cNvPr id="30" name="Rectangle 6">
             <a:extLst>
               <a:ext uri="{FF2B5EF4-FFF2-40B4-BE49-F238E27FC236}">
-                <a16:creationId xmlns="" xmlns:a16="http://schemas.microsoft.com/office/drawing/2014/main" id="{D36D919E-E710-495F-8E8C-3A987E502CF7}"/>
+                <a16:creationId xmlns:a16="http://schemas.microsoft.com/office/drawing/2014/main" id="{D36D919E-E710-495F-8E8C-3A987E502CF7}"/>
               </a:ext>
               <a:ext uri="{C183D7F6-B498-43B3-948B-1728B52AA6E4}">
-                <adec:decorative xmlns="" xmlns:adec="http://schemas.microsoft.com/office/drawing/2017/decorative" val="1"/>
+                <adec:decorative xmlns:adec="http://schemas.microsoft.com/office/drawing/2017/decorative" val="1"/>
               </a:ext>
             </a:extLst>
           </p:cNvPr>
@@ -6969,7 +6969,7 @@
           <p:cNvPr id="7" name="Picture 6">
             <a:extLst>
               <a:ext uri="{FF2B5EF4-FFF2-40B4-BE49-F238E27FC236}">
-                <a16:creationId xmlns="" xmlns:a16="http://schemas.microsoft.com/office/drawing/2014/main" id="{A4BB9D81-6871-4A9D-BF45-2D079E803094}"/>
+                <a16:creationId xmlns:a16="http://schemas.microsoft.com/office/drawing/2014/main" id="{A4BB9D81-6871-4A9D-BF45-2D079E803094}"/>
               </a:ext>
             </a:extLst>
           </p:cNvPr>
@@ -6999,7 +6999,7 @@
           <p:cNvPr id="8" name="Picture Placeholder 10">
             <a:extLst>
               <a:ext uri="{FF2B5EF4-FFF2-40B4-BE49-F238E27FC236}">
-                <a16:creationId xmlns="" xmlns:a16="http://schemas.microsoft.com/office/drawing/2014/main" id="{D7C80831-068A-4F76-B718-3D893A2E5B24}"/>
+                <a16:creationId xmlns:a16="http://schemas.microsoft.com/office/drawing/2014/main" id="{D7C80831-068A-4F76-B718-3D893A2E5B24}"/>
               </a:ext>
             </a:extLst>
           </p:cNvPr>
@@ -7077,7 +7077,7 @@
           <p:cNvPr id="3" name="Content Placeholder 2">
             <a:extLst>
               <a:ext uri="{FF2B5EF4-FFF2-40B4-BE49-F238E27FC236}">
-                <a16:creationId xmlns="" xmlns:a16="http://schemas.microsoft.com/office/drawing/2014/main" id="{B1948E38-8FB0-4E51-A01C-C88794372E50}"/>
+                <a16:creationId xmlns:a16="http://schemas.microsoft.com/office/drawing/2014/main" id="{B1948E38-8FB0-4E51-A01C-C88794372E50}"/>
               </a:ext>
             </a:extLst>
           </p:cNvPr>
@@ -7151,35 +7151,35 @@
           <a:p>
             <a:pPr lvl="0"/>
             <a:r>
-              <a:rPr lang="en-US" smtClean="0"/>
+              <a:rPr lang="en-US"/>
               <a:t>Click to edit Master text styles</a:t>
             </a:r>
           </a:p>
           <a:p>
             <a:pPr lvl="1"/>
             <a:r>
-              <a:rPr lang="en-US" smtClean="0"/>
+              <a:rPr lang="en-US"/>
               <a:t>Second level</a:t>
             </a:r>
           </a:p>
           <a:p>
             <a:pPr lvl="2"/>
             <a:r>
-              <a:rPr lang="en-US" smtClean="0"/>
+              <a:rPr lang="en-US"/>
               <a:t>Third level</a:t>
             </a:r>
           </a:p>
           <a:p>
             <a:pPr lvl="3"/>
             <a:r>
-              <a:rPr lang="en-US" smtClean="0"/>
+              <a:rPr lang="en-US"/>
               <a:t>Fourth level</a:t>
             </a:r>
           </a:p>
           <a:p>
             <a:pPr lvl="4"/>
             <a:r>
-              <a:rPr lang="en-US" smtClean="0"/>
+              <a:rPr lang="en-US"/>
               <a:t>Fifth level</a:t>
             </a:r>
             <a:endParaRPr lang="en-ZA" dirty="0"/>
@@ -7191,7 +7191,7 @@
           <p:cNvPr id="5" name="Slide Number Placeholder 4">
             <a:extLst>
               <a:ext uri="{FF2B5EF4-FFF2-40B4-BE49-F238E27FC236}">
-                <a16:creationId xmlns="" xmlns:a16="http://schemas.microsoft.com/office/drawing/2014/main" id="{9A5F0423-B6EE-42FD-9306-5E965142C6CE}"/>
+                <a16:creationId xmlns:a16="http://schemas.microsoft.com/office/drawing/2014/main" id="{9A5F0423-B6EE-42FD-9306-5E965142C6CE}"/>
               </a:ext>
             </a:extLst>
           </p:cNvPr>
@@ -7235,7 +7235,7 @@
           <p:cNvPr id="6" name="Footer Placeholder 5">
             <a:extLst>
               <a:ext uri="{FF2B5EF4-FFF2-40B4-BE49-F238E27FC236}">
-                <a16:creationId xmlns="" xmlns:a16="http://schemas.microsoft.com/office/drawing/2014/main" id="{FBCE01B6-FB5C-471B-B95B-DB3DC8A0E4BD}"/>
+                <a16:creationId xmlns:a16="http://schemas.microsoft.com/office/drawing/2014/main" id="{FBCE01B6-FB5C-471B-B95B-DB3DC8A0E4BD}"/>
               </a:ext>
             </a:extLst>
           </p:cNvPr>
@@ -7270,7 +7270,7 @@
           <p:cNvPr id="9" name="Title 8">
             <a:extLst>
               <a:ext uri="{FF2B5EF4-FFF2-40B4-BE49-F238E27FC236}">
-                <a16:creationId xmlns="" xmlns:a16="http://schemas.microsoft.com/office/drawing/2014/main" id="{5CA0D6D2-4DA0-4AEE-95C1-E8BDD0515364}"/>
+                <a16:creationId xmlns:a16="http://schemas.microsoft.com/office/drawing/2014/main" id="{5CA0D6D2-4DA0-4AEE-95C1-E8BDD0515364}"/>
               </a:ext>
             </a:extLst>
           </p:cNvPr>
@@ -7315,7 +7315,7 @@
           <p:cNvPr id="4" name="Text Placeholder 3">
             <a:extLst>
               <a:ext uri="{FF2B5EF4-FFF2-40B4-BE49-F238E27FC236}">
-                <a16:creationId xmlns="" xmlns:a16="http://schemas.microsoft.com/office/drawing/2014/main" id="{86E450DC-177B-4710-8122-B192B58AB345}"/>
+                <a16:creationId xmlns:a16="http://schemas.microsoft.com/office/drawing/2014/main" id="{86E450DC-177B-4710-8122-B192B58AB345}"/>
               </a:ext>
             </a:extLst>
           </p:cNvPr>
@@ -7422,7 +7422,7 @@
           <a:lstStyle/>
           <a:p>
             <a:r>
-              <a:rPr lang="en-US" smtClean="0"/>
+              <a:rPr lang="en-US"/>
               <a:t>Click to edit Master title style</a:t>
             </a:r>
             <a:endParaRPr lang="en-US" dirty="0"/>
@@ -7446,35 +7446,35 @@
           <a:p>
             <a:pPr lvl="0"/>
             <a:r>
-              <a:rPr lang="en-US" smtClean="0"/>
+              <a:rPr lang="en-US"/>
               <a:t>Click to edit Master text styles</a:t>
             </a:r>
           </a:p>
           <a:p>
             <a:pPr lvl="1"/>
             <a:r>
-              <a:rPr lang="en-US" smtClean="0"/>
+              <a:rPr lang="en-US"/>
               <a:t>Second level</a:t>
             </a:r>
           </a:p>
           <a:p>
             <a:pPr lvl="2"/>
             <a:r>
-              <a:rPr lang="en-US" smtClean="0"/>
+              <a:rPr lang="en-US"/>
               <a:t>Third level</a:t>
             </a:r>
           </a:p>
           <a:p>
             <a:pPr lvl="3"/>
             <a:r>
-              <a:rPr lang="en-US" smtClean="0"/>
+              <a:rPr lang="en-US"/>
               <a:t>Fourth level</a:t>
             </a:r>
           </a:p>
           <a:p>
             <a:pPr lvl="4"/>
             <a:r>
-              <a:rPr lang="en-US" smtClean="0"/>
+              <a:rPr lang="en-US"/>
               <a:t>Fifth level</a:t>
             </a:r>
             <a:endParaRPr lang="en-US" dirty="0"/>
@@ -7499,7 +7499,7 @@
             <a:fld id="{B61BEF0D-F0BB-DE4B-95CE-6DB70DBA9567}" type="datetimeFigureOut">
               <a:rPr lang="en-US" smtClean="0"/>
               <a:pPr/>
-              <a:t>10/8/2018</a:t>
+              <a:t>1/8/2023</a:t>
             </a:fld>
             <a:endParaRPr lang="en-US" dirty="0"/>
           </a:p>
@@ -7583,7 +7583,7 @@
           <p:cNvPr id="2" name="Title 1">
             <a:extLst>
               <a:ext uri="{FF2B5EF4-FFF2-40B4-BE49-F238E27FC236}">
-                <a16:creationId xmlns="" xmlns:a16="http://schemas.microsoft.com/office/drawing/2014/main" id="{5FC626A5-4FF6-42BD-858A-AE4B2C23A6BC}"/>
+                <a16:creationId xmlns:a16="http://schemas.microsoft.com/office/drawing/2014/main" id="{5FC626A5-4FF6-42BD-858A-AE4B2C23A6BC}"/>
               </a:ext>
             </a:extLst>
           </p:cNvPr>
@@ -7611,7 +7611,7 @@
           </a:lstStyle>
           <a:p>
             <a:r>
-              <a:rPr lang="en-US" smtClean="0"/>
+              <a:rPr lang="en-US"/>
               <a:t>Click to edit Master title style</a:t>
             </a:r>
             <a:endParaRPr lang="en-ZA" dirty="0"/>
@@ -7623,7 +7623,7 @@
           <p:cNvPr id="6" name="Footer Placeholder 5">
             <a:extLst>
               <a:ext uri="{FF2B5EF4-FFF2-40B4-BE49-F238E27FC236}">
-                <a16:creationId xmlns="" xmlns:a16="http://schemas.microsoft.com/office/drawing/2014/main" id="{29E5E346-F307-4307-949D-77CDB6E6577A}"/>
+                <a16:creationId xmlns:a16="http://schemas.microsoft.com/office/drawing/2014/main" id="{29E5E346-F307-4307-949D-77CDB6E6577A}"/>
               </a:ext>
             </a:extLst>
           </p:cNvPr>
@@ -7669,7 +7669,7 @@
           <p:cNvPr id="7" name="Slide Number Placeholder 6">
             <a:extLst>
               <a:ext uri="{FF2B5EF4-FFF2-40B4-BE49-F238E27FC236}">
-                <a16:creationId xmlns="" xmlns:a16="http://schemas.microsoft.com/office/drawing/2014/main" id="{BB4446C0-A637-4726-88A6-815A6AB63B96}"/>
+                <a16:creationId xmlns:a16="http://schemas.microsoft.com/office/drawing/2014/main" id="{BB4446C0-A637-4726-88A6-815A6AB63B96}"/>
               </a:ext>
             </a:extLst>
           </p:cNvPr>
@@ -7724,7 +7724,7 @@
           <p:cNvPr id="9" name="Text Placeholder 8">
             <a:extLst>
               <a:ext uri="{FF2B5EF4-FFF2-40B4-BE49-F238E27FC236}">
-                <a16:creationId xmlns="" xmlns:a16="http://schemas.microsoft.com/office/drawing/2014/main" id="{07F18567-9326-411F-BA8D-561D58C7DD91}"/>
+                <a16:creationId xmlns:a16="http://schemas.microsoft.com/office/drawing/2014/main" id="{07F18567-9326-411F-BA8D-561D58C7DD91}"/>
               </a:ext>
             </a:extLst>
           </p:cNvPr>
@@ -7773,7 +7773,7 @@
           <p:cNvPr id="10" name="Text Placeholder 10">
             <a:extLst>
               <a:ext uri="{FF2B5EF4-FFF2-40B4-BE49-F238E27FC236}">
-                <a16:creationId xmlns="" xmlns:a16="http://schemas.microsoft.com/office/drawing/2014/main" id="{39809F78-EA1B-4C23-A53E-7DE8B4A6AE1D}"/>
+                <a16:creationId xmlns:a16="http://schemas.microsoft.com/office/drawing/2014/main" id="{39809F78-EA1B-4C23-A53E-7DE8B4A6AE1D}"/>
               </a:ext>
             </a:extLst>
           </p:cNvPr>
@@ -7820,7 +7820,7 @@
           <p:cNvPr id="11" name="Text Placeholder 8">
             <a:extLst>
               <a:ext uri="{FF2B5EF4-FFF2-40B4-BE49-F238E27FC236}">
-                <a16:creationId xmlns="" xmlns:a16="http://schemas.microsoft.com/office/drawing/2014/main" id="{97E7DC10-1618-471B-9441-C640C7FEDD37}"/>
+                <a16:creationId xmlns:a16="http://schemas.microsoft.com/office/drawing/2014/main" id="{97E7DC10-1618-471B-9441-C640C7FEDD37}"/>
               </a:ext>
             </a:extLst>
           </p:cNvPr>
@@ -7869,7 +7869,7 @@
           <p:cNvPr id="12" name="Text Placeholder 10">
             <a:extLst>
               <a:ext uri="{FF2B5EF4-FFF2-40B4-BE49-F238E27FC236}">
-                <a16:creationId xmlns="" xmlns:a16="http://schemas.microsoft.com/office/drawing/2014/main" id="{20AEB661-858B-44C9-9484-E540E04AD365}"/>
+                <a16:creationId xmlns:a16="http://schemas.microsoft.com/office/drawing/2014/main" id="{20AEB661-858B-44C9-9484-E540E04AD365}"/>
               </a:ext>
             </a:extLst>
           </p:cNvPr>
@@ -7916,7 +7916,7 @@
           <p:cNvPr id="13" name="Text Placeholder 8">
             <a:extLst>
               <a:ext uri="{FF2B5EF4-FFF2-40B4-BE49-F238E27FC236}">
-                <a16:creationId xmlns="" xmlns:a16="http://schemas.microsoft.com/office/drawing/2014/main" id="{FDB26B40-5901-4EF0-BCF0-55677E28B176}"/>
+                <a16:creationId xmlns:a16="http://schemas.microsoft.com/office/drawing/2014/main" id="{FDB26B40-5901-4EF0-BCF0-55677E28B176}"/>
               </a:ext>
             </a:extLst>
           </p:cNvPr>
@@ -7965,7 +7965,7 @@
           <p:cNvPr id="14" name="Text Placeholder 10">
             <a:extLst>
               <a:ext uri="{FF2B5EF4-FFF2-40B4-BE49-F238E27FC236}">
-                <a16:creationId xmlns="" xmlns:a16="http://schemas.microsoft.com/office/drawing/2014/main" id="{CCEAE0AB-74EC-4097-A534-A578F1097938}"/>
+                <a16:creationId xmlns:a16="http://schemas.microsoft.com/office/drawing/2014/main" id="{CCEAE0AB-74EC-4097-A534-A578F1097938}"/>
               </a:ext>
             </a:extLst>
           </p:cNvPr>
@@ -8012,7 +8012,7 @@
           <p:cNvPr id="18" name="Picture Placeholder 15">
             <a:extLst>
               <a:ext uri="{FF2B5EF4-FFF2-40B4-BE49-F238E27FC236}">
-                <a16:creationId xmlns="" xmlns:a16="http://schemas.microsoft.com/office/drawing/2014/main" id="{43CBE128-6D8D-4605-B225-5A34FFB1F25B}"/>
+                <a16:creationId xmlns:a16="http://schemas.microsoft.com/office/drawing/2014/main" id="{43CBE128-6D8D-4605-B225-5A34FFB1F25B}"/>
               </a:ext>
             </a:extLst>
           </p:cNvPr>
@@ -8074,7 +8074,7 @@
           <a:p>
             <a:pPr marL="266700" lvl="0" indent="-266700" algn="ctr"/>
             <a:r>
-              <a:rPr lang="en-US" smtClean="0"/>
+              <a:rPr lang="en-US"/>
               <a:t>Click icon to add picture</a:t>
             </a:r>
             <a:endParaRPr lang="en-ZA" dirty="0"/>
@@ -8086,7 +8086,7 @@
           <p:cNvPr id="19" name="Picture Placeholder 15">
             <a:extLst>
               <a:ext uri="{FF2B5EF4-FFF2-40B4-BE49-F238E27FC236}">
-                <a16:creationId xmlns="" xmlns:a16="http://schemas.microsoft.com/office/drawing/2014/main" id="{E63C0874-8701-4CED-B60A-61A655FB5A5F}"/>
+                <a16:creationId xmlns:a16="http://schemas.microsoft.com/office/drawing/2014/main" id="{E63C0874-8701-4CED-B60A-61A655FB5A5F}"/>
               </a:ext>
             </a:extLst>
           </p:cNvPr>
@@ -8148,7 +8148,7 @@
           <a:p>
             <a:pPr marL="266700" lvl="0" indent="-266700" algn="ctr"/>
             <a:r>
-              <a:rPr lang="en-US" smtClean="0"/>
+              <a:rPr lang="en-US"/>
               <a:t>Click icon to add picture</a:t>
             </a:r>
             <a:endParaRPr lang="en-ZA" dirty="0"/>
@@ -8160,7 +8160,7 @@
           <p:cNvPr id="20" name="Picture Placeholder 15">
             <a:extLst>
               <a:ext uri="{FF2B5EF4-FFF2-40B4-BE49-F238E27FC236}">
-                <a16:creationId xmlns="" xmlns:a16="http://schemas.microsoft.com/office/drawing/2014/main" id="{F223D9C7-A9C3-4D38-B4D8-9CAB3A19CF51}"/>
+                <a16:creationId xmlns:a16="http://schemas.microsoft.com/office/drawing/2014/main" id="{F223D9C7-A9C3-4D38-B4D8-9CAB3A19CF51}"/>
               </a:ext>
             </a:extLst>
           </p:cNvPr>
@@ -8222,7 +8222,7 @@
           <a:p>
             <a:pPr marL="266700" lvl="0" indent="-266700" algn="ctr"/>
             <a:r>
-              <a:rPr lang="en-US" smtClean="0"/>
+              <a:rPr lang="en-US"/>
               <a:t>Click icon to add picture</a:t>
             </a:r>
             <a:endParaRPr lang="en-ZA" dirty="0"/>
@@ -8234,7 +8234,7 @@
           <p:cNvPr id="22" name="Text Placeholder 5">
             <a:extLst>
               <a:ext uri="{FF2B5EF4-FFF2-40B4-BE49-F238E27FC236}">
-                <a16:creationId xmlns="" xmlns:a16="http://schemas.microsoft.com/office/drawing/2014/main" id="{AE3E6576-B268-4232-858E-037F3AFA53D0}"/>
+                <a16:creationId xmlns:a16="http://schemas.microsoft.com/office/drawing/2014/main" id="{AE3E6576-B268-4232-858E-037F3AFA53D0}"/>
               </a:ext>
             </a:extLst>
           </p:cNvPr>
@@ -8290,10 +8290,10 @@
           <p:cNvPr id="15" name="Group 14">
             <a:extLst>
               <a:ext uri="{FF2B5EF4-FFF2-40B4-BE49-F238E27FC236}">
-                <a16:creationId xmlns="" xmlns:a16="http://schemas.microsoft.com/office/drawing/2014/main" id="{0DFB96B7-45A3-4381-89C2-4A31A565FF96}"/>
+                <a16:creationId xmlns:a16="http://schemas.microsoft.com/office/drawing/2014/main" id="{0DFB96B7-45A3-4381-89C2-4A31A565FF96}"/>
               </a:ext>
               <a:ext uri="{C183D7F6-B498-43B3-948B-1728B52AA6E4}">
-                <adec:decorative xmlns="" xmlns:adec="http://schemas.microsoft.com/office/drawing/2017/decorative" val="1"/>
+                <adec:decorative xmlns:adec="http://schemas.microsoft.com/office/drawing/2017/decorative" val="1"/>
               </a:ext>
             </a:extLst>
           </p:cNvPr>
@@ -8313,7 +8313,7 @@
             <p:cNvPr id="16" name="Rectangle 6">
               <a:extLst>
                 <a:ext uri="{FF2B5EF4-FFF2-40B4-BE49-F238E27FC236}">
-                  <a16:creationId xmlns="" xmlns:a16="http://schemas.microsoft.com/office/drawing/2014/main" id="{57C639D3-D14E-4739-A805-8BD1EE3723AB}"/>
+                  <a16:creationId xmlns:a16="http://schemas.microsoft.com/office/drawing/2014/main" id="{57C639D3-D14E-4739-A805-8BD1EE3723AB}"/>
                 </a:ext>
               </a:extLst>
             </p:cNvPr>
@@ -8433,7 +8433,7 @@
             <p:cNvPr id="17" name="Rectangle 6">
               <a:extLst>
                 <a:ext uri="{FF2B5EF4-FFF2-40B4-BE49-F238E27FC236}">
-                  <a16:creationId xmlns="" xmlns:a16="http://schemas.microsoft.com/office/drawing/2014/main" id="{3552379E-CA58-42E4-929B-E0CDE195CFB4}"/>
+                  <a16:creationId xmlns:a16="http://schemas.microsoft.com/office/drawing/2014/main" id="{3552379E-CA58-42E4-929B-E0CDE195CFB4}"/>
                 </a:ext>
               </a:extLst>
             </p:cNvPr>
@@ -8584,7 +8584,7 @@
           <p:cNvPr id="3" name="Content Placeholder 2">
             <a:extLst>
               <a:ext uri="{FF2B5EF4-FFF2-40B4-BE49-F238E27FC236}">
-                <a16:creationId xmlns="" xmlns:a16="http://schemas.microsoft.com/office/drawing/2014/main" id="{B1948E38-8FB0-4E51-A01C-C88794372E50}"/>
+                <a16:creationId xmlns:a16="http://schemas.microsoft.com/office/drawing/2014/main" id="{B1948E38-8FB0-4E51-A01C-C88794372E50}"/>
               </a:ext>
             </a:extLst>
           </p:cNvPr>
@@ -8653,35 +8653,35 @@
           <a:p>
             <a:pPr lvl="0"/>
             <a:r>
-              <a:rPr lang="en-US" smtClean="0"/>
+              <a:rPr lang="en-US"/>
               <a:t>Click to edit Master text styles</a:t>
             </a:r>
           </a:p>
           <a:p>
             <a:pPr lvl="1"/>
             <a:r>
-              <a:rPr lang="en-US" smtClean="0"/>
+              <a:rPr lang="en-US"/>
               <a:t>Second level</a:t>
             </a:r>
           </a:p>
           <a:p>
             <a:pPr lvl="2"/>
             <a:r>
-              <a:rPr lang="en-US" smtClean="0"/>
+              <a:rPr lang="en-US"/>
               <a:t>Third level</a:t>
             </a:r>
           </a:p>
           <a:p>
             <a:pPr lvl="3"/>
             <a:r>
-              <a:rPr lang="en-US" smtClean="0"/>
+              <a:rPr lang="en-US"/>
               <a:t>Fourth level</a:t>
             </a:r>
           </a:p>
           <a:p>
             <a:pPr lvl="4"/>
             <a:r>
-              <a:rPr lang="en-US" smtClean="0"/>
+              <a:rPr lang="en-US"/>
               <a:t>Fifth level</a:t>
             </a:r>
             <a:endParaRPr lang="en-ZA" dirty="0"/>
@@ -8693,7 +8693,7 @@
           <p:cNvPr id="5" name="Slide Number Placeholder 4">
             <a:extLst>
               <a:ext uri="{FF2B5EF4-FFF2-40B4-BE49-F238E27FC236}">
-                <a16:creationId xmlns="" xmlns:a16="http://schemas.microsoft.com/office/drawing/2014/main" id="{9A5F0423-B6EE-42FD-9306-5E965142C6CE}"/>
+                <a16:creationId xmlns:a16="http://schemas.microsoft.com/office/drawing/2014/main" id="{9A5F0423-B6EE-42FD-9306-5E965142C6CE}"/>
               </a:ext>
             </a:extLst>
           </p:cNvPr>
@@ -8737,7 +8737,7 @@
           <p:cNvPr id="6" name="Footer Placeholder 5">
             <a:extLst>
               <a:ext uri="{FF2B5EF4-FFF2-40B4-BE49-F238E27FC236}">
-                <a16:creationId xmlns="" xmlns:a16="http://schemas.microsoft.com/office/drawing/2014/main" id="{FBCE01B6-FB5C-471B-B95B-DB3DC8A0E4BD}"/>
+                <a16:creationId xmlns:a16="http://schemas.microsoft.com/office/drawing/2014/main" id="{FBCE01B6-FB5C-471B-B95B-DB3DC8A0E4BD}"/>
               </a:ext>
             </a:extLst>
           </p:cNvPr>
@@ -8772,7 +8772,7 @@
           <p:cNvPr id="9" name="Title 8">
             <a:extLst>
               <a:ext uri="{FF2B5EF4-FFF2-40B4-BE49-F238E27FC236}">
-                <a16:creationId xmlns="" xmlns:a16="http://schemas.microsoft.com/office/drawing/2014/main" id="{5CA0D6D2-4DA0-4AEE-95C1-E8BDD0515364}"/>
+                <a16:creationId xmlns:a16="http://schemas.microsoft.com/office/drawing/2014/main" id="{5CA0D6D2-4DA0-4AEE-95C1-E8BDD0515364}"/>
               </a:ext>
             </a:extLst>
           </p:cNvPr>
@@ -8789,7 +8789,7 @@
           <a:lstStyle/>
           <a:p>
             <a:r>
-              <a:rPr lang="en-US" smtClean="0"/>
+              <a:rPr lang="en-US"/>
               <a:t>Click to edit Master title style</a:t>
             </a:r>
             <a:endParaRPr lang="en-ZA"/>
@@ -8831,7 +8831,7 @@
           <p:cNvPr id="2" name="Title 1">
             <a:extLst>
               <a:ext uri="{FF2B5EF4-FFF2-40B4-BE49-F238E27FC236}">
-                <a16:creationId xmlns="" xmlns:a16="http://schemas.microsoft.com/office/drawing/2014/main" id="{40EE479C-D1F6-4BAC-80D2-90EF74E3261A}"/>
+                <a16:creationId xmlns:a16="http://schemas.microsoft.com/office/drawing/2014/main" id="{40EE479C-D1F6-4BAC-80D2-90EF74E3261A}"/>
               </a:ext>
             </a:extLst>
           </p:cNvPr>
@@ -8864,7 +8864,7 @@
           </a:lstStyle>
           <a:p>
             <a:r>
-              <a:rPr lang="en-US" smtClean="0"/>
+              <a:rPr lang="en-US"/>
               <a:t>Click to edit Master title style</a:t>
             </a:r>
             <a:endParaRPr lang="en-ZA" dirty="0"/>
@@ -8876,7 +8876,7 @@
           <p:cNvPr id="3" name="Content Placeholder 2">
             <a:extLst>
               <a:ext uri="{FF2B5EF4-FFF2-40B4-BE49-F238E27FC236}">
-                <a16:creationId xmlns="" xmlns:a16="http://schemas.microsoft.com/office/drawing/2014/main" id="{A22238F2-C6EC-476F-8371-119AECBA5622}"/>
+                <a16:creationId xmlns:a16="http://schemas.microsoft.com/office/drawing/2014/main" id="{A22238F2-C6EC-476F-8371-119AECBA5622}"/>
               </a:ext>
             </a:extLst>
           </p:cNvPr>
@@ -8950,35 +8950,35 @@
           <a:p>
             <a:pPr lvl="0"/>
             <a:r>
-              <a:rPr lang="en-US" smtClean="0"/>
+              <a:rPr lang="en-US"/>
               <a:t>Click to edit Master text styles</a:t>
             </a:r>
           </a:p>
           <a:p>
             <a:pPr lvl="1"/>
             <a:r>
-              <a:rPr lang="en-US" smtClean="0"/>
+              <a:rPr lang="en-US"/>
               <a:t>Second level</a:t>
             </a:r>
           </a:p>
           <a:p>
             <a:pPr lvl="2"/>
             <a:r>
-              <a:rPr lang="en-US" smtClean="0"/>
+              <a:rPr lang="en-US"/>
               <a:t>Third level</a:t>
             </a:r>
           </a:p>
           <a:p>
             <a:pPr lvl="3"/>
             <a:r>
-              <a:rPr lang="en-US" smtClean="0"/>
+              <a:rPr lang="en-US"/>
               <a:t>Fourth level</a:t>
             </a:r>
           </a:p>
           <a:p>
             <a:pPr lvl="4"/>
             <a:r>
-              <a:rPr lang="en-US" smtClean="0"/>
+              <a:rPr lang="en-US"/>
               <a:t>Fifth level</a:t>
             </a:r>
             <a:endParaRPr lang="en-ZA" dirty="0"/>
@@ -8990,7 +8990,7 @@
           <p:cNvPr id="8" name="Footer Placeholder 7">
             <a:extLst>
               <a:ext uri="{FF2B5EF4-FFF2-40B4-BE49-F238E27FC236}">
-                <a16:creationId xmlns="" xmlns:a16="http://schemas.microsoft.com/office/drawing/2014/main" id="{C9E47D86-FD0D-44D0-9B7F-9EDEBD11F9D6}"/>
+                <a16:creationId xmlns:a16="http://schemas.microsoft.com/office/drawing/2014/main" id="{C9E47D86-FD0D-44D0-9B7F-9EDEBD11F9D6}"/>
               </a:ext>
             </a:extLst>
           </p:cNvPr>
@@ -9036,7 +9036,7 @@
           <p:cNvPr id="9" name="Slide Number Placeholder 8">
             <a:extLst>
               <a:ext uri="{FF2B5EF4-FFF2-40B4-BE49-F238E27FC236}">
-                <a16:creationId xmlns="" xmlns:a16="http://schemas.microsoft.com/office/drawing/2014/main" id="{0A29F8B3-4723-4928-83E5-76C29D05F2FE}"/>
+                <a16:creationId xmlns:a16="http://schemas.microsoft.com/office/drawing/2014/main" id="{0A29F8B3-4723-4928-83E5-76C29D05F2FE}"/>
               </a:ext>
             </a:extLst>
           </p:cNvPr>
@@ -9091,7 +9091,7 @@
           <p:cNvPr id="7" name="Content Placeholder 3">
             <a:extLst>
               <a:ext uri="{FF2B5EF4-FFF2-40B4-BE49-F238E27FC236}">
-                <a16:creationId xmlns="" xmlns:a16="http://schemas.microsoft.com/office/drawing/2014/main" id="{BF156636-95EA-4995-B9CA-635FD1DEB426}"/>
+                <a16:creationId xmlns:a16="http://schemas.microsoft.com/office/drawing/2014/main" id="{BF156636-95EA-4995-B9CA-635FD1DEB426}"/>
               </a:ext>
             </a:extLst>
           </p:cNvPr>
@@ -9114,38 +9114,37 @@
           <a:p>
             <a:pPr lvl="0"/>
             <a:r>
-              <a:rPr lang="en-US" smtClean="0"/>
+              <a:rPr lang="en-US"/>
               <a:t>Click to edit Master text styles</a:t>
             </a:r>
           </a:p>
           <a:p>
             <a:pPr lvl="1"/>
             <a:r>
-              <a:rPr lang="en-US" smtClean="0"/>
+              <a:rPr lang="en-US"/>
               <a:t>Second level</a:t>
             </a:r>
           </a:p>
           <a:p>
             <a:pPr lvl="2"/>
             <a:r>
-              <a:rPr lang="en-US" smtClean="0"/>
+              <a:rPr lang="en-US"/>
               <a:t>Third level</a:t>
             </a:r>
           </a:p>
           <a:p>
             <a:pPr lvl="3"/>
             <a:r>
-              <a:rPr lang="en-US" smtClean="0"/>
+              <a:rPr lang="en-US"/>
               <a:t>Fourth level</a:t>
             </a:r>
           </a:p>
           <a:p>
             <a:pPr lvl="4"/>
             <a:r>
-              <a:rPr lang="en-US" smtClean="0"/>
+              <a:rPr lang="en-US"/>
               <a:t>Fifth level</a:t>
             </a:r>
-            <a:endParaRPr lang="en-US"/>
           </a:p>
         </p:txBody>
       </p:sp>
@@ -9184,7 +9183,7 @@
           <p:cNvPr id="2" name="Title 1">
             <a:extLst>
               <a:ext uri="{FF2B5EF4-FFF2-40B4-BE49-F238E27FC236}">
-                <a16:creationId xmlns="" xmlns:a16="http://schemas.microsoft.com/office/drawing/2014/main" id="{5FC626A5-4FF6-42BD-858A-AE4B2C23A6BC}"/>
+                <a16:creationId xmlns:a16="http://schemas.microsoft.com/office/drawing/2014/main" id="{5FC626A5-4FF6-42BD-858A-AE4B2C23A6BC}"/>
               </a:ext>
             </a:extLst>
           </p:cNvPr>
@@ -9212,7 +9211,7 @@
           </a:lstStyle>
           <a:p>
             <a:r>
-              <a:rPr lang="en-US" smtClean="0"/>
+              <a:rPr lang="en-US"/>
               <a:t>Click to edit Master title style</a:t>
             </a:r>
             <a:endParaRPr lang="en-ZA" dirty="0"/>
@@ -9224,7 +9223,7 @@
           <p:cNvPr id="6" name="Footer Placeholder 5">
             <a:extLst>
               <a:ext uri="{FF2B5EF4-FFF2-40B4-BE49-F238E27FC236}">
-                <a16:creationId xmlns="" xmlns:a16="http://schemas.microsoft.com/office/drawing/2014/main" id="{29E5E346-F307-4307-949D-77CDB6E6577A}"/>
+                <a16:creationId xmlns:a16="http://schemas.microsoft.com/office/drawing/2014/main" id="{29E5E346-F307-4307-949D-77CDB6E6577A}"/>
               </a:ext>
             </a:extLst>
           </p:cNvPr>
@@ -9270,7 +9269,7 @@
           <p:cNvPr id="7" name="Slide Number Placeholder 6">
             <a:extLst>
               <a:ext uri="{FF2B5EF4-FFF2-40B4-BE49-F238E27FC236}">
-                <a16:creationId xmlns="" xmlns:a16="http://schemas.microsoft.com/office/drawing/2014/main" id="{BB4446C0-A637-4726-88A6-815A6AB63B96}"/>
+                <a16:creationId xmlns:a16="http://schemas.microsoft.com/office/drawing/2014/main" id="{BB4446C0-A637-4726-88A6-815A6AB63B96}"/>
               </a:ext>
             </a:extLst>
           </p:cNvPr>
@@ -9325,7 +9324,7 @@
           <p:cNvPr id="5" name="Text Placeholder 5">
             <a:extLst>
               <a:ext uri="{FF2B5EF4-FFF2-40B4-BE49-F238E27FC236}">
-                <a16:creationId xmlns="" xmlns:a16="http://schemas.microsoft.com/office/drawing/2014/main" id="{AF8E62C6-0CCA-4909-AE69-A32ED6AC06BE}"/>
+                <a16:creationId xmlns:a16="http://schemas.microsoft.com/office/drawing/2014/main" id="{AF8E62C6-0CCA-4909-AE69-A32ED6AC06BE}"/>
               </a:ext>
             </a:extLst>
           </p:cNvPr>
@@ -9381,7 +9380,7 @@
           <p:cNvPr id="8" name="Content Placeholder 2">
             <a:extLst>
               <a:ext uri="{FF2B5EF4-FFF2-40B4-BE49-F238E27FC236}">
-                <a16:creationId xmlns="" xmlns:a16="http://schemas.microsoft.com/office/drawing/2014/main" id="{1423F09E-5021-4E1D-A4A8-174F779F2749}"/>
+                <a16:creationId xmlns:a16="http://schemas.microsoft.com/office/drawing/2014/main" id="{1423F09E-5021-4E1D-A4A8-174F779F2749}"/>
               </a:ext>
             </a:extLst>
           </p:cNvPr>
@@ -9404,35 +9403,35 @@
           <a:p>
             <a:pPr lvl="0"/>
             <a:r>
-              <a:rPr lang="en-US" smtClean="0"/>
+              <a:rPr lang="en-US"/>
               <a:t>Click to edit Master text styles</a:t>
             </a:r>
           </a:p>
           <a:p>
             <a:pPr lvl="1"/>
             <a:r>
-              <a:rPr lang="en-US" smtClean="0"/>
+              <a:rPr lang="en-US"/>
               <a:t>Second level</a:t>
             </a:r>
           </a:p>
           <a:p>
             <a:pPr lvl="2"/>
             <a:r>
-              <a:rPr lang="en-US" smtClean="0"/>
+              <a:rPr lang="en-US"/>
               <a:t>Third level</a:t>
             </a:r>
           </a:p>
           <a:p>
             <a:pPr lvl="3"/>
             <a:r>
-              <a:rPr lang="en-US" smtClean="0"/>
+              <a:rPr lang="en-US"/>
               <a:t>Fourth level</a:t>
             </a:r>
           </a:p>
           <a:p>
             <a:pPr lvl="4"/>
             <a:r>
-              <a:rPr lang="en-US" smtClean="0"/>
+              <a:rPr lang="en-US"/>
               <a:t>Fifth level</a:t>
             </a:r>
             <a:endParaRPr lang="en-ZA" dirty="0"/>
@@ -9444,7 +9443,7 @@
           <p:cNvPr id="9" name="Content Placeholder 3">
             <a:extLst>
               <a:ext uri="{FF2B5EF4-FFF2-40B4-BE49-F238E27FC236}">
-                <a16:creationId xmlns="" xmlns:a16="http://schemas.microsoft.com/office/drawing/2014/main" id="{F7C3D0F0-8880-4132-9B6F-33B2D7437FBB}"/>
+                <a16:creationId xmlns:a16="http://schemas.microsoft.com/office/drawing/2014/main" id="{F7C3D0F0-8880-4132-9B6F-33B2D7437FBB}"/>
               </a:ext>
             </a:extLst>
           </p:cNvPr>
@@ -9508,35 +9507,35 @@
           <a:p>
             <a:pPr lvl="0"/>
             <a:r>
-              <a:rPr lang="en-US" smtClean="0"/>
+              <a:rPr lang="en-US"/>
               <a:t>Click to edit Master text styles</a:t>
             </a:r>
           </a:p>
           <a:p>
             <a:pPr lvl="1"/>
             <a:r>
-              <a:rPr lang="en-US" smtClean="0"/>
+              <a:rPr lang="en-US"/>
               <a:t>Second level</a:t>
             </a:r>
           </a:p>
           <a:p>
             <a:pPr lvl="2"/>
             <a:r>
-              <a:rPr lang="en-US" smtClean="0"/>
+              <a:rPr lang="en-US"/>
               <a:t>Third level</a:t>
             </a:r>
           </a:p>
           <a:p>
             <a:pPr lvl="3"/>
             <a:r>
-              <a:rPr lang="en-US" smtClean="0"/>
+              <a:rPr lang="en-US"/>
               <a:t>Fourth level</a:t>
             </a:r>
           </a:p>
           <a:p>
             <a:pPr lvl="4"/>
             <a:r>
-              <a:rPr lang="en-US" smtClean="0"/>
+              <a:rPr lang="en-US"/>
               <a:t>Fifth level</a:t>
             </a:r>
             <a:endParaRPr lang="en-ZA" dirty="0"/>
@@ -9548,7 +9547,7 @@
           <p:cNvPr id="10" name="Text Placeholder 3">
             <a:extLst>
               <a:ext uri="{FF2B5EF4-FFF2-40B4-BE49-F238E27FC236}">
-                <a16:creationId xmlns="" xmlns:a16="http://schemas.microsoft.com/office/drawing/2014/main" id="{9CBDEF46-1F51-42D2-A43C-36A28ECB3405}"/>
+                <a16:creationId xmlns:a16="http://schemas.microsoft.com/office/drawing/2014/main" id="{9CBDEF46-1F51-42D2-A43C-36A28ECB3405}"/>
               </a:ext>
             </a:extLst>
           </p:cNvPr>
@@ -9610,7 +9609,7 @@
           <p:cNvPr id="11" name="Text Placeholder 4">
             <a:extLst>
               <a:ext uri="{FF2B5EF4-FFF2-40B4-BE49-F238E27FC236}">
-                <a16:creationId xmlns="" xmlns:a16="http://schemas.microsoft.com/office/drawing/2014/main" id="{9CA11096-D31C-4BD0-AFF9-7575C5E8E52B}"/>
+                <a16:creationId xmlns:a16="http://schemas.microsoft.com/office/drawing/2014/main" id="{9CA11096-D31C-4BD0-AFF9-7575C5E8E52B}"/>
               </a:ext>
             </a:extLst>
           </p:cNvPr>
@@ -9657,7 +9656,7 @@
           <p:cNvPr id="4" name="Picture Placeholder 3">
             <a:extLst>
               <a:ext uri="{FF2B5EF4-FFF2-40B4-BE49-F238E27FC236}">
-                <a16:creationId xmlns="" xmlns:a16="http://schemas.microsoft.com/office/drawing/2014/main" id="{6438B210-DE07-4BDD-BDB3-2A3DF619BED3}"/>
+                <a16:creationId xmlns:a16="http://schemas.microsoft.com/office/drawing/2014/main" id="{6438B210-DE07-4BDD-BDB3-2A3DF619BED3}"/>
               </a:ext>
             </a:extLst>
           </p:cNvPr>
@@ -9684,7 +9683,7 @@
           </a:lstStyle>
           <a:p>
             <a:r>
-              <a:rPr lang="en-US" smtClean="0"/>
+              <a:rPr lang="en-US"/>
               <a:t>Click icon to add picture</a:t>
             </a:r>
             <a:endParaRPr lang="en-ZA" dirty="0"/>
@@ -9696,7 +9695,7 @@
           <p:cNvPr id="12" name="Picture Placeholder 3">
             <a:extLst>
               <a:ext uri="{FF2B5EF4-FFF2-40B4-BE49-F238E27FC236}">
-                <a16:creationId xmlns="" xmlns:a16="http://schemas.microsoft.com/office/drawing/2014/main" id="{FAD6E0EA-E35F-4E2B-869F-7A912C4CB629}"/>
+                <a16:creationId xmlns:a16="http://schemas.microsoft.com/office/drawing/2014/main" id="{FAD6E0EA-E35F-4E2B-869F-7A912C4CB629}"/>
               </a:ext>
             </a:extLst>
           </p:cNvPr>
@@ -9723,7 +9722,7 @@
           </a:lstStyle>
           <a:p>
             <a:r>
-              <a:rPr lang="en-US" smtClean="0"/>
+              <a:rPr lang="en-US"/>
               <a:t>Click icon to add picture</a:t>
             </a:r>
             <a:endParaRPr lang="en-ZA" dirty="0"/>
@@ -9765,7 +9764,7 @@
           <p:cNvPr id="13" name="Text Placeholder 3">
             <a:extLst>
               <a:ext uri="{FF2B5EF4-FFF2-40B4-BE49-F238E27FC236}">
-                <a16:creationId xmlns="" xmlns:a16="http://schemas.microsoft.com/office/drawing/2014/main" id="{72C502DE-CADD-4CC1-972E-20071995502D}"/>
+                <a16:creationId xmlns:a16="http://schemas.microsoft.com/office/drawing/2014/main" id="{72C502DE-CADD-4CC1-972E-20071995502D}"/>
               </a:ext>
             </a:extLst>
           </p:cNvPr>
@@ -9836,7 +9835,7 @@
           <p:cNvPr id="14" name="Text Placeholder 9">
             <a:extLst>
               <a:ext uri="{FF2B5EF4-FFF2-40B4-BE49-F238E27FC236}">
-                <a16:creationId xmlns="" xmlns:a16="http://schemas.microsoft.com/office/drawing/2014/main" id="{19BE8230-B656-44E2-9319-E1464125040B}"/>
+                <a16:creationId xmlns:a16="http://schemas.microsoft.com/office/drawing/2014/main" id="{19BE8230-B656-44E2-9319-E1464125040B}"/>
               </a:ext>
             </a:extLst>
           </p:cNvPr>
@@ -9890,7 +9889,7 @@
           <p:cNvPr id="15" name="Text Placeholder 9">
             <a:extLst>
               <a:ext uri="{FF2B5EF4-FFF2-40B4-BE49-F238E27FC236}">
-                <a16:creationId xmlns="" xmlns:a16="http://schemas.microsoft.com/office/drawing/2014/main" id="{8F1CA0D5-06FF-4D1F-B534-1DFFCB23EA71}"/>
+                <a16:creationId xmlns:a16="http://schemas.microsoft.com/office/drawing/2014/main" id="{8F1CA0D5-06FF-4D1F-B534-1DFFCB23EA71}"/>
               </a:ext>
             </a:extLst>
           </p:cNvPr>
@@ -9944,7 +9943,7 @@
           <p:cNvPr id="2" name="Title 1">
             <a:extLst>
               <a:ext uri="{FF2B5EF4-FFF2-40B4-BE49-F238E27FC236}">
-                <a16:creationId xmlns="" xmlns:a16="http://schemas.microsoft.com/office/drawing/2014/main" id="{5FC626A5-4FF6-42BD-858A-AE4B2C23A6BC}"/>
+                <a16:creationId xmlns:a16="http://schemas.microsoft.com/office/drawing/2014/main" id="{5FC626A5-4FF6-42BD-858A-AE4B2C23A6BC}"/>
               </a:ext>
             </a:extLst>
           </p:cNvPr>
@@ -9972,7 +9971,7 @@
           </a:lstStyle>
           <a:p>
             <a:r>
-              <a:rPr lang="en-US" smtClean="0"/>
+              <a:rPr lang="en-US"/>
               <a:t>Click to edit Master title style</a:t>
             </a:r>
             <a:endParaRPr lang="en-ZA" dirty="0"/>
@@ -9984,7 +9983,7 @@
           <p:cNvPr id="6" name="Footer Placeholder 5">
             <a:extLst>
               <a:ext uri="{FF2B5EF4-FFF2-40B4-BE49-F238E27FC236}">
-                <a16:creationId xmlns="" xmlns:a16="http://schemas.microsoft.com/office/drawing/2014/main" id="{29E5E346-F307-4307-949D-77CDB6E6577A}"/>
+                <a16:creationId xmlns:a16="http://schemas.microsoft.com/office/drawing/2014/main" id="{29E5E346-F307-4307-949D-77CDB6E6577A}"/>
               </a:ext>
             </a:extLst>
           </p:cNvPr>
@@ -10030,7 +10029,7 @@
           <p:cNvPr id="7" name="Slide Number Placeholder 6">
             <a:extLst>
               <a:ext uri="{FF2B5EF4-FFF2-40B4-BE49-F238E27FC236}">
-                <a16:creationId xmlns="" xmlns:a16="http://schemas.microsoft.com/office/drawing/2014/main" id="{BB4446C0-A637-4726-88A6-815A6AB63B96}"/>
+                <a16:creationId xmlns:a16="http://schemas.microsoft.com/office/drawing/2014/main" id="{BB4446C0-A637-4726-88A6-815A6AB63B96}"/>
               </a:ext>
             </a:extLst>
           </p:cNvPr>
@@ -10085,7 +10084,7 @@
           <p:cNvPr id="5" name="Text Placeholder 5">
             <a:extLst>
               <a:ext uri="{FF2B5EF4-FFF2-40B4-BE49-F238E27FC236}">
-                <a16:creationId xmlns="" xmlns:a16="http://schemas.microsoft.com/office/drawing/2014/main" id="{AF8E62C6-0CCA-4909-AE69-A32ED6AC06BE}"/>
+                <a16:creationId xmlns:a16="http://schemas.microsoft.com/office/drawing/2014/main" id="{AF8E62C6-0CCA-4909-AE69-A32ED6AC06BE}"/>
               </a:ext>
             </a:extLst>
           </p:cNvPr>
@@ -10141,7 +10140,7 @@
           <p:cNvPr id="16" name="Text Placeholder 3">
             <a:extLst>
               <a:ext uri="{FF2B5EF4-FFF2-40B4-BE49-F238E27FC236}">
-                <a16:creationId xmlns="" xmlns:a16="http://schemas.microsoft.com/office/drawing/2014/main" id="{3A5BA28D-2313-499F-93AB-7C86B0305709}"/>
+                <a16:creationId xmlns:a16="http://schemas.microsoft.com/office/drawing/2014/main" id="{3A5BA28D-2313-499F-93AB-7C86B0305709}"/>
               </a:ext>
             </a:extLst>
           </p:cNvPr>
@@ -10215,7 +10214,7 @@
           <p:cNvPr id="17" name="Text Placeholder 9">
             <a:extLst>
               <a:ext uri="{FF2B5EF4-FFF2-40B4-BE49-F238E27FC236}">
-                <a16:creationId xmlns="" xmlns:a16="http://schemas.microsoft.com/office/drawing/2014/main" id="{4E9F4FE1-F54C-4B3C-9CED-6C3058B00352}"/>
+                <a16:creationId xmlns:a16="http://schemas.microsoft.com/office/drawing/2014/main" id="{4E9F4FE1-F54C-4B3C-9CED-6C3058B00352}"/>
               </a:ext>
             </a:extLst>
           </p:cNvPr>
@@ -10272,7 +10271,7 @@
           <p:cNvPr id="18" name="Text Placeholder 9">
             <a:extLst>
               <a:ext uri="{FF2B5EF4-FFF2-40B4-BE49-F238E27FC236}">
-                <a16:creationId xmlns="" xmlns:a16="http://schemas.microsoft.com/office/drawing/2014/main" id="{26328AB3-6C8E-4BB6-9C01-852150BDFE17}"/>
+                <a16:creationId xmlns:a16="http://schemas.microsoft.com/office/drawing/2014/main" id="{26328AB3-6C8E-4BB6-9C01-852150BDFE17}"/>
               </a:ext>
             </a:extLst>
           </p:cNvPr>
@@ -10329,7 +10328,7 @@
           <p:cNvPr id="19" name="Content Placeholder 3">
             <a:extLst>
               <a:ext uri="{FF2B5EF4-FFF2-40B4-BE49-F238E27FC236}">
-                <a16:creationId xmlns="" xmlns:a16="http://schemas.microsoft.com/office/drawing/2014/main" id="{B1F9D630-F36F-43B5-B6A8-62245E084CAB}"/>
+                <a16:creationId xmlns:a16="http://schemas.microsoft.com/office/drawing/2014/main" id="{B1F9D630-F36F-43B5-B6A8-62245E084CAB}"/>
               </a:ext>
             </a:extLst>
           </p:cNvPr>
@@ -10377,7 +10376,7 @@
           <p:cNvPr id="20" name="Text Placeholder 5">
             <a:extLst>
               <a:ext uri="{FF2B5EF4-FFF2-40B4-BE49-F238E27FC236}">
-                <a16:creationId xmlns="" xmlns:a16="http://schemas.microsoft.com/office/drawing/2014/main" id="{7488A707-03CD-495D-B761-9F9DAE92C6CA}"/>
+                <a16:creationId xmlns:a16="http://schemas.microsoft.com/office/drawing/2014/main" id="{7488A707-03CD-495D-B761-9F9DAE92C6CA}"/>
               </a:ext>
             </a:extLst>
           </p:cNvPr>
@@ -10421,7 +10420,7 @@
           <p:cNvPr id="21" name="Text Placeholder 9">
             <a:extLst>
               <a:ext uri="{FF2B5EF4-FFF2-40B4-BE49-F238E27FC236}">
-                <a16:creationId xmlns="" xmlns:a16="http://schemas.microsoft.com/office/drawing/2014/main" id="{99A33CFC-3C95-43CD-92E8-05A5E6D98559}"/>
+                <a16:creationId xmlns:a16="http://schemas.microsoft.com/office/drawing/2014/main" id="{99A33CFC-3C95-43CD-92E8-05A5E6D98559}"/>
               </a:ext>
             </a:extLst>
           </p:cNvPr>
@@ -10465,7 +10464,7 @@
           <p:cNvPr id="25" name="TextBox 24">
             <a:extLst>
               <a:ext uri="{FF2B5EF4-FFF2-40B4-BE49-F238E27FC236}">
-                <a16:creationId xmlns="" xmlns:a16="http://schemas.microsoft.com/office/drawing/2014/main" id="{047CF562-A700-49C4-A50C-2A49B19BC7BF}"/>
+                <a16:creationId xmlns:a16="http://schemas.microsoft.com/office/drawing/2014/main" id="{047CF562-A700-49C4-A50C-2A49B19BC7BF}"/>
               </a:ext>
             </a:extLst>
           </p:cNvPr>
@@ -10783,7 +10782,7 @@
           <p:cNvPr id="26" name="TextBox 25">
             <a:extLst>
               <a:ext uri="{FF2B5EF4-FFF2-40B4-BE49-F238E27FC236}">
-                <a16:creationId xmlns="" xmlns:a16="http://schemas.microsoft.com/office/drawing/2014/main" id="{594DA0E5-4933-41D4-8C7B-70093A9DB34D}"/>
+                <a16:creationId xmlns:a16="http://schemas.microsoft.com/office/drawing/2014/main" id="{594DA0E5-4933-41D4-8C7B-70093A9DB34D}"/>
               </a:ext>
             </a:extLst>
           </p:cNvPr>
@@ -11133,7 +11132,7 @@
           <p:cNvPr id="3" name="Arrow: Left-Right 2">
             <a:extLst>
               <a:ext uri="{FF2B5EF4-FFF2-40B4-BE49-F238E27FC236}">
-                <a16:creationId xmlns="" xmlns:a16="http://schemas.microsoft.com/office/drawing/2014/main" id="{CFAEDCAA-CDC7-47ED-A380-37E6ACCA8560}"/>
+                <a16:creationId xmlns:a16="http://schemas.microsoft.com/office/drawing/2014/main" id="{CFAEDCAA-CDC7-47ED-A380-37E6ACCA8560}"/>
               </a:ext>
             </a:extLst>
           </p:cNvPr>
@@ -11194,7 +11193,7 @@
           <p:cNvPr id="14" name="Arrow: Left-Right 13">
             <a:extLst>
               <a:ext uri="{FF2B5EF4-FFF2-40B4-BE49-F238E27FC236}">
-                <a16:creationId xmlns="" xmlns:a16="http://schemas.microsoft.com/office/drawing/2014/main" id="{F9300B0F-E539-42E5-B7E4-21E21637BA8D}"/>
+                <a16:creationId xmlns:a16="http://schemas.microsoft.com/office/drawing/2014/main" id="{F9300B0F-E539-42E5-B7E4-21E21637BA8D}"/>
               </a:ext>
             </a:extLst>
           </p:cNvPr>
@@ -11255,7 +11254,7 @@
           <p:cNvPr id="2" name="Title 1">
             <a:extLst>
               <a:ext uri="{FF2B5EF4-FFF2-40B4-BE49-F238E27FC236}">
-                <a16:creationId xmlns="" xmlns:a16="http://schemas.microsoft.com/office/drawing/2014/main" id="{5FC626A5-4FF6-42BD-858A-AE4B2C23A6BC}"/>
+                <a16:creationId xmlns:a16="http://schemas.microsoft.com/office/drawing/2014/main" id="{5FC626A5-4FF6-42BD-858A-AE4B2C23A6BC}"/>
               </a:ext>
             </a:extLst>
           </p:cNvPr>
@@ -11283,7 +11282,7 @@
           </a:lstStyle>
           <a:p>
             <a:r>
-              <a:rPr lang="en-US" smtClean="0"/>
+              <a:rPr lang="en-US"/>
               <a:t>Click to edit Master title style</a:t>
             </a:r>
             <a:endParaRPr lang="en-ZA" dirty="0"/>
@@ -11295,7 +11294,7 @@
           <p:cNvPr id="6" name="Footer Placeholder 5">
             <a:extLst>
               <a:ext uri="{FF2B5EF4-FFF2-40B4-BE49-F238E27FC236}">
-                <a16:creationId xmlns="" xmlns:a16="http://schemas.microsoft.com/office/drawing/2014/main" id="{29E5E346-F307-4307-949D-77CDB6E6577A}"/>
+                <a16:creationId xmlns:a16="http://schemas.microsoft.com/office/drawing/2014/main" id="{29E5E346-F307-4307-949D-77CDB6E6577A}"/>
               </a:ext>
             </a:extLst>
           </p:cNvPr>
@@ -11341,7 +11340,7 @@
           <p:cNvPr id="7" name="Slide Number Placeholder 6">
             <a:extLst>
               <a:ext uri="{FF2B5EF4-FFF2-40B4-BE49-F238E27FC236}">
-                <a16:creationId xmlns="" xmlns:a16="http://schemas.microsoft.com/office/drawing/2014/main" id="{BB4446C0-A637-4726-88A6-815A6AB63B96}"/>
+                <a16:creationId xmlns:a16="http://schemas.microsoft.com/office/drawing/2014/main" id="{BB4446C0-A637-4726-88A6-815A6AB63B96}"/>
               </a:ext>
             </a:extLst>
           </p:cNvPr>
@@ -11396,7 +11395,7 @@
           <p:cNvPr id="10" name="Text Placeholder 5">
             <a:extLst>
               <a:ext uri="{FF2B5EF4-FFF2-40B4-BE49-F238E27FC236}">
-                <a16:creationId xmlns="" xmlns:a16="http://schemas.microsoft.com/office/drawing/2014/main" id="{6CD52AD9-4495-432B-B01C-26AAF0EAA89F}"/>
+                <a16:creationId xmlns:a16="http://schemas.microsoft.com/office/drawing/2014/main" id="{6CD52AD9-4495-432B-B01C-26AAF0EAA89F}"/>
               </a:ext>
             </a:extLst>
           </p:cNvPr>
@@ -11443,7 +11442,7 @@
           <p:cNvPr id="11" name="Text Placeholder 5">
             <a:extLst>
               <a:ext uri="{FF2B5EF4-FFF2-40B4-BE49-F238E27FC236}">
-                <a16:creationId xmlns="" xmlns:a16="http://schemas.microsoft.com/office/drawing/2014/main" id="{23E8F54F-C5BD-4FE6-BB69-FEC69BC0FDDD}"/>
+                <a16:creationId xmlns:a16="http://schemas.microsoft.com/office/drawing/2014/main" id="{23E8F54F-C5BD-4FE6-BB69-FEC69BC0FDDD}"/>
               </a:ext>
             </a:extLst>
           </p:cNvPr>
@@ -11490,7 +11489,7 @@
           <p:cNvPr id="12" name="Text Placeholder 5">
             <a:extLst>
               <a:ext uri="{FF2B5EF4-FFF2-40B4-BE49-F238E27FC236}">
-                <a16:creationId xmlns="" xmlns:a16="http://schemas.microsoft.com/office/drawing/2014/main" id="{AF9EB7E7-72B3-4FD3-B153-815A53CB1B7D}"/>
+                <a16:creationId xmlns:a16="http://schemas.microsoft.com/office/drawing/2014/main" id="{AF9EB7E7-72B3-4FD3-B153-815A53CB1B7D}"/>
               </a:ext>
             </a:extLst>
           </p:cNvPr>
@@ -11537,7 +11536,7 @@
           <p:cNvPr id="13" name="Text Placeholder 5">
             <a:extLst>
               <a:ext uri="{FF2B5EF4-FFF2-40B4-BE49-F238E27FC236}">
-                <a16:creationId xmlns="" xmlns:a16="http://schemas.microsoft.com/office/drawing/2014/main" id="{139AE34A-A4BE-43AA-9A69-9A18D5FC53D8}"/>
+                <a16:creationId xmlns:a16="http://schemas.microsoft.com/office/drawing/2014/main" id="{139AE34A-A4BE-43AA-9A69-9A18D5FC53D8}"/>
               </a:ext>
             </a:extLst>
           </p:cNvPr>
@@ -11614,7 +11613,7 @@
           <p:cNvPr id="2" name="Title 1">
             <a:extLst>
               <a:ext uri="{FF2B5EF4-FFF2-40B4-BE49-F238E27FC236}">
-                <a16:creationId xmlns="" xmlns:a16="http://schemas.microsoft.com/office/drawing/2014/main" id="{5FC626A5-4FF6-42BD-858A-AE4B2C23A6BC}"/>
+                <a16:creationId xmlns:a16="http://schemas.microsoft.com/office/drawing/2014/main" id="{5FC626A5-4FF6-42BD-858A-AE4B2C23A6BC}"/>
               </a:ext>
             </a:extLst>
           </p:cNvPr>
@@ -11642,7 +11641,7 @@
           </a:lstStyle>
           <a:p>
             <a:r>
-              <a:rPr lang="en-US" smtClean="0"/>
+              <a:rPr lang="en-US"/>
               <a:t>Click to edit Master title style</a:t>
             </a:r>
             <a:endParaRPr lang="en-ZA" dirty="0"/>
@@ -11654,7 +11653,7 @@
           <p:cNvPr id="6" name="Footer Placeholder 5">
             <a:extLst>
               <a:ext uri="{FF2B5EF4-FFF2-40B4-BE49-F238E27FC236}">
-                <a16:creationId xmlns="" xmlns:a16="http://schemas.microsoft.com/office/drawing/2014/main" id="{29E5E346-F307-4307-949D-77CDB6E6577A}"/>
+                <a16:creationId xmlns:a16="http://schemas.microsoft.com/office/drawing/2014/main" id="{29E5E346-F307-4307-949D-77CDB6E6577A}"/>
               </a:ext>
             </a:extLst>
           </p:cNvPr>
@@ -11700,7 +11699,7 @@
           <p:cNvPr id="7" name="Slide Number Placeholder 6">
             <a:extLst>
               <a:ext uri="{FF2B5EF4-FFF2-40B4-BE49-F238E27FC236}">
-                <a16:creationId xmlns="" xmlns:a16="http://schemas.microsoft.com/office/drawing/2014/main" id="{BB4446C0-A637-4726-88A6-815A6AB63B96}"/>
+                <a16:creationId xmlns:a16="http://schemas.microsoft.com/office/drawing/2014/main" id="{BB4446C0-A637-4726-88A6-815A6AB63B96}"/>
               </a:ext>
             </a:extLst>
           </p:cNvPr>
@@ -11755,7 +11754,7 @@
           <p:cNvPr id="5" name="Text Placeholder 5">
             <a:extLst>
               <a:ext uri="{FF2B5EF4-FFF2-40B4-BE49-F238E27FC236}">
-                <a16:creationId xmlns="" xmlns:a16="http://schemas.microsoft.com/office/drawing/2014/main" id="{9C2BB107-6CD7-47EE-9C59-5345A7F63B02}"/>
+                <a16:creationId xmlns:a16="http://schemas.microsoft.com/office/drawing/2014/main" id="{9C2BB107-6CD7-47EE-9C59-5345A7F63B02}"/>
               </a:ext>
             </a:extLst>
           </p:cNvPr>
@@ -11811,7 +11810,7 @@
           <p:cNvPr id="8" name="Content Placeholder 2">
             <a:extLst>
               <a:ext uri="{FF2B5EF4-FFF2-40B4-BE49-F238E27FC236}">
-                <a16:creationId xmlns="" xmlns:a16="http://schemas.microsoft.com/office/drawing/2014/main" id="{3103194D-3DB5-46F8-9ACE-B2B142B87BE9}"/>
+                <a16:creationId xmlns:a16="http://schemas.microsoft.com/office/drawing/2014/main" id="{3103194D-3DB5-46F8-9ACE-B2B142B87BE9}"/>
               </a:ext>
             </a:extLst>
           </p:cNvPr>
@@ -11894,35 +11893,35 @@
           <a:p>
             <a:pPr lvl="0"/>
             <a:r>
-              <a:rPr lang="en-US" smtClean="0"/>
+              <a:rPr lang="en-US"/>
               <a:t>Click to edit Master text styles</a:t>
             </a:r>
           </a:p>
           <a:p>
             <a:pPr lvl="1"/>
             <a:r>
-              <a:rPr lang="en-US" smtClean="0"/>
+              <a:rPr lang="en-US"/>
               <a:t>Second level</a:t>
             </a:r>
           </a:p>
           <a:p>
             <a:pPr lvl="2"/>
             <a:r>
-              <a:rPr lang="en-US" smtClean="0"/>
+              <a:rPr lang="en-US"/>
               <a:t>Third level</a:t>
             </a:r>
           </a:p>
           <a:p>
             <a:pPr lvl="3"/>
             <a:r>
-              <a:rPr lang="en-US" smtClean="0"/>
+              <a:rPr lang="en-US"/>
               <a:t>Fourth level</a:t>
             </a:r>
           </a:p>
           <a:p>
             <a:pPr lvl="4"/>
             <a:r>
-              <a:rPr lang="en-US" smtClean="0"/>
+              <a:rPr lang="en-US"/>
               <a:t>Fifth level</a:t>
             </a:r>
             <a:endParaRPr lang="en-ZA" dirty="0"/>
@@ -11934,7 +11933,7 @@
           <p:cNvPr id="9" name="Content Placeholder 2">
             <a:extLst>
               <a:ext uri="{FF2B5EF4-FFF2-40B4-BE49-F238E27FC236}">
-                <a16:creationId xmlns="" xmlns:a16="http://schemas.microsoft.com/office/drawing/2014/main" id="{3569837A-DE3B-4C2A-B811-BCC93B8681FC}"/>
+                <a16:creationId xmlns:a16="http://schemas.microsoft.com/office/drawing/2014/main" id="{3569837A-DE3B-4C2A-B811-BCC93B8681FC}"/>
               </a:ext>
             </a:extLst>
           </p:cNvPr>
@@ -12017,35 +12016,35 @@
           <a:p>
             <a:pPr lvl="0"/>
             <a:r>
-              <a:rPr lang="en-US" smtClean="0"/>
+              <a:rPr lang="en-US"/>
               <a:t>Click to edit Master text styles</a:t>
             </a:r>
           </a:p>
           <a:p>
             <a:pPr lvl="1"/>
             <a:r>
-              <a:rPr lang="en-US" smtClean="0"/>
+              <a:rPr lang="en-US"/>
               <a:t>Second level</a:t>
             </a:r>
           </a:p>
           <a:p>
             <a:pPr lvl="2"/>
             <a:r>
-              <a:rPr lang="en-US" smtClean="0"/>
+              <a:rPr lang="en-US"/>
               <a:t>Third level</a:t>
             </a:r>
           </a:p>
           <a:p>
             <a:pPr lvl="3"/>
             <a:r>
-              <a:rPr lang="en-US" smtClean="0"/>
+              <a:rPr lang="en-US"/>
               <a:t>Fourth level</a:t>
             </a:r>
           </a:p>
           <a:p>
             <a:pPr lvl="4"/>
             <a:r>
-              <a:rPr lang="en-US" smtClean="0"/>
+              <a:rPr lang="en-US"/>
               <a:t>Fifth level</a:t>
             </a:r>
             <a:endParaRPr lang="en-ZA" dirty="0"/>
@@ -12057,7 +12056,7 @@
           <p:cNvPr id="10" name="Content Placeholder 2">
             <a:extLst>
               <a:ext uri="{FF2B5EF4-FFF2-40B4-BE49-F238E27FC236}">
-                <a16:creationId xmlns="" xmlns:a16="http://schemas.microsoft.com/office/drawing/2014/main" id="{A914D45E-73D5-4807-A6F8-1A996A31F7F2}"/>
+                <a16:creationId xmlns:a16="http://schemas.microsoft.com/office/drawing/2014/main" id="{A914D45E-73D5-4807-A6F8-1A996A31F7F2}"/>
               </a:ext>
             </a:extLst>
           </p:cNvPr>
@@ -12140,35 +12139,35 @@
           <a:p>
             <a:pPr lvl="0"/>
             <a:r>
-              <a:rPr lang="en-US" smtClean="0"/>
+              <a:rPr lang="en-US"/>
               <a:t>Click to edit Master text styles</a:t>
             </a:r>
           </a:p>
           <a:p>
             <a:pPr lvl="1"/>
             <a:r>
-              <a:rPr lang="en-US" smtClean="0"/>
+              <a:rPr lang="en-US"/>
               <a:t>Second level</a:t>
             </a:r>
           </a:p>
           <a:p>
             <a:pPr lvl="2"/>
             <a:r>
-              <a:rPr lang="en-US" smtClean="0"/>
+              <a:rPr lang="en-US"/>
               <a:t>Third level</a:t>
             </a:r>
           </a:p>
           <a:p>
             <a:pPr lvl="3"/>
             <a:r>
-              <a:rPr lang="en-US" smtClean="0"/>
+              <a:rPr lang="en-US"/>
               <a:t>Fourth level</a:t>
             </a:r>
           </a:p>
           <a:p>
             <a:pPr lvl="4"/>
             <a:r>
-              <a:rPr lang="en-US" smtClean="0"/>
+              <a:rPr lang="en-US"/>
               <a:t>Fifth level</a:t>
             </a:r>
             <a:endParaRPr lang="en-ZA" dirty="0"/>
@@ -12180,7 +12179,7 @@
           <p:cNvPr id="11" name="Content Placeholder 2">
             <a:extLst>
               <a:ext uri="{FF2B5EF4-FFF2-40B4-BE49-F238E27FC236}">
-                <a16:creationId xmlns="" xmlns:a16="http://schemas.microsoft.com/office/drawing/2014/main" id="{20206252-95E9-4C8F-8EB4-26F27AC6FB4D}"/>
+                <a16:creationId xmlns:a16="http://schemas.microsoft.com/office/drawing/2014/main" id="{20206252-95E9-4C8F-8EB4-26F27AC6FB4D}"/>
               </a:ext>
             </a:extLst>
           </p:cNvPr>
@@ -12229,7 +12228,7 @@
           <p:cNvPr id="12" name="Content Placeholder 2">
             <a:extLst>
               <a:ext uri="{FF2B5EF4-FFF2-40B4-BE49-F238E27FC236}">
-                <a16:creationId xmlns="" xmlns:a16="http://schemas.microsoft.com/office/drawing/2014/main" id="{9256C163-60A0-49AC-9FEA-A56ACF30FA33}"/>
+                <a16:creationId xmlns:a16="http://schemas.microsoft.com/office/drawing/2014/main" id="{9256C163-60A0-49AC-9FEA-A56ACF30FA33}"/>
               </a:ext>
             </a:extLst>
           </p:cNvPr>
@@ -12278,7 +12277,7 @@
           <p:cNvPr id="13" name="Content Placeholder 2">
             <a:extLst>
               <a:ext uri="{FF2B5EF4-FFF2-40B4-BE49-F238E27FC236}">
-                <a16:creationId xmlns="" xmlns:a16="http://schemas.microsoft.com/office/drawing/2014/main" id="{FAF68729-4DB7-4514-BF22-9950FB3ECC3E}"/>
+                <a16:creationId xmlns:a16="http://schemas.microsoft.com/office/drawing/2014/main" id="{FAF68729-4DB7-4514-BF22-9950FB3ECC3E}"/>
               </a:ext>
             </a:extLst>
           </p:cNvPr>
@@ -12327,10 +12326,10 @@
           <p:cNvPr id="14" name="Rectangle 6">
             <a:extLst>
               <a:ext uri="{FF2B5EF4-FFF2-40B4-BE49-F238E27FC236}">
-                <a16:creationId xmlns="" xmlns:a16="http://schemas.microsoft.com/office/drawing/2014/main" id="{567F4AE9-9C59-4A3C-9E27-EFC9EE499EB4}"/>
+                <a16:creationId xmlns:a16="http://schemas.microsoft.com/office/drawing/2014/main" id="{567F4AE9-9C59-4A3C-9E27-EFC9EE499EB4}"/>
               </a:ext>
               <a:ext uri="{C183D7F6-B498-43B3-948B-1728B52AA6E4}">
-                <adec:decorative xmlns="" xmlns:adec="http://schemas.microsoft.com/office/drawing/2017/decorative" val="1"/>
+                <adec:decorative xmlns:adec="http://schemas.microsoft.com/office/drawing/2017/decorative" val="1"/>
               </a:ext>
             </a:extLst>
           </p:cNvPr>
@@ -12450,10 +12449,10 @@
           <p:cNvPr id="15" name="Rectangle 6">
             <a:extLst>
               <a:ext uri="{FF2B5EF4-FFF2-40B4-BE49-F238E27FC236}">
-                <a16:creationId xmlns="" xmlns:a16="http://schemas.microsoft.com/office/drawing/2014/main" id="{3DA09F5A-AF46-4646-A84F-35C1002AF73E}"/>
+                <a16:creationId xmlns:a16="http://schemas.microsoft.com/office/drawing/2014/main" id="{3DA09F5A-AF46-4646-A84F-35C1002AF73E}"/>
               </a:ext>
               <a:ext uri="{C183D7F6-B498-43B3-948B-1728B52AA6E4}">
-                <adec:decorative xmlns="" xmlns:adec="http://schemas.microsoft.com/office/drawing/2017/decorative" val="1"/>
+                <adec:decorative xmlns:adec="http://schemas.microsoft.com/office/drawing/2017/decorative" val="1"/>
               </a:ext>
             </a:extLst>
           </p:cNvPr>
@@ -12573,10 +12572,10 @@
           <p:cNvPr id="16" name="Rectangle 6">
             <a:extLst>
               <a:ext uri="{FF2B5EF4-FFF2-40B4-BE49-F238E27FC236}">
-                <a16:creationId xmlns="" xmlns:a16="http://schemas.microsoft.com/office/drawing/2014/main" id="{36D8447C-AA9F-491F-8EE4-A151146D11A9}"/>
+                <a16:creationId xmlns:a16="http://schemas.microsoft.com/office/drawing/2014/main" id="{36D8447C-AA9F-491F-8EE4-A151146D11A9}"/>
               </a:ext>
               <a:ext uri="{C183D7F6-B498-43B3-948B-1728B52AA6E4}">
-                <adec:decorative xmlns="" xmlns:adec="http://schemas.microsoft.com/office/drawing/2017/decorative" val="1"/>
+                <adec:decorative xmlns:adec="http://schemas.microsoft.com/office/drawing/2017/decorative" val="1"/>
               </a:ext>
             </a:extLst>
           </p:cNvPr>
@@ -12696,10 +12695,10 @@
           <p:cNvPr id="17" name="Rectangle 6">
             <a:extLst>
               <a:ext uri="{FF2B5EF4-FFF2-40B4-BE49-F238E27FC236}">
-                <a16:creationId xmlns="" xmlns:a16="http://schemas.microsoft.com/office/drawing/2014/main" id="{826B47AC-1601-4AA8-BEB3-930A9A37FC54}"/>
+                <a16:creationId xmlns:a16="http://schemas.microsoft.com/office/drawing/2014/main" id="{826B47AC-1601-4AA8-BEB3-930A9A37FC54}"/>
               </a:ext>
               <a:ext uri="{C183D7F6-B498-43B3-948B-1728B52AA6E4}">
-                <adec:decorative xmlns="" xmlns:adec="http://schemas.microsoft.com/office/drawing/2017/decorative" val="1"/>
+                <adec:decorative xmlns:adec="http://schemas.microsoft.com/office/drawing/2017/decorative" val="1"/>
               </a:ext>
             </a:extLst>
           </p:cNvPr>
@@ -12819,10 +12818,10 @@
           <p:cNvPr id="18" name="Rectangle 6">
             <a:extLst>
               <a:ext uri="{FF2B5EF4-FFF2-40B4-BE49-F238E27FC236}">
-                <a16:creationId xmlns="" xmlns:a16="http://schemas.microsoft.com/office/drawing/2014/main" id="{EFC9E01C-1D66-47F5-B8D1-BF6041620EE5}"/>
+                <a16:creationId xmlns:a16="http://schemas.microsoft.com/office/drawing/2014/main" id="{EFC9E01C-1D66-47F5-B8D1-BF6041620EE5}"/>
               </a:ext>
               <a:ext uri="{C183D7F6-B498-43B3-948B-1728B52AA6E4}">
-                <adec:decorative xmlns="" xmlns:adec="http://schemas.microsoft.com/office/drawing/2017/decorative" val="1"/>
+                <adec:decorative xmlns:adec="http://schemas.microsoft.com/office/drawing/2017/decorative" val="1"/>
               </a:ext>
             </a:extLst>
           </p:cNvPr>
@@ -12942,10 +12941,10 @@
           <p:cNvPr id="19" name="Rectangle 6">
             <a:extLst>
               <a:ext uri="{FF2B5EF4-FFF2-40B4-BE49-F238E27FC236}">
-                <a16:creationId xmlns="" xmlns:a16="http://schemas.microsoft.com/office/drawing/2014/main" id="{9F5FC000-6DCF-4A02-B144-CC77E752DBA0}"/>
+                <a16:creationId xmlns:a16="http://schemas.microsoft.com/office/drawing/2014/main" id="{9F5FC000-6DCF-4A02-B144-CC77E752DBA0}"/>
               </a:ext>
               <a:ext uri="{C183D7F6-B498-43B3-948B-1728B52AA6E4}">
-                <adec:decorative xmlns="" xmlns:adec="http://schemas.microsoft.com/office/drawing/2017/decorative" val="1"/>
+                <adec:decorative xmlns:adec="http://schemas.microsoft.com/office/drawing/2017/decorative" val="1"/>
               </a:ext>
             </a:extLst>
           </p:cNvPr>
@@ -13065,7 +13064,7 @@
           <p:cNvPr id="20" name="Graphic 19" descr="Right Arrow">
             <a:extLst>
               <a:ext uri="{FF2B5EF4-FFF2-40B4-BE49-F238E27FC236}">
-                <a16:creationId xmlns="" xmlns:a16="http://schemas.microsoft.com/office/drawing/2014/main" id="{74A090BA-639F-4C16-9838-60A32BE3A1D6}"/>
+                <a16:creationId xmlns:a16="http://schemas.microsoft.com/office/drawing/2014/main" id="{74A090BA-639F-4C16-9838-60A32BE3A1D6}"/>
               </a:ext>
             </a:extLst>
           </p:cNvPr>
@@ -13081,7 +13080,7 @@
                 <a14:useLocalDpi xmlns:a14="http://schemas.microsoft.com/office/drawing/2010/main"/>
               </a:ext>
               <a:ext uri="{96DAC541-7B7A-43D3-8B79-37D633B846F1}">
-                <asvg:svgBlip xmlns="" xmlns:asvg="http://schemas.microsoft.com/office/drawing/2016/SVG/main" r:embed="rId3"/>
+                <asvg:svgBlip xmlns:asvg="http://schemas.microsoft.com/office/drawing/2016/SVG/main" r:embed="rId3"/>
               </a:ext>
             </a:extLst>
           </a:blip>
@@ -13104,7 +13103,7 @@
           <p:cNvPr id="21" name="Graphic 20" descr="Right Arrow">
             <a:extLst>
               <a:ext uri="{FF2B5EF4-FFF2-40B4-BE49-F238E27FC236}">
-                <a16:creationId xmlns="" xmlns:a16="http://schemas.microsoft.com/office/drawing/2014/main" id="{DF58D762-A719-4FC3-BF9E-7B858F0D9166}"/>
+                <a16:creationId xmlns:a16="http://schemas.microsoft.com/office/drawing/2014/main" id="{DF58D762-A719-4FC3-BF9E-7B858F0D9166}"/>
               </a:ext>
             </a:extLst>
           </p:cNvPr>
@@ -13120,7 +13119,7 @@
                 <a14:useLocalDpi xmlns:a14="http://schemas.microsoft.com/office/drawing/2010/main"/>
               </a:ext>
               <a:ext uri="{96DAC541-7B7A-43D3-8B79-37D633B846F1}">
-                <asvg:svgBlip xmlns="" xmlns:asvg="http://schemas.microsoft.com/office/drawing/2016/SVG/main" r:embed="rId3"/>
+                <asvg:svgBlip xmlns:asvg="http://schemas.microsoft.com/office/drawing/2016/SVG/main" r:embed="rId3"/>
               </a:ext>
             </a:extLst>
           </a:blip>
@@ -13173,7 +13172,7 @@
           <p:cNvPr id="2" name="Title 1">
             <a:extLst>
               <a:ext uri="{FF2B5EF4-FFF2-40B4-BE49-F238E27FC236}">
-                <a16:creationId xmlns="" xmlns:a16="http://schemas.microsoft.com/office/drawing/2014/main" id="{5FC626A5-4FF6-42BD-858A-AE4B2C23A6BC}"/>
+                <a16:creationId xmlns:a16="http://schemas.microsoft.com/office/drawing/2014/main" id="{5FC626A5-4FF6-42BD-858A-AE4B2C23A6BC}"/>
               </a:ext>
             </a:extLst>
           </p:cNvPr>
@@ -13201,7 +13200,7 @@
           </a:lstStyle>
           <a:p>
             <a:r>
-              <a:rPr lang="en-US" smtClean="0"/>
+              <a:rPr lang="en-US"/>
               <a:t>Click to edit Master title style</a:t>
             </a:r>
             <a:endParaRPr lang="en-ZA" dirty="0"/>
@@ -13213,7 +13212,7 @@
           <p:cNvPr id="6" name="Footer Placeholder 5">
             <a:extLst>
               <a:ext uri="{FF2B5EF4-FFF2-40B4-BE49-F238E27FC236}">
-                <a16:creationId xmlns="" xmlns:a16="http://schemas.microsoft.com/office/drawing/2014/main" id="{29E5E346-F307-4307-949D-77CDB6E6577A}"/>
+                <a16:creationId xmlns:a16="http://schemas.microsoft.com/office/drawing/2014/main" id="{29E5E346-F307-4307-949D-77CDB6E6577A}"/>
               </a:ext>
             </a:extLst>
           </p:cNvPr>
@@ -13259,7 +13258,7 @@
           <p:cNvPr id="7" name="Slide Number Placeholder 6">
             <a:extLst>
               <a:ext uri="{FF2B5EF4-FFF2-40B4-BE49-F238E27FC236}">
-                <a16:creationId xmlns="" xmlns:a16="http://schemas.microsoft.com/office/drawing/2014/main" id="{BB4446C0-A637-4726-88A6-815A6AB63B96}"/>
+                <a16:creationId xmlns:a16="http://schemas.microsoft.com/office/drawing/2014/main" id="{BB4446C0-A637-4726-88A6-815A6AB63B96}"/>
               </a:ext>
             </a:extLst>
           </p:cNvPr>
@@ -13314,7 +13313,7 @@
           <p:cNvPr id="5" name="Text Placeholder 5">
             <a:extLst>
               <a:ext uri="{FF2B5EF4-FFF2-40B4-BE49-F238E27FC236}">
-                <a16:creationId xmlns="" xmlns:a16="http://schemas.microsoft.com/office/drawing/2014/main" id="{9C2BB107-6CD7-47EE-9C59-5345A7F63B02}"/>
+                <a16:creationId xmlns:a16="http://schemas.microsoft.com/office/drawing/2014/main" id="{9C2BB107-6CD7-47EE-9C59-5345A7F63B02}"/>
               </a:ext>
             </a:extLst>
           </p:cNvPr>
@@ -13370,7 +13369,7 @@
           <p:cNvPr id="9" name="Text Placeholder 10">
             <a:extLst>
               <a:ext uri="{FF2B5EF4-FFF2-40B4-BE49-F238E27FC236}">
-                <a16:creationId xmlns="" xmlns:a16="http://schemas.microsoft.com/office/drawing/2014/main" id="{7811C96E-0DEE-4C3C-914D-3D8E37D685D8}"/>
+                <a16:creationId xmlns:a16="http://schemas.microsoft.com/office/drawing/2014/main" id="{7811C96E-0DEE-4C3C-914D-3D8E37D685D8}"/>
               </a:ext>
             </a:extLst>
           </p:cNvPr>
@@ -13418,7 +13417,7 @@
           <p:cNvPr id="10" name="Text Placeholder 10">
             <a:extLst>
               <a:ext uri="{FF2B5EF4-FFF2-40B4-BE49-F238E27FC236}">
-                <a16:creationId xmlns="" xmlns:a16="http://schemas.microsoft.com/office/drawing/2014/main" id="{401495E4-6A47-4169-8AF4-736F7CF55C37}"/>
+                <a16:creationId xmlns:a16="http://schemas.microsoft.com/office/drawing/2014/main" id="{401495E4-6A47-4169-8AF4-736F7CF55C37}"/>
               </a:ext>
             </a:extLst>
           </p:cNvPr>
@@ -13465,7 +13464,7 @@
           <p:cNvPr id="11" name="Text Placeholder 10">
             <a:extLst>
               <a:ext uri="{FF2B5EF4-FFF2-40B4-BE49-F238E27FC236}">
-                <a16:creationId xmlns="" xmlns:a16="http://schemas.microsoft.com/office/drawing/2014/main" id="{4A350147-917D-4020-B9C3-CE41143A103A}"/>
+                <a16:creationId xmlns:a16="http://schemas.microsoft.com/office/drawing/2014/main" id="{4A350147-917D-4020-B9C3-CE41143A103A}"/>
               </a:ext>
             </a:extLst>
           </p:cNvPr>
@@ -13512,7 +13511,7 @@
           <p:cNvPr id="12" name="Text Placeholder 10">
             <a:extLst>
               <a:ext uri="{FF2B5EF4-FFF2-40B4-BE49-F238E27FC236}">
-                <a16:creationId xmlns="" xmlns:a16="http://schemas.microsoft.com/office/drawing/2014/main" id="{595A6F9E-88A2-46C6-B4B4-642D65C42C1E}"/>
+                <a16:creationId xmlns:a16="http://schemas.microsoft.com/office/drawing/2014/main" id="{595A6F9E-88A2-46C6-B4B4-642D65C42C1E}"/>
               </a:ext>
             </a:extLst>
           </p:cNvPr>
@@ -13559,7 +13558,7 @@
           <p:cNvPr id="13" name="Text Placeholder 10">
             <a:extLst>
               <a:ext uri="{FF2B5EF4-FFF2-40B4-BE49-F238E27FC236}">
-                <a16:creationId xmlns="" xmlns:a16="http://schemas.microsoft.com/office/drawing/2014/main" id="{11C0F1C3-D7E3-418A-8706-CD257C1F5B6A}"/>
+                <a16:creationId xmlns:a16="http://schemas.microsoft.com/office/drawing/2014/main" id="{11C0F1C3-D7E3-418A-8706-CD257C1F5B6A}"/>
               </a:ext>
             </a:extLst>
           </p:cNvPr>
@@ -13606,7 +13605,7 @@
           <p:cNvPr id="14" name="Text Placeholder 10">
             <a:extLst>
               <a:ext uri="{FF2B5EF4-FFF2-40B4-BE49-F238E27FC236}">
-                <a16:creationId xmlns="" xmlns:a16="http://schemas.microsoft.com/office/drawing/2014/main" id="{105D759B-EB6D-4560-B0B8-1F7EB7D1B841}"/>
+                <a16:creationId xmlns:a16="http://schemas.microsoft.com/office/drawing/2014/main" id="{105D759B-EB6D-4560-B0B8-1F7EB7D1B841}"/>
               </a:ext>
             </a:extLst>
           </p:cNvPr>
@@ -13654,7 +13653,7 @@
           <p:cNvPr id="15" name="Text Placeholder 10">
             <a:extLst>
               <a:ext uri="{FF2B5EF4-FFF2-40B4-BE49-F238E27FC236}">
-                <a16:creationId xmlns="" xmlns:a16="http://schemas.microsoft.com/office/drawing/2014/main" id="{8715823E-52F8-49ED-9EC8-E99ED0915BDD}"/>
+                <a16:creationId xmlns:a16="http://schemas.microsoft.com/office/drawing/2014/main" id="{8715823E-52F8-49ED-9EC8-E99ED0915BDD}"/>
               </a:ext>
             </a:extLst>
           </p:cNvPr>
@@ -13701,7 +13700,7 @@
           <p:cNvPr id="16" name="Text Placeholder 10">
             <a:extLst>
               <a:ext uri="{FF2B5EF4-FFF2-40B4-BE49-F238E27FC236}">
-                <a16:creationId xmlns="" xmlns:a16="http://schemas.microsoft.com/office/drawing/2014/main" id="{7DF700D5-2F9B-4B15-92CF-1052851D5E1B}"/>
+                <a16:creationId xmlns:a16="http://schemas.microsoft.com/office/drawing/2014/main" id="{7DF700D5-2F9B-4B15-92CF-1052851D5E1B}"/>
               </a:ext>
             </a:extLst>
           </p:cNvPr>
@@ -13748,7 +13747,7 @@
           <p:cNvPr id="17" name="Text Placeholder 10">
             <a:extLst>
               <a:ext uri="{FF2B5EF4-FFF2-40B4-BE49-F238E27FC236}">
-                <a16:creationId xmlns="" xmlns:a16="http://schemas.microsoft.com/office/drawing/2014/main" id="{BB40768A-A2DB-44AA-89F5-071BCE4D9F91}"/>
+                <a16:creationId xmlns:a16="http://schemas.microsoft.com/office/drawing/2014/main" id="{BB40768A-A2DB-44AA-89F5-071BCE4D9F91}"/>
               </a:ext>
             </a:extLst>
           </p:cNvPr>
@@ -13795,7 +13794,7 @@
           <p:cNvPr id="18" name="Text Placeholder 10">
             <a:extLst>
               <a:ext uri="{FF2B5EF4-FFF2-40B4-BE49-F238E27FC236}">
-                <a16:creationId xmlns="" xmlns:a16="http://schemas.microsoft.com/office/drawing/2014/main" id="{16D07EB6-011E-4F65-9F28-20CAB54640E8}"/>
+                <a16:creationId xmlns:a16="http://schemas.microsoft.com/office/drawing/2014/main" id="{16D07EB6-011E-4F65-9F28-20CAB54640E8}"/>
               </a:ext>
             </a:extLst>
           </p:cNvPr>
@@ -13842,7 +13841,7 @@
           <p:cNvPr id="19" name="Text Placeholder 10">
             <a:extLst>
               <a:ext uri="{FF2B5EF4-FFF2-40B4-BE49-F238E27FC236}">
-                <a16:creationId xmlns="" xmlns:a16="http://schemas.microsoft.com/office/drawing/2014/main" id="{105B8381-43DD-41A0-A705-D1255AC449AE}"/>
+                <a16:creationId xmlns:a16="http://schemas.microsoft.com/office/drawing/2014/main" id="{105B8381-43DD-41A0-A705-D1255AC449AE}"/>
               </a:ext>
             </a:extLst>
           </p:cNvPr>
@@ -13889,7 +13888,7 @@
           <p:cNvPr id="20" name="Text Placeholder 10">
             <a:extLst>
               <a:ext uri="{FF2B5EF4-FFF2-40B4-BE49-F238E27FC236}">
-                <a16:creationId xmlns="" xmlns:a16="http://schemas.microsoft.com/office/drawing/2014/main" id="{C178CB7C-93FB-40C1-9170-B99EF8EE9E8F}"/>
+                <a16:creationId xmlns:a16="http://schemas.microsoft.com/office/drawing/2014/main" id="{C178CB7C-93FB-40C1-9170-B99EF8EE9E8F}"/>
               </a:ext>
             </a:extLst>
           </p:cNvPr>
@@ -13936,7 +13935,7 @@
           <p:cNvPr id="21" name="Text Placeholder 10">
             <a:extLst>
               <a:ext uri="{FF2B5EF4-FFF2-40B4-BE49-F238E27FC236}">
-                <a16:creationId xmlns="" xmlns:a16="http://schemas.microsoft.com/office/drawing/2014/main" id="{A2B65EAF-1F60-417C-B138-F72EFEBF6D81}"/>
+                <a16:creationId xmlns:a16="http://schemas.microsoft.com/office/drawing/2014/main" id="{A2B65EAF-1F60-417C-B138-F72EFEBF6D81}"/>
               </a:ext>
             </a:extLst>
           </p:cNvPr>
@@ -13983,7 +13982,7 @@
           <p:cNvPr id="22" name="Text Placeholder 10">
             <a:extLst>
               <a:ext uri="{FF2B5EF4-FFF2-40B4-BE49-F238E27FC236}">
-                <a16:creationId xmlns="" xmlns:a16="http://schemas.microsoft.com/office/drawing/2014/main" id="{76D120F4-A640-421C-B1F8-406158CFBC8E}"/>
+                <a16:creationId xmlns:a16="http://schemas.microsoft.com/office/drawing/2014/main" id="{76D120F4-A640-421C-B1F8-406158CFBC8E}"/>
               </a:ext>
             </a:extLst>
           </p:cNvPr>
@@ -14030,7 +14029,7 @@
           <p:cNvPr id="23" name="Text Placeholder 10">
             <a:extLst>
               <a:ext uri="{FF2B5EF4-FFF2-40B4-BE49-F238E27FC236}">
-                <a16:creationId xmlns="" xmlns:a16="http://schemas.microsoft.com/office/drawing/2014/main" id="{BBD14391-1DC8-4D56-951F-25C5BDB3921C}"/>
+                <a16:creationId xmlns:a16="http://schemas.microsoft.com/office/drawing/2014/main" id="{BBD14391-1DC8-4D56-951F-25C5BDB3921C}"/>
               </a:ext>
             </a:extLst>
           </p:cNvPr>
@@ -14077,7 +14076,7 @@
           <p:cNvPr id="24" name="Text Placeholder 10">
             <a:extLst>
               <a:ext uri="{FF2B5EF4-FFF2-40B4-BE49-F238E27FC236}">
-                <a16:creationId xmlns="" xmlns:a16="http://schemas.microsoft.com/office/drawing/2014/main" id="{93FC04C9-D1DE-47BA-8D50-6D762B72B8FC}"/>
+                <a16:creationId xmlns:a16="http://schemas.microsoft.com/office/drawing/2014/main" id="{93FC04C9-D1DE-47BA-8D50-6D762B72B8FC}"/>
               </a:ext>
             </a:extLst>
           </p:cNvPr>
@@ -14124,7 +14123,7 @@
           <p:cNvPr id="25" name="Text Placeholder 10">
             <a:extLst>
               <a:ext uri="{FF2B5EF4-FFF2-40B4-BE49-F238E27FC236}">
-                <a16:creationId xmlns="" xmlns:a16="http://schemas.microsoft.com/office/drawing/2014/main" id="{B8FB174F-BC80-4817-90C7-42F90C7978E5}"/>
+                <a16:creationId xmlns:a16="http://schemas.microsoft.com/office/drawing/2014/main" id="{B8FB174F-BC80-4817-90C7-42F90C7978E5}"/>
               </a:ext>
             </a:extLst>
           </p:cNvPr>
@@ -14171,7 +14170,7 @@
           <p:cNvPr id="26" name="Text Placeholder 10">
             <a:extLst>
               <a:ext uri="{FF2B5EF4-FFF2-40B4-BE49-F238E27FC236}">
-                <a16:creationId xmlns="" xmlns:a16="http://schemas.microsoft.com/office/drawing/2014/main" id="{E896FB65-5B08-4993-8523-822688BB2A9B}"/>
+                <a16:creationId xmlns:a16="http://schemas.microsoft.com/office/drawing/2014/main" id="{E896FB65-5B08-4993-8523-822688BB2A9B}"/>
               </a:ext>
             </a:extLst>
           </p:cNvPr>
@@ -14218,7 +14217,7 @@
           <p:cNvPr id="27" name="Text Placeholder 10">
             <a:extLst>
               <a:ext uri="{FF2B5EF4-FFF2-40B4-BE49-F238E27FC236}">
-                <a16:creationId xmlns="" xmlns:a16="http://schemas.microsoft.com/office/drawing/2014/main" id="{DBAF247D-367F-4524-9E85-4B66631D5309}"/>
+                <a16:creationId xmlns:a16="http://schemas.microsoft.com/office/drawing/2014/main" id="{DBAF247D-367F-4524-9E85-4B66631D5309}"/>
               </a:ext>
             </a:extLst>
           </p:cNvPr>
@@ -14265,7 +14264,7 @@
           <p:cNvPr id="28" name="Text Placeholder 10">
             <a:extLst>
               <a:ext uri="{FF2B5EF4-FFF2-40B4-BE49-F238E27FC236}">
-                <a16:creationId xmlns="" xmlns:a16="http://schemas.microsoft.com/office/drawing/2014/main" id="{4F9BFDEC-4D89-4C8E-A3D9-A6DF0297F780}"/>
+                <a16:creationId xmlns:a16="http://schemas.microsoft.com/office/drawing/2014/main" id="{4F9BFDEC-4D89-4C8E-A3D9-A6DF0297F780}"/>
               </a:ext>
             </a:extLst>
           </p:cNvPr>
@@ -14312,7 +14311,7 @@
           <p:cNvPr id="29" name="Text Placeholder 10">
             <a:extLst>
               <a:ext uri="{FF2B5EF4-FFF2-40B4-BE49-F238E27FC236}">
-                <a16:creationId xmlns="" xmlns:a16="http://schemas.microsoft.com/office/drawing/2014/main" id="{9C08EC58-18EC-4890-94D6-2422A6BBA8D5}"/>
+                <a16:creationId xmlns:a16="http://schemas.microsoft.com/office/drawing/2014/main" id="{9C08EC58-18EC-4890-94D6-2422A6BBA8D5}"/>
               </a:ext>
             </a:extLst>
           </p:cNvPr>
@@ -14359,7 +14358,7 @@
           <p:cNvPr id="30" name="Text Placeholder 10">
             <a:extLst>
               <a:ext uri="{FF2B5EF4-FFF2-40B4-BE49-F238E27FC236}">
-                <a16:creationId xmlns="" xmlns:a16="http://schemas.microsoft.com/office/drawing/2014/main" id="{D360A36A-7282-4045-B0DF-503E6A97BA47}"/>
+                <a16:creationId xmlns:a16="http://schemas.microsoft.com/office/drawing/2014/main" id="{D360A36A-7282-4045-B0DF-503E6A97BA47}"/>
               </a:ext>
             </a:extLst>
           </p:cNvPr>
@@ -14406,7 +14405,7 @@
           <p:cNvPr id="31" name="Text Placeholder 10">
             <a:extLst>
               <a:ext uri="{FF2B5EF4-FFF2-40B4-BE49-F238E27FC236}">
-                <a16:creationId xmlns="" xmlns:a16="http://schemas.microsoft.com/office/drawing/2014/main" id="{5F5960EF-7F51-41A0-9E73-D2F727AB3F0D}"/>
+                <a16:creationId xmlns:a16="http://schemas.microsoft.com/office/drawing/2014/main" id="{5F5960EF-7F51-41A0-9E73-D2F727AB3F0D}"/>
               </a:ext>
             </a:extLst>
           </p:cNvPr>
@@ -14453,7 +14452,7 @@
           <p:cNvPr id="32" name="Text Placeholder 10">
             <a:extLst>
               <a:ext uri="{FF2B5EF4-FFF2-40B4-BE49-F238E27FC236}">
-                <a16:creationId xmlns="" xmlns:a16="http://schemas.microsoft.com/office/drawing/2014/main" id="{9F81D711-9D82-42A4-8AB2-12D1F4490AAD}"/>
+                <a16:creationId xmlns:a16="http://schemas.microsoft.com/office/drawing/2014/main" id="{9F81D711-9D82-42A4-8AB2-12D1F4490AAD}"/>
               </a:ext>
             </a:extLst>
           </p:cNvPr>
@@ -14500,7 +14499,7 @@
           <p:cNvPr id="33" name="Text Placeholder 10">
             <a:extLst>
               <a:ext uri="{FF2B5EF4-FFF2-40B4-BE49-F238E27FC236}">
-                <a16:creationId xmlns="" xmlns:a16="http://schemas.microsoft.com/office/drawing/2014/main" id="{0A2E5DCC-5FCD-4396-9980-17ECD06BB370}"/>
+                <a16:creationId xmlns:a16="http://schemas.microsoft.com/office/drawing/2014/main" id="{0A2E5DCC-5FCD-4396-9980-17ECD06BB370}"/>
               </a:ext>
             </a:extLst>
           </p:cNvPr>
@@ -14547,7 +14546,7 @@
           <p:cNvPr id="34" name="Text Placeholder 10">
             <a:extLst>
               <a:ext uri="{FF2B5EF4-FFF2-40B4-BE49-F238E27FC236}">
-                <a16:creationId xmlns="" xmlns:a16="http://schemas.microsoft.com/office/drawing/2014/main" id="{A3860367-6AF8-4009-AE8B-33DEE49D1773}"/>
+                <a16:creationId xmlns:a16="http://schemas.microsoft.com/office/drawing/2014/main" id="{A3860367-6AF8-4009-AE8B-33DEE49D1773}"/>
               </a:ext>
             </a:extLst>
           </p:cNvPr>
@@ -14594,7 +14593,7 @@
           <p:cNvPr id="35" name="Text Placeholder 3">
             <a:extLst>
               <a:ext uri="{FF2B5EF4-FFF2-40B4-BE49-F238E27FC236}">
-                <a16:creationId xmlns="" xmlns:a16="http://schemas.microsoft.com/office/drawing/2014/main" id="{EC5BA522-ACA2-41E7-8167-4CAD19A343D4}"/>
+                <a16:creationId xmlns:a16="http://schemas.microsoft.com/office/drawing/2014/main" id="{EC5BA522-ACA2-41E7-8167-4CAD19A343D4}"/>
               </a:ext>
             </a:extLst>
           </p:cNvPr>
@@ -14650,7 +14649,7 @@
           <p:cNvPr id="36" name="Text Placeholder 36">
             <a:extLst>
               <a:ext uri="{FF2B5EF4-FFF2-40B4-BE49-F238E27FC236}">
-                <a16:creationId xmlns="" xmlns:a16="http://schemas.microsoft.com/office/drawing/2014/main" id="{3FE4D07D-18EE-4015-BE1A-670EF5502FD5}"/>
+                <a16:creationId xmlns:a16="http://schemas.microsoft.com/office/drawing/2014/main" id="{3FE4D07D-18EE-4015-BE1A-670EF5502FD5}"/>
               </a:ext>
             </a:extLst>
           </p:cNvPr>
@@ -14697,7 +14696,7 @@
           <p:cNvPr id="37" name="Arrow: Right 36">
             <a:extLst>
               <a:ext uri="{FF2B5EF4-FFF2-40B4-BE49-F238E27FC236}">
-                <a16:creationId xmlns="" xmlns:a16="http://schemas.microsoft.com/office/drawing/2014/main" id="{A21A7A3E-FAE9-412E-9085-C5396DD58558}"/>
+                <a16:creationId xmlns:a16="http://schemas.microsoft.com/office/drawing/2014/main" id="{A21A7A3E-FAE9-412E-9085-C5396DD58558}"/>
               </a:ext>
             </a:extLst>
           </p:cNvPr>
@@ -14791,7 +14790,7 @@
           <p:cNvPr id="2" name="Title 1">
             <a:extLst>
               <a:ext uri="{FF2B5EF4-FFF2-40B4-BE49-F238E27FC236}">
-                <a16:creationId xmlns="" xmlns:a16="http://schemas.microsoft.com/office/drawing/2014/main" id="{5FC626A5-4FF6-42BD-858A-AE4B2C23A6BC}"/>
+                <a16:creationId xmlns:a16="http://schemas.microsoft.com/office/drawing/2014/main" id="{5FC626A5-4FF6-42BD-858A-AE4B2C23A6BC}"/>
               </a:ext>
             </a:extLst>
           </p:cNvPr>
@@ -14819,7 +14818,7 @@
           </a:lstStyle>
           <a:p>
             <a:r>
-              <a:rPr lang="en-US" smtClean="0"/>
+              <a:rPr lang="en-US"/>
               <a:t>Click to edit Master title style</a:t>
             </a:r>
             <a:endParaRPr lang="en-ZA" dirty="0"/>
@@ -14831,7 +14830,7 @@
           <p:cNvPr id="6" name="Footer Placeholder 5">
             <a:extLst>
               <a:ext uri="{FF2B5EF4-FFF2-40B4-BE49-F238E27FC236}">
-                <a16:creationId xmlns="" xmlns:a16="http://schemas.microsoft.com/office/drawing/2014/main" id="{29E5E346-F307-4307-949D-77CDB6E6577A}"/>
+                <a16:creationId xmlns:a16="http://schemas.microsoft.com/office/drawing/2014/main" id="{29E5E346-F307-4307-949D-77CDB6E6577A}"/>
               </a:ext>
             </a:extLst>
           </p:cNvPr>
@@ -14877,7 +14876,7 @@
           <p:cNvPr id="7" name="Slide Number Placeholder 6">
             <a:extLst>
               <a:ext uri="{FF2B5EF4-FFF2-40B4-BE49-F238E27FC236}">
-                <a16:creationId xmlns="" xmlns:a16="http://schemas.microsoft.com/office/drawing/2014/main" id="{BB4446C0-A637-4726-88A6-815A6AB63B96}"/>
+                <a16:creationId xmlns:a16="http://schemas.microsoft.com/office/drawing/2014/main" id="{BB4446C0-A637-4726-88A6-815A6AB63B96}"/>
               </a:ext>
             </a:extLst>
           </p:cNvPr>
@@ -14932,7 +14931,7 @@
           <p:cNvPr id="5" name="Text Placeholder 5">
             <a:extLst>
               <a:ext uri="{FF2B5EF4-FFF2-40B4-BE49-F238E27FC236}">
-                <a16:creationId xmlns="" xmlns:a16="http://schemas.microsoft.com/office/drawing/2014/main" id="{9C2BB107-6CD7-47EE-9C59-5345A7F63B02}"/>
+                <a16:creationId xmlns:a16="http://schemas.microsoft.com/office/drawing/2014/main" id="{9C2BB107-6CD7-47EE-9C59-5345A7F63B02}"/>
               </a:ext>
             </a:extLst>
           </p:cNvPr>
@@ -14988,7 +14987,7 @@
           <p:cNvPr id="8" name="Picture Placeholder 4">
             <a:extLst>
               <a:ext uri="{FF2B5EF4-FFF2-40B4-BE49-F238E27FC236}">
-                <a16:creationId xmlns="" xmlns:a16="http://schemas.microsoft.com/office/drawing/2014/main" id="{85FDB45C-8129-42FD-85BB-977F66FEA7E3}"/>
+                <a16:creationId xmlns:a16="http://schemas.microsoft.com/office/drawing/2014/main" id="{85FDB45C-8129-42FD-85BB-977F66FEA7E3}"/>
               </a:ext>
             </a:extLst>
           </p:cNvPr>
@@ -15061,7 +15060,7 @@
           <p:cNvPr id="9" name="Text Placeholder 8">
             <a:extLst>
               <a:ext uri="{FF2B5EF4-FFF2-40B4-BE49-F238E27FC236}">
-                <a16:creationId xmlns="" xmlns:a16="http://schemas.microsoft.com/office/drawing/2014/main" id="{65BC675B-B0CF-41E3-9A61-5C9C8185863E}"/>
+                <a16:creationId xmlns:a16="http://schemas.microsoft.com/office/drawing/2014/main" id="{65BC675B-B0CF-41E3-9A61-5C9C8185863E}"/>
               </a:ext>
             </a:extLst>
           </p:cNvPr>
@@ -15104,7 +15103,7 @@
           <p:cNvPr id="10" name="Text Placeholder 10">
             <a:extLst>
               <a:ext uri="{FF2B5EF4-FFF2-40B4-BE49-F238E27FC236}">
-                <a16:creationId xmlns="" xmlns:a16="http://schemas.microsoft.com/office/drawing/2014/main" id="{B199D9B2-D8DF-4F6F-9076-9976C85EA493}"/>
+                <a16:creationId xmlns:a16="http://schemas.microsoft.com/office/drawing/2014/main" id="{B199D9B2-D8DF-4F6F-9076-9976C85EA493}"/>
               </a:ext>
             </a:extLst>
           </p:cNvPr>
@@ -15151,7 +15150,7 @@
           <p:cNvPr id="11" name="Text Placeholder 8">
             <a:extLst>
               <a:ext uri="{FF2B5EF4-FFF2-40B4-BE49-F238E27FC236}">
-                <a16:creationId xmlns="" xmlns:a16="http://schemas.microsoft.com/office/drawing/2014/main" id="{F83D3F97-C129-418E-B4E5-27919687902F}"/>
+                <a16:creationId xmlns:a16="http://schemas.microsoft.com/office/drawing/2014/main" id="{F83D3F97-C129-418E-B4E5-27919687902F}"/>
               </a:ext>
             </a:extLst>
           </p:cNvPr>
@@ -15198,7 +15197,7 @@
           <p:cNvPr id="12" name="Picture Placeholder 4">
             <a:extLst>
               <a:ext uri="{FF2B5EF4-FFF2-40B4-BE49-F238E27FC236}">
-                <a16:creationId xmlns="" xmlns:a16="http://schemas.microsoft.com/office/drawing/2014/main" id="{559091DF-E0B7-4867-B43C-3B02311C64A1}"/>
+                <a16:creationId xmlns:a16="http://schemas.microsoft.com/office/drawing/2014/main" id="{559091DF-E0B7-4867-B43C-3B02311C64A1}"/>
               </a:ext>
             </a:extLst>
           </p:cNvPr>
@@ -15271,7 +15270,7 @@
           <p:cNvPr id="13" name="Text Placeholder 8">
             <a:extLst>
               <a:ext uri="{FF2B5EF4-FFF2-40B4-BE49-F238E27FC236}">
-                <a16:creationId xmlns="" xmlns:a16="http://schemas.microsoft.com/office/drawing/2014/main" id="{B89D4389-4870-4BAE-B233-955685FCBC65}"/>
+                <a16:creationId xmlns:a16="http://schemas.microsoft.com/office/drawing/2014/main" id="{B89D4389-4870-4BAE-B233-955685FCBC65}"/>
               </a:ext>
             </a:extLst>
           </p:cNvPr>
@@ -15314,7 +15313,7 @@
           <p:cNvPr id="14" name="Text Placeholder 10">
             <a:extLst>
               <a:ext uri="{FF2B5EF4-FFF2-40B4-BE49-F238E27FC236}">
-                <a16:creationId xmlns="" xmlns:a16="http://schemas.microsoft.com/office/drawing/2014/main" id="{27F961F7-987F-4B95-AC48-08F4331BE905}"/>
+                <a16:creationId xmlns:a16="http://schemas.microsoft.com/office/drawing/2014/main" id="{27F961F7-987F-4B95-AC48-08F4331BE905}"/>
               </a:ext>
             </a:extLst>
           </p:cNvPr>
@@ -15361,7 +15360,7 @@
           <p:cNvPr id="15" name="Text Placeholder 8">
             <a:extLst>
               <a:ext uri="{FF2B5EF4-FFF2-40B4-BE49-F238E27FC236}">
-                <a16:creationId xmlns="" xmlns:a16="http://schemas.microsoft.com/office/drawing/2014/main" id="{586A8311-6FEF-4231-B5DD-80FA52F5272F}"/>
+                <a16:creationId xmlns:a16="http://schemas.microsoft.com/office/drawing/2014/main" id="{586A8311-6FEF-4231-B5DD-80FA52F5272F}"/>
               </a:ext>
             </a:extLst>
           </p:cNvPr>
@@ -15408,7 +15407,7 @@
           <p:cNvPr id="16" name="Picture Placeholder 4">
             <a:extLst>
               <a:ext uri="{FF2B5EF4-FFF2-40B4-BE49-F238E27FC236}">
-                <a16:creationId xmlns="" xmlns:a16="http://schemas.microsoft.com/office/drawing/2014/main" id="{A6A8345C-014C-4AD2-8529-29D0E8EECAB5}"/>
+                <a16:creationId xmlns:a16="http://schemas.microsoft.com/office/drawing/2014/main" id="{A6A8345C-014C-4AD2-8529-29D0E8EECAB5}"/>
               </a:ext>
             </a:extLst>
           </p:cNvPr>
@@ -15481,7 +15480,7 @@
           <p:cNvPr id="17" name="Text Placeholder 8">
             <a:extLst>
               <a:ext uri="{FF2B5EF4-FFF2-40B4-BE49-F238E27FC236}">
-                <a16:creationId xmlns="" xmlns:a16="http://schemas.microsoft.com/office/drawing/2014/main" id="{4C771BB0-7999-4A45-A6BB-56C98E978E83}"/>
+                <a16:creationId xmlns:a16="http://schemas.microsoft.com/office/drawing/2014/main" id="{4C771BB0-7999-4A45-A6BB-56C98E978E83}"/>
               </a:ext>
             </a:extLst>
           </p:cNvPr>
@@ -15524,7 +15523,7 @@
           <p:cNvPr id="18" name="Text Placeholder 10">
             <a:extLst>
               <a:ext uri="{FF2B5EF4-FFF2-40B4-BE49-F238E27FC236}">
-                <a16:creationId xmlns="" xmlns:a16="http://schemas.microsoft.com/office/drawing/2014/main" id="{9FC27C2C-A218-4626-9D04-ECC36D852E8F}"/>
+                <a16:creationId xmlns:a16="http://schemas.microsoft.com/office/drawing/2014/main" id="{9FC27C2C-A218-4626-9D04-ECC36D852E8F}"/>
               </a:ext>
             </a:extLst>
           </p:cNvPr>
@@ -15571,7 +15570,7 @@
           <p:cNvPr id="19" name="Text Placeholder 8">
             <a:extLst>
               <a:ext uri="{FF2B5EF4-FFF2-40B4-BE49-F238E27FC236}">
-                <a16:creationId xmlns="" xmlns:a16="http://schemas.microsoft.com/office/drawing/2014/main" id="{15F0F321-195A-45FE-9F4E-2DE6EFF480E8}"/>
+                <a16:creationId xmlns:a16="http://schemas.microsoft.com/office/drawing/2014/main" id="{15F0F321-195A-45FE-9F4E-2DE6EFF480E8}"/>
               </a:ext>
             </a:extLst>
           </p:cNvPr>
@@ -15618,10 +15617,10 @@
           <p:cNvPr id="20" name="Rectangle 6">
             <a:extLst>
               <a:ext uri="{FF2B5EF4-FFF2-40B4-BE49-F238E27FC236}">
-                <a16:creationId xmlns="" xmlns:a16="http://schemas.microsoft.com/office/drawing/2014/main" id="{A31AFB6F-80F0-4E69-8E48-7431E389859C}"/>
+                <a16:creationId xmlns:a16="http://schemas.microsoft.com/office/drawing/2014/main" id="{A31AFB6F-80F0-4E69-8E48-7431E389859C}"/>
               </a:ext>
               <a:ext uri="{C183D7F6-B498-43B3-948B-1728B52AA6E4}">
-                <adec:decorative xmlns="" xmlns:adec="http://schemas.microsoft.com/office/drawing/2017/decorative" val="1"/>
+                <adec:decorative xmlns:adec="http://schemas.microsoft.com/office/drawing/2017/decorative" val="1"/>
               </a:ext>
             </a:extLst>
           </p:cNvPr>
@@ -15741,10 +15740,10 @@
           <p:cNvPr id="21" name="Rectangle 6">
             <a:extLst>
               <a:ext uri="{FF2B5EF4-FFF2-40B4-BE49-F238E27FC236}">
-                <a16:creationId xmlns="" xmlns:a16="http://schemas.microsoft.com/office/drawing/2014/main" id="{115CE1DD-8B35-4422-9BB1-DB18FB6B5955}"/>
+                <a16:creationId xmlns:a16="http://schemas.microsoft.com/office/drawing/2014/main" id="{115CE1DD-8B35-4422-9BB1-DB18FB6B5955}"/>
               </a:ext>
               <a:ext uri="{C183D7F6-B498-43B3-948B-1728B52AA6E4}">
-                <adec:decorative xmlns="" xmlns:adec="http://schemas.microsoft.com/office/drawing/2017/decorative" val="1"/>
+                <adec:decorative xmlns:adec="http://schemas.microsoft.com/office/drawing/2017/decorative" val="1"/>
               </a:ext>
             </a:extLst>
           </p:cNvPr>
@@ -15864,10 +15863,10 @@
           <p:cNvPr id="22" name="Rectangle 6">
             <a:extLst>
               <a:ext uri="{FF2B5EF4-FFF2-40B4-BE49-F238E27FC236}">
-                <a16:creationId xmlns="" xmlns:a16="http://schemas.microsoft.com/office/drawing/2014/main" id="{C174B088-E2BB-4A47-A4CE-403CAE0149F8}"/>
+                <a16:creationId xmlns:a16="http://schemas.microsoft.com/office/drawing/2014/main" id="{C174B088-E2BB-4A47-A4CE-403CAE0149F8}"/>
               </a:ext>
               <a:ext uri="{C183D7F6-B498-43B3-948B-1728B52AA6E4}">
-                <adec:decorative xmlns="" xmlns:adec="http://schemas.microsoft.com/office/drawing/2017/decorative" val="1"/>
+                <adec:decorative xmlns:adec="http://schemas.microsoft.com/office/drawing/2017/decorative" val="1"/>
               </a:ext>
             </a:extLst>
           </p:cNvPr>
@@ -16017,7 +16016,7 @@
           <p:cNvPr id="2" name="Title 1">
             <a:extLst>
               <a:ext uri="{FF2B5EF4-FFF2-40B4-BE49-F238E27FC236}">
-                <a16:creationId xmlns="" xmlns:a16="http://schemas.microsoft.com/office/drawing/2014/main" id="{5FC626A5-4FF6-42BD-858A-AE4B2C23A6BC}"/>
+                <a16:creationId xmlns:a16="http://schemas.microsoft.com/office/drawing/2014/main" id="{5FC626A5-4FF6-42BD-858A-AE4B2C23A6BC}"/>
               </a:ext>
             </a:extLst>
           </p:cNvPr>
@@ -16045,7 +16044,7 @@
           </a:lstStyle>
           <a:p>
             <a:r>
-              <a:rPr lang="en-US" smtClean="0"/>
+              <a:rPr lang="en-US"/>
               <a:t>Click to edit Master title style</a:t>
             </a:r>
             <a:endParaRPr lang="en-ZA" dirty="0"/>
@@ -16057,7 +16056,7 @@
           <p:cNvPr id="6" name="Footer Placeholder 5">
             <a:extLst>
               <a:ext uri="{FF2B5EF4-FFF2-40B4-BE49-F238E27FC236}">
-                <a16:creationId xmlns="" xmlns:a16="http://schemas.microsoft.com/office/drawing/2014/main" id="{29E5E346-F307-4307-949D-77CDB6E6577A}"/>
+                <a16:creationId xmlns:a16="http://schemas.microsoft.com/office/drawing/2014/main" id="{29E5E346-F307-4307-949D-77CDB6E6577A}"/>
               </a:ext>
             </a:extLst>
           </p:cNvPr>
@@ -16103,7 +16102,7 @@
           <p:cNvPr id="7" name="Slide Number Placeholder 6">
             <a:extLst>
               <a:ext uri="{FF2B5EF4-FFF2-40B4-BE49-F238E27FC236}">
-                <a16:creationId xmlns="" xmlns:a16="http://schemas.microsoft.com/office/drawing/2014/main" id="{BB4446C0-A637-4726-88A6-815A6AB63B96}"/>
+                <a16:creationId xmlns:a16="http://schemas.microsoft.com/office/drawing/2014/main" id="{BB4446C0-A637-4726-88A6-815A6AB63B96}"/>
               </a:ext>
             </a:extLst>
           </p:cNvPr>
@@ -16158,7 +16157,7 @@
           <p:cNvPr id="5" name="Text Placeholder 5">
             <a:extLst>
               <a:ext uri="{FF2B5EF4-FFF2-40B4-BE49-F238E27FC236}">
-                <a16:creationId xmlns="" xmlns:a16="http://schemas.microsoft.com/office/drawing/2014/main" id="{9C2BB107-6CD7-47EE-9C59-5345A7F63B02}"/>
+                <a16:creationId xmlns:a16="http://schemas.microsoft.com/office/drawing/2014/main" id="{9C2BB107-6CD7-47EE-9C59-5345A7F63B02}"/>
               </a:ext>
             </a:extLst>
           </p:cNvPr>
@@ -16214,7 +16213,7 @@
           <p:cNvPr id="8" name="Text Placeholder 8">
             <a:extLst>
               <a:ext uri="{FF2B5EF4-FFF2-40B4-BE49-F238E27FC236}">
-                <a16:creationId xmlns="" xmlns:a16="http://schemas.microsoft.com/office/drawing/2014/main" id="{6B292F32-22A3-4DBC-93C9-F66C5F87D4EE}"/>
+                <a16:creationId xmlns:a16="http://schemas.microsoft.com/office/drawing/2014/main" id="{6B292F32-22A3-4DBC-93C9-F66C5F87D4EE}"/>
               </a:ext>
             </a:extLst>
           </p:cNvPr>
@@ -16257,7 +16256,7 @@
           <p:cNvPr id="9" name="Text Placeholder 10">
             <a:extLst>
               <a:ext uri="{FF2B5EF4-FFF2-40B4-BE49-F238E27FC236}">
-                <a16:creationId xmlns="" xmlns:a16="http://schemas.microsoft.com/office/drawing/2014/main" id="{2AE8CF21-3DA6-45E6-9CB4-F48688C3B744}"/>
+                <a16:creationId xmlns:a16="http://schemas.microsoft.com/office/drawing/2014/main" id="{2AE8CF21-3DA6-45E6-9CB4-F48688C3B744}"/>
               </a:ext>
             </a:extLst>
           </p:cNvPr>
@@ -16304,7 +16303,7 @@
           <p:cNvPr id="10" name="Text Placeholder 8">
             <a:extLst>
               <a:ext uri="{FF2B5EF4-FFF2-40B4-BE49-F238E27FC236}">
-                <a16:creationId xmlns="" xmlns:a16="http://schemas.microsoft.com/office/drawing/2014/main" id="{3FBB809B-C7A4-40BB-A5F6-0692C7B3E74A}"/>
+                <a16:creationId xmlns:a16="http://schemas.microsoft.com/office/drawing/2014/main" id="{3FBB809B-C7A4-40BB-A5F6-0692C7B3E74A}"/>
               </a:ext>
             </a:extLst>
           </p:cNvPr>
@@ -16346,7 +16345,7 @@
           <p:cNvPr id="11" name="Text Placeholder 10">
             <a:extLst>
               <a:ext uri="{FF2B5EF4-FFF2-40B4-BE49-F238E27FC236}">
-                <a16:creationId xmlns="" xmlns:a16="http://schemas.microsoft.com/office/drawing/2014/main" id="{5822DE8D-141C-4FC8-8690-DC699987557A}"/>
+                <a16:creationId xmlns:a16="http://schemas.microsoft.com/office/drawing/2014/main" id="{5822DE8D-141C-4FC8-8690-DC699987557A}"/>
               </a:ext>
             </a:extLst>
           </p:cNvPr>
@@ -16392,7 +16391,7 @@
           <p:cNvPr id="12" name="Text Placeholder 8">
             <a:extLst>
               <a:ext uri="{FF2B5EF4-FFF2-40B4-BE49-F238E27FC236}">
-                <a16:creationId xmlns="" xmlns:a16="http://schemas.microsoft.com/office/drawing/2014/main" id="{8BFF2A50-B1BC-445F-AAF4-5EF044B5B219}"/>
+                <a16:creationId xmlns:a16="http://schemas.microsoft.com/office/drawing/2014/main" id="{8BFF2A50-B1BC-445F-AAF4-5EF044B5B219}"/>
               </a:ext>
             </a:extLst>
           </p:cNvPr>
@@ -16434,7 +16433,7 @@
           <p:cNvPr id="13" name="Text Placeholder 10">
             <a:extLst>
               <a:ext uri="{FF2B5EF4-FFF2-40B4-BE49-F238E27FC236}">
-                <a16:creationId xmlns="" xmlns:a16="http://schemas.microsoft.com/office/drawing/2014/main" id="{50ED32C1-427F-4852-93EF-04246DAB6E09}"/>
+                <a16:creationId xmlns:a16="http://schemas.microsoft.com/office/drawing/2014/main" id="{50ED32C1-427F-4852-93EF-04246DAB6E09}"/>
               </a:ext>
             </a:extLst>
           </p:cNvPr>
@@ -16480,7 +16479,7 @@
           <p:cNvPr id="14" name="Text Placeholder 8">
             <a:extLst>
               <a:ext uri="{FF2B5EF4-FFF2-40B4-BE49-F238E27FC236}">
-                <a16:creationId xmlns="" xmlns:a16="http://schemas.microsoft.com/office/drawing/2014/main" id="{4B8DDBCF-B9FF-412C-BB0A-F20DF81F3CCB}"/>
+                <a16:creationId xmlns:a16="http://schemas.microsoft.com/office/drawing/2014/main" id="{4B8DDBCF-B9FF-412C-BB0A-F20DF81F3CCB}"/>
               </a:ext>
             </a:extLst>
           </p:cNvPr>
@@ -16522,7 +16521,7 @@
           <p:cNvPr id="15" name="Text Placeholder 10">
             <a:extLst>
               <a:ext uri="{FF2B5EF4-FFF2-40B4-BE49-F238E27FC236}">
-                <a16:creationId xmlns="" xmlns:a16="http://schemas.microsoft.com/office/drawing/2014/main" id="{E5554625-705D-43C2-BB3F-07E4FB3A8857}"/>
+                <a16:creationId xmlns:a16="http://schemas.microsoft.com/office/drawing/2014/main" id="{E5554625-705D-43C2-BB3F-07E4FB3A8857}"/>
               </a:ext>
             </a:extLst>
           </p:cNvPr>
@@ -16568,7 +16567,7 @@
           <p:cNvPr id="16" name="Text Placeholder 8">
             <a:extLst>
               <a:ext uri="{FF2B5EF4-FFF2-40B4-BE49-F238E27FC236}">
-                <a16:creationId xmlns="" xmlns:a16="http://schemas.microsoft.com/office/drawing/2014/main" id="{695A6D51-51C5-4128-9C65-70256D07FEBB}"/>
+                <a16:creationId xmlns:a16="http://schemas.microsoft.com/office/drawing/2014/main" id="{695A6D51-51C5-4128-9C65-70256D07FEBB}"/>
               </a:ext>
             </a:extLst>
           </p:cNvPr>
@@ -16610,7 +16609,7 @@
           <p:cNvPr id="17" name="Text Placeholder 10">
             <a:extLst>
               <a:ext uri="{FF2B5EF4-FFF2-40B4-BE49-F238E27FC236}">
-                <a16:creationId xmlns="" xmlns:a16="http://schemas.microsoft.com/office/drawing/2014/main" id="{94020390-663C-426B-A32A-7DD435D35428}"/>
+                <a16:creationId xmlns:a16="http://schemas.microsoft.com/office/drawing/2014/main" id="{94020390-663C-426B-A32A-7DD435D35428}"/>
               </a:ext>
             </a:extLst>
           </p:cNvPr>
@@ -16656,7 +16655,7 @@
           <p:cNvPr id="18" name="Picture Placeholder 15">
             <a:extLst>
               <a:ext uri="{FF2B5EF4-FFF2-40B4-BE49-F238E27FC236}">
-                <a16:creationId xmlns="" xmlns:a16="http://schemas.microsoft.com/office/drawing/2014/main" id="{A5BFEA69-91F2-4BAB-BC3E-F4494C809953}"/>
+                <a16:creationId xmlns:a16="http://schemas.microsoft.com/office/drawing/2014/main" id="{A5BFEA69-91F2-4BAB-BC3E-F4494C809953}"/>
               </a:ext>
             </a:extLst>
           </p:cNvPr>
@@ -16718,7 +16717,7 @@
           <a:p>
             <a:pPr marL="266700" lvl="0" indent="-266700" algn="ctr"/>
             <a:r>
-              <a:rPr lang="en-US" smtClean="0"/>
+              <a:rPr lang="en-US"/>
               <a:t>Click icon to add picture</a:t>
             </a:r>
             <a:endParaRPr lang="en-ZA" dirty="0"/>
@@ -16730,7 +16729,7 @@
           <p:cNvPr id="19" name="Picture Placeholder 15">
             <a:extLst>
               <a:ext uri="{FF2B5EF4-FFF2-40B4-BE49-F238E27FC236}">
-                <a16:creationId xmlns="" xmlns:a16="http://schemas.microsoft.com/office/drawing/2014/main" id="{4D9A8C49-F2A0-4F67-A4E0-B5FBBE0A8DFD}"/>
+                <a16:creationId xmlns:a16="http://schemas.microsoft.com/office/drawing/2014/main" id="{4D9A8C49-F2A0-4F67-A4E0-B5FBBE0A8DFD}"/>
               </a:ext>
             </a:extLst>
           </p:cNvPr>
@@ -16792,7 +16791,7 @@
           <a:p>
             <a:pPr marL="266700" lvl="0" indent="-266700" algn="ctr"/>
             <a:r>
-              <a:rPr lang="en-US" smtClean="0"/>
+              <a:rPr lang="en-US"/>
               <a:t>Click icon to add picture</a:t>
             </a:r>
             <a:endParaRPr lang="en-ZA" dirty="0"/>
@@ -16804,7 +16803,7 @@
           <p:cNvPr id="20" name="Picture Placeholder 15">
             <a:extLst>
               <a:ext uri="{FF2B5EF4-FFF2-40B4-BE49-F238E27FC236}">
-                <a16:creationId xmlns="" xmlns:a16="http://schemas.microsoft.com/office/drawing/2014/main" id="{622E18C4-0DBF-4C58-A1B6-1E6A1D521733}"/>
+                <a16:creationId xmlns:a16="http://schemas.microsoft.com/office/drawing/2014/main" id="{622E18C4-0DBF-4C58-A1B6-1E6A1D521733}"/>
               </a:ext>
             </a:extLst>
           </p:cNvPr>
@@ -16866,7 +16865,7 @@
           <a:p>
             <a:pPr marL="266700" lvl="0" indent="-266700" algn="ctr"/>
             <a:r>
-              <a:rPr lang="en-US" smtClean="0"/>
+              <a:rPr lang="en-US"/>
               <a:t>Click icon to add picture</a:t>
             </a:r>
             <a:endParaRPr lang="en-ZA" dirty="0"/>
@@ -16878,7 +16877,7 @@
           <p:cNvPr id="21" name="Picture Placeholder 15">
             <a:extLst>
               <a:ext uri="{FF2B5EF4-FFF2-40B4-BE49-F238E27FC236}">
-                <a16:creationId xmlns="" xmlns:a16="http://schemas.microsoft.com/office/drawing/2014/main" id="{0F58001D-98C8-4213-9315-4990EFFEFD8E}"/>
+                <a16:creationId xmlns:a16="http://schemas.microsoft.com/office/drawing/2014/main" id="{0F58001D-98C8-4213-9315-4990EFFEFD8E}"/>
               </a:ext>
             </a:extLst>
           </p:cNvPr>
@@ -16940,7 +16939,7 @@
           <a:p>
             <a:pPr marL="266700" lvl="0" indent="-266700" algn="ctr"/>
             <a:r>
-              <a:rPr lang="en-US" smtClean="0"/>
+              <a:rPr lang="en-US"/>
               <a:t>Click icon to add picture</a:t>
             </a:r>
             <a:endParaRPr lang="en-ZA" dirty="0"/>
@@ -16952,7 +16951,7 @@
           <p:cNvPr id="22" name="Picture Placeholder 15">
             <a:extLst>
               <a:ext uri="{FF2B5EF4-FFF2-40B4-BE49-F238E27FC236}">
-                <a16:creationId xmlns="" xmlns:a16="http://schemas.microsoft.com/office/drawing/2014/main" id="{940802B1-FF22-4F45-8475-AB393E6CF883}"/>
+                <a16:creationId xmlns:a16="http://schemas.microsoft.com/office/drawing/2014/main" id="{940802B1-FF22-4F45-8475-AB393E6CF883}"/>
               </a:ext>
             </a:extLst>
           </p:cNvPr>
@@ -17014,7 +17013,7 @@
           <a:p>
             <a:pPr marL="266700" lvl="0" indent="-266700" algn="ctr"/>
             <a:r>
-              <a:rPr lang="en-US" smtClean="0"/>
+              <a:rPr lang="en-US"/>
               <a:t>Click icon to add picture</a:t>
             </a:r>
             <a:endParaRPr lang="en-ZA" dirty="0"/>
@@ -17026,7 +17025,7 @@
           <p:cNvPr id="23" name="Text Placeholder 8">
             <a:extLst>
               <a:ext uri="{FF2B5EF4-FFF2-40B4-BE49-F238E27FC236}">
-                <a16:creationId xmlns="" xmlns:a16="http://schemas.microsoft.com/office/drawing/2014/main" id="{5C2D6443-41AF-4535-B6F7-4BB6BE08976E}"/>
+                <a16:creationId xmlns:a16="http://schemas.microsoft.com/office/drawing/2014/main" id="{5C2D6443-41AF-4535-B6F7-4BB6BE08976E}"/>
               </a:ext>
             </a:extLst>
           </p:cNvPr>
@@ -17068,7 +17067,7 @@
           <p:cNvPr id="24" name="Text Placeholder 10">
             <a:extLst>
               <a:ext uri="{FF2B5EF4-FFF2-40B4-BE49-F238E27FC236}">
-                <a16:creationId xmlns="" xmlns:a16="http://schemas.microsoft.com/office/drawing/2014/main" id="{A671736E-3711-4DA1-AF16-23EEC87C86C8}"/>
+                <a16:creationId xmlns:a16="http://schemas.microsoft.com/office/drawing/2014/main" id="{A671736E-3711-4DA1-AF16-23EEC87C86C8}"/>
               </a:ext>
             </a:extLst>
           </p:cNvPr>
@@ -17114,7 +17113,7 @@
           <p:cNvPr id="25" name="Picture Placeholder 15">
             <a:extLst>
               <a:ext uri="{FF2B5EF4-FFF2-40B4-BE49-F238E27FC236}">
-                <a16:creationId xmlns="" xmlns:a16="http://schemas.microsoft.com/office/drawing/2014/main" id="{1FED522C-94B3-41E3-A83A-E03843DE7551}"/>
+                <a16:creationId xmlns:a16="http://schemas.microsoft.com/office/drawing/2014/main" id="{1FED522C-94B3-41E3-A83A-E03843DE7551}"/>
               </a:ext>
             </a:extLst>
           </p:cNvPr>
@@ -17176,7 +17175,7 @@
           <a:p>
             <a:pPr marL="266700" lvl="0" indent="-266700" algn="ctr"/>
             <a:r>
-              <a:rPr lang="en-US" smtClean="0"/>
+              <a:rPr lang="en-US"/>
               <a:t>Click icon to add picture</a:t>
             </a:r>
             <a:endParaRPr lang="en-ZA" dirty="0"/>
@@ -17238,7 +17237,7 @@
           </a:lstStyle>
           <a:p>
             <a:r>
-              <a:rPr lang="en-US" smtClean="0"/>
+              <a:rPr lang="en-US"/>
               <a:t>Click to edit Master title style</a:t>
             </a:r>
             <a:endParaRPr lang="en-US" dirty="0"/>
@@ -17358,7 +17357,7 @@
           <a:p>
             <a:pPr lvl="0"/>
             <a:r>
-              <a:rPr lang="en-US" smtClean="0"/>
+              <a:rPr lang="en-US"/>
               <a:t>Click to edit Master text styles</a:t>
             </a:r>
           </a:p>
@@ -17382,7 +17381,7 @@
             <a:fld id="{B61BEF0D-F0BB-DE4B-95CE-6DB70DBA9567}" type="datetimeFigureOut">
               <a:rPr lang="en-US" smtClean="0"/>
               <a:pPr/>
-              <a:t>10/8/2018</a:t>
+              <a:t>1/8/2023</a:t>
             </a:fld>
             <a:endParaRPr lang="en-US" dirty="0"/>
           </a:p>
@@ -17471,7 +17470,7 @@
           <p:cNvPr id="2" name="Title 1">
             <a:extLst>
               <a:ext uri="{FF2B5EF4-FFF2-40B4-BE49-F238E27FC236}">
-                <a16:creationId xmlns="" xmlns:a16="http://schemas.microsoft.com/office/drawing/2014/main" id="{5CFF4C50-933F-41F9-AD11-BD02410AA7D5}"/>
+                <a16:creationId xmlns:a16="http://schemas.microsoft.com/office/drawing/2014/main" id="{5CFF4C50-933F-41F9-AD11-BD02410AA7D5}"/>
               </a:ext>
             </a:extLst>
           </p:cNvPr>
@@ -17504,7 +17503,7 @@
           </a:lstStyle>
           <a:p>
             <a:r>
-              <a:rPr lang="en-US" smtClean="0"/>
+              <a:rPr lang="en-US"/>
               <a:t>Click to edit Master title style</a:t>
             </a:r>
             <a:endParaRPr lang="en-ZA" dirty="0"/>
@@ -17516,7 +17515,7 @@
           <p:cNvPr id="3" name="Content Placeholder 2">
             <a:extLst>
               <a:ext uri="{FF2B5EF4-FFF2-40B4-BE49-F238E27FC236}">
-                <a16:creationId xmlns="" xmlns:a16="http://schemas.microsoft.com/office/drawing/2014/main" id="{B1948E38-8FB0-4E51-A01C-C88794372E50}"/>
+                <a16:creationId xmlns:a16="http://schemas.microsoft.com/office/drawing/2014/main" id="{B1948E38-8FB0-4E51-A01C-C88794372E50}"/>
               </a:ext>
             </a:extLst>
           </p:cNvPr>
@@ -17590,35 +17589,35 @@
           <a:p>
             <a:pPr lvl="0"/>
             <a:r>
-              <a:rPr lang="en-US" smtClean="0"/>
+              <a:rPr lang="en-US"/>
               <a:t>Click to edit Master text styles</a:t>
             </a:r>
           </a:p>
           <a:p>
             <a:pPr lvl="1"/>
             <a:r>
-              <a:rPr lang="en-US" smtClean="0"/>
+              <a:rPr lang="en-US"/>
               <a:t>Second level</a:t>
             </a:r>
           </a:p>
           <a:p>
             <a:pPr lvl="2"/>
             <a:r>
-              <a:rPr lang="en-US" smtClean="0"/>
+              <a:rPr lang="en-US"/>
               <a:t>Third level</a:t>
             </a:r>
           </a:p>
           <a:p>
             <a:pPr lvl="3"/>
             <a:r>
-              <a:rPr lang="en-US" smtClean="0"/>
+              <a:rPr lang="en-US"/>
               <a:t>Fourth level</a:t>
             </a:r>
           </a:p>
           <a:p>
             <a:pPr lvl="4"/>
             <a:r>
-              <a:rPr lang="en-US" smtClean="0"/>
+              <a:rPr lang="en-US"/>
               <a:t>Fifth level</a:t>
             </a:r>
             <a:endParaRPr lang="en-ZA" dirty="0"/>
@@ -17630,7 +17629,7 @@
           <p:cNvPr id="7" name="Footer Placeholder 6">
             <a:extLst>
               <a:ext uri="{FF2B5EF4-FFF2-40B4-BE49-F238E27FC236}">
-                <a16:creationId xmlns="" xmlns:a16="http://schemas.microsoft.com/office/drawing/2014/main" id="{19F419B1-164A-4B7A-BBEC-47B6151ECB05}"/>
+                <a16:creationId xmlns:a16="http://schemas.microsoft.com/office/drawing/2014/main" id="{19F419B1-164A-4B7A-BBEC-47B6151ECB05}"/>
               </a:ext>
             </a:extLst>
           </p:cNvPr>
@@ -17676,7 +17675,7 @@
           <p:cNvPr id="8" name="Slide Number Placeholder 7">
             <a:extLst>
               <a:ext uri="{FF2B5EF4-FFF2-40B4-BE49-F238E27FC236}">
-                <a16:creationId xmlns="" xmlns:a16="http://schemas.microsoft.com/office/drawing/2014/main" id="{86E99B1E-D08C-46BA-9D27-9ED02F4C9B6C}"/>
+                <a16:creationId xmlns:a16="http://schemas.microsoft.com/office/drawing/2014/main" id="{86E99B1E-D08C-46BA-9D27-9ED02F4C9B6C}"/>
               </a:ext>
             </a:extLst>
           </p:cNvPr>
@@ -17731,7 +17730,7 @@
           <p:cNvPr id="5" name="Text Placeholder 4">
             <a:extLst>
               <a:ext uri="{FF2B5EF4-FFF2-40B4-BE49-F238E27FC236}">
-                <a16:creationId xmlns="" xmlns:a16="http://schemas.microsoft.com/office/drawing/2014/main" id="{16A38E24-EB1C-472F-B631-5DF32F9C4CF5}"/>
+                <a16:creationId xmlns:a16="http://schemas.microsoft.com/office/drawing/2014/main" id="{16A38E24-EB1C-472F-B631-5DF32F9C4CF5}"/>
               </a:ext>
             </a:extLst>
           </p:cNvPr>
@@ -17754,35 +17753,35 @@
           <a:p>
             <a:pPr lvl="0"/>
             <a:r>
-              <a:rPr lang="en-US" smtClean="0"/>
+              <a:rPr lang="en-US"/>
               <a:t>Click to edit Master text styles</a:t>
             </a:r>
           </a:p>
           <a:p>
             <a:pPr lvl="1"/>
             <a:r>
-              <a:rPr lang="en-US" smtClean="0"/>
+              <a:rPr lang="en-US"/>
               <a:t>Second level</a:t>
             </a:r>
           </a:p>
           <a:p>
             <a:pPr lvl="2"/>
             <a:r>
-              <a:rPr lang="en-US" smtClean="0"/>
+              <a:rPr lang="en-US"/>
               <a:t>Third level</a:t>
             </a:r>
           </a:p>
           <a:p>
             <a:pPr lvl="3"/>
             <a:r>
-              <a:rPr lang="en-US" smtClean="0"/>
+              <a:rPr lang="en-US"/>
               <a:t>Fourth level</a:t>
             </a:r>
           </a:p>
           <a:p>
             <a:pPr lvl="4"/>
             <a:r>
-              <a:rPr lang="en-US" smtClean="0"/>
+              <a:rPr lang="en-US"/>
               <a:t>Fifth level</a:t>
             </a:r>
             <a:endParaRPr lang="en-ZA"/>
@@ -17794,7 +17793,7 @@
           <p:cNvPr id="11" name="Text Placeholder 10">
             <a:extLst>
               <a:ext uri="{FF2B5EF4-FFF2-40B4-BE49-F238E27FC236}">
-                <a16:creationId xmlns="" xmlns:a16="http://schemas.microsoft.com/office/drawing/2014/main" id="{5B4A252E-78C9-4F76-98A4-A4B580AD072A}"/>
+                <a16:creationId xmlns:a16="http://schemas.microsoft.com/office/drawing/2014/main" id="{5B4A252E-78C9-4F76-98A4-A4B580AD072A}"/>
               </a:ext>
             </a:extLst>
           </p:cNvPr>
@@ -17817,35 +17816,35 @@
           <a:p>
             <a:pPr lvl="0"/>
             <a:r>
-              <a:rPr lang="en-US" smtClean="0"/>
+              <a:rPr lang="en-US"/>
               <a:t>Click to edit Master text styles</a:t>
             </a:r>
           </a:p>
           <a:p>
             <a:pPr lvl="1"/>
             <a:r>
-              <a:rPr lang="en-US" smtClean="0"/>
+              <a:rPr lang="en-US"/>
               <a:t>Second level</a:t>
             </a:r>
           </a:p>
           <a:p>
             <a:pPr lvl="2"/>
             <a:r>
-              <a:rPr lang="en-US" smtClean="0"/>
+              <a:rPr lang="en-US"/>
               <a:t>Third level</a:t>
             </a:r>
           </a:p>
           <a:p>
             <a:pPr lvl="3"/>
             <a:r>
-              <a:rPr lang="en-US" smtClean="0"/>
+              <a:rPr lang="en-US"/>
               <a:t>Fourth level</a:t>
             </a:r>
           </a:p>
           <a:p>
             <a:pPr lvl="4"/>
             <a:r>
-              <a:rPr lang="en-US" smtClean="0"/>
+              <a:rPr lang="en-US"/>
               <a:t>Fifth level</a:t>
             </a:r>
             <a:endParaRPr lang="en-ZA"/>
@@ -17887,7 +17886,7 @@
           <p:cNvPr id="2" name="Title 1">
             <a:extLst>
               <a:ext uri="{FF2B5EF4-FFF2-40B4-BE49-F238E27FC236}">
-                <a16:creationId xmlns="" xmlns:a16="http://schemas.microsoft.com/office/drawing/2014/main" id="{5CFF4C50-933F-41F9-AD11-BD02410AA7D5}"/>
+                <a16:creationId xmlns:a16="http://schemas.microsoft.com/office/drawing/2014/main" id="{5CFF4C50-933F-41F9-AD11-BD02410AA7D5}"/>
               </a:ext>
             </a:extLst>
           </p:cNvPr>
@@ -17920,7 +17919,7 @@
           </a:lstStyle>
           <a:p>
             <a:r>
-              <a:rPr lang="en-US" smtClean="0"/>
+              <a:rPr lang="en-US"/>
               <a:t>Click to edit Master title style</a:t>
             </a:r>
             <a:endParaRPr lang="en-ZA" dirty="0"/>
@@ -17932,7 +17931,7 @@
           <p:cNvPr id="3" name="Content Placeholder 2">
             <a:extLst>
               <a:ext uri="{FF2B5EF4-FFF2-40B4-BE49-F238E27FC236}">
-                <a16:creationId xmlns="" xmlns:a16="http://schemas.microsoft.com/office/drawing/2014/main" id="{B1948E38-8FB0-4E51-A01C-C88794372E50}"/>
+                <a16:creationId xmlns:a16="http://schemas.microsoft.com/office/drawing/2014/main" id="{B1948E38-8FB0-4E51-A01C-C88794372E50}"/>
               </a:ext>
             </a:extLst>
           </p:cNvPr>
@@ -18006,35 +18005,35 @@
           <a:p>
             <a:pPr lvl="0"/>
             <a:r>
-              <a:rPr lang="en-US" smtClean="0"/>
+              <a:rPr lang="en-US"/>
               <a:t>Click to edit Master text styles</a:t>
             </a:r>
           </a:p>
           <a:p>
             <a:pPr lvl="1"/>
             <a:r>
-              <a:rPr lang="en-US" smtClean="0"/>
+              <a:rPr lang="en-US"/>
               <a:t>Second level</a:t>
             </a:r>
           </a:p>
           <a:p>
             <a:pPr lvl="2"/>
             <a:r>
-              <a:rPr lang="en-US" smtClean="0"/>
+              <a:rPr lang="en-US"/>
               <a:t>Third level</a:t>
             </a:r>
           </a:p>
           <a:p>
             <a:pPr lvl="3"/>
             <a:r>
-              <a:rPr lang="en-US" smtClean="0"/>
+              <a:rPr lang="en-US"/>
               <a:t>Fourth level</a:t>
             </a:r>
           </a:p>
           <a:p>
             <a:pPr lvl="4"/>
             <a:r>
-              <a:rPr lang="en-US" smtClean="0"/>
+              <a:rPr lang="en-US"/>
               <a:t>Fifth level</a:t>
             </a:r>
             <a:endParaRPr lang="en-ZA" dirty="0"/>
@@ -18046,7 +18045,7 @@
           <p:cNvPr id="7" name="Footer Placeholder 6">
             <a:extLst>
               <a:ext uri="{FF2B5EF4-FFF2-40B4-BE49-F238E27FC236}">
-                <a16:creationId xmlns="" xmlns:a16="http://schemas.microsoft.com/office/drawing/2014/main" id="{19F419B1-164A-4B7A-BBEC-47B6151ECB05}"/>
+                <a16:creationId xmlns:a16="http://schemas.microsoft.com/office/drawing/2014/main" id="{19F419B1-164A-4B7A-BBEC-47B6151ECB05}"/>
               </a:ext>
             </a:extLst>
           </p:cNvPr>
@@ -18092,7 +18091,7 @@
           <p:cNvPr id="8" name="Slide Number Placeholder 7">
             <a:extLst>
               <a:ext uri="{FF2B5EF4-FFF2-40B4-BE49-F238E27FC236}">
-                <a16:creationId xmlns="" xmlns:a16="http://schemas.microsoft.com/office/drawing/2014/main" id="{86E99B1E-D08C-46BA-9D27-9ED02F4C9B6C}"/>
+                <a16:creationId xmlns:a16="http://schemas.microsoft.com/office/drawing/2014/main" id="{86E99B1E-D08C-46BA-9D27-9ED02F4C9B6C}"/>
               </a:ext>
             </a:extLst>
           </p:cNvPr>
@@ -18147,7 +18146,7 @@
           <p:cNvPr id="5" name="Text Placeholder 4">
             <a:extLst>
               <a:ext uri="{FF2B5EF4-FFF2-40B4-BE49-F238E27FC236}">
-                <a16:creationId xmlns="" xmlns:a16="http://schemas.microsoft.com/office/drawing/2014/main" id="{1F5B3657-F2AE-455A-BF81-1A0C2ACECD20}"/>
+                <a16:creationId xmlns:a16="http://schemas.microsoft.com/office/drawing/2014/main" id="{1F5B3657-F2AE-455A-BF81-1A0C2ACECD20}"/>
               </a:ext>
             </a:extLst>
           </p:cNvPr>
@@ -18170,35 +18169,35 @@
           <a:p>
             <a:pPr lvl="0"/>
             <a:r>
-              <a:rPr lang="en-US" smtClean="0"/>
+              <a:rPr lang="en-US"/>
               <a:t>Click to edit Master text styles</a:t>
             </a:r>
           </a:p>
           <a:p>
             <a:pPr lvl="1"/>
             <a:r>
-              <a:rPr lang="en-US" smtClean="0"/>
+              <a:rPr lang="en-US"/>
               <a:t>Second level</a:t>
             </a:r>
           </a:p>
           <a:p>
             <a:pPr lvl="2"/>
             <a:r>
-              <a:rPr lang="en-US" smtClean="0"/>
+              <a:rPr lang="en-US"/>
               <a:t>Third level</a:t>
             </a:r>
           </a:p>
           <a:p>
             <a:pPr lvl="3"/>
             <a:r>
-              <a:rPr lang="en-US" smtClean="0"/>
+              <a:rPr lang="en-US"/>
               <a:t>Fourth level</a:t>
             </a:r>
           </a:p>
           <a:p>
             <a:pPr lvl="4"/>
             <a:r>
-              <a:rPr lang="en-US" smtClean="0"/>
+              <a:rPr lang="en-US"/>
               <a:t>Fifth level</a:t>
             </a:r>
             <a:endParaRPr lang="en-ZA"/>
@@ -18210,7 +18209,7 @@
           <p:cNvPr id="13" name="Text Placeholder 12">
             <a:extLst>
               <a:ext uri="{FF2B5EF4-FFF2-40B4-BE49-F238E27FC236}">
-                <a16:creationId xmlns="" xmlns:a16="http://schemas.microsoft.com/office/drawing/2014/main" id="{6A983D98-E0AB-429A-9EC2-B50D4216D691}"/>
+                <a16:creationId xmlns:a16="http://schemas.microsoft.com/office/drawing/2014/main" id="{6A983D98-E0AB-429A-9EC2-B50D4216D691}"/>
               </a:ext>
             </a:extLst>
           </p:cNvPr>
@@ -18233,35 +18232,35 @@
           <a:p>
             <a:pPr lvl="0"/>
             <a:r>
-              <a:rPr lang="en-US" smtClean="0"/>
+              <a:rPr lang="en-US"/>
               <a:t>Click to edit Master text styles</a:t>
             </a:r>
           </a:p>
           <a:p>
             <a:pPr lvl="1"/>
             <a:r>
-              <a:rPr lang="en-US" smtClean="0"/>
+              <a:rPr lang="en-US"/>
               <a:t>Second level</a:t>
             </a:r>
           </a:p>
           <a:p>
             <a:pPr lvl="2"/>
             <a:r>
-              <a:rPr lang="en-US" smtClean="0"/>
+              <a:rPr lang="en-US"/>
               <a:t>Third level</a:t>
             </a:r>
           </a:p>
           <a:p>
             <a:pPr lvl="3"/>
             <a:r>
-              <a:rPr lang="en-US" smtClean="0"/>
+              <a:rPr lang="en-US"/>
               <a:t>Fourth level</a:t>
             </a:r>
           </a:p>
           <a:p>
             <a:pPr lvl="4"/>
             <a:r>
-              <a:rPr lang="en-US" smtClean="0"/>
+              <a:rPr lang="en-US"/>
               <a:t>Fifth level</a:t>
             </a:r>
             <a:endParaRPr lang="en-ZA"/>
@@ -18273,7 +18272,7 @@
           <p:cNvPr id="15" name="Text Placeholder 14">
             <a:extLst>
               <a:ext uri="{FF2B5EF4-FFF2-40B4-BE49-F238E27FC236}">
-                <a16:creationId xmlns="" xmlns:a16="http://schemas.microsoft.com/office/drawing/2014/main" id="{755213BF-EF6D-45DC-A01B-DE6C2F23A6D2}"/>
+                <a16:creationId xmlns:a16="http://schemas.microsoft.com/office/drawing/2014/main" id="{755213BF-EF6D-45DC-A01B-DE6C2F23A6D2}"/>
               </a:ext>
             </a:extLst>
           </p:cNvPr>
@@ -18296,35 +18295,35 @@
           <a:p>
             <a:pPr lvl="0"/>
             <a:r>
-              <a:rPr lang="en-US" smtClean="0"/>
+              <a:rPr lang="en-US"/>
               <a:t>Click to edit Master text styles</a:t>
             </a:r>
           </a:p>
           <a:p>
             <a:pPr lvl="1"/>
             <a:r>
-              <a:rPr lang="en-US" smtClean="0"/>
+              <a:rPr lang="en-US"/>
               <a:t>Second level</a:t>
             </a:r>
           </a:p>
           <a:p>
             <a:pPr lvl="2"/>
             <a:r>
-              <a:rPr lang="en-US" smtClean="0"/>
+              <a:rPr lang="en-US"/>
               <a:t>Third level</a:t>
             </a:r>
           </a:p>
           <a:p>
             <a:pPr lvl="3"/>
             <a:r>
-              <a:rPr lang="en-US" smtClean="0"/>
+              <a:rPr lang="en-US"/>
               <a:t>Fourth level</a:t>
             </a:r>
           </a:p>
           <a:p>
             <a:pPr lvl="4"/>
             <a:r>
-              <a:rPr lang="en-US" smtClean="0"/>
+              <a:rPr lang="en-US"/>
               <a:t>Fifth level</a:t>
             </a:r>
             <a:endParaRPr lang="en-ZA"/>
@@ -18336,7 +18335,7 @@
           <p:cNvPr id="17" name="Text Placeholder 16">
             <a:extLst>
               <a:ext uri="{FF2B5EF4-FFF2-40B4-BE49-F238E27FC236}">
-                <a16:creationId xmlns="" xmlns:a16="http://schemas.microsoft.com/office/drawing/2014/main" id="{77D6BBBA-F4A3-45D4-91BC-A405FFDC7C3D}"/>
+                <a16:creationId xmlns:a16="http://schemas.microsoft.com/office/drawing/2014/main" id="{77D6BBBA-F4A3-45D4-91BC-A405FFDC7C3D}"/>
               </a:ext>
             </a:extLst>
           </p:cNvPr>
@@ -18359,35 +18358,35 @@
           <a:p>
             <a:pPr lvl="0"/>
             <a:r>
-              <a:rPr lang="en-US" smtClean="0"/>
+              <a:rPr lang="en-US"/>
               <a:t>Click to edit Master text styles</a:t>
             </a:r>
           </a:p>
           <a:p>
             <a:pPr lvl="1"/>
             <a:r>
-              <a:rPr lang="en-US" smtClean="0"/>
+              <a:rPr lang="en-US"/>
               <a:t>Second level</a:t>
             </a:r>
           </a:p>
           <a:p>
             <a:pPr lvl="2"/>
             <a:r>
-              <a:rPr lang="en-US" smtClean="0"/>
+              <a:rPr lang="en-US"/>
               <a:t>Third level</a:t>
             </a:r>
           </a:p>
           <a:p>
             <a:pPr lvl="3"/>
             <a:r>
-              <a:rPr lang="en-US" smtClean="0"/>
+              <a:rPr lang="en-US"/>
               <a:t>Fourth level</a:t>
             </a:r>
           </a:p>
           <a:p>
             <a:pPr lvl="4"/>
             <a:r>
-              <a:rPr lang="en-US" smtClean="0"/>
+              <a:rPr lang="en-US"/>
               <a:t>Fifth level</a:t>
             </a:r>
             <a:endParaRPr lang="en-ZA" dirty="0"/>
@@ -18429,7 +18428,7 @@
           <p:cNvPr id="2" name="Title 1">
             <a:extLst>
               <a:ext uri="{FF2B5EF4-FFF2-40B4-BE49-F238E27FC236}">
-                <a16:creationId xmlns="" xmlns:a16="http://schemas.microsoft.com/office/drawing/2014/main" id="{3F288DD7-6DAF-436D-B04A-EBCCAA36917C}"/>
+                <a16:creationId xmlns:a16="http://schemas.microsoft.com/office/drawing/2014/main" id="{3F288DD7-6DAF-436D-B04A-EBCCAA36917C}"/>
               </a:ext>
             </a:extLst>
           </p:cNvPr>
@@ -18462,7 +18461,7 @@
           </a:lstStyle>
           <a:p>
             <a:r>
-              <a:rPr lang="en-US" smtClean="0"/>
+              <a:rPr lang="en-US"/>
               <a:t>Click to edit Master title style</a:t>
             </a:r>
             <a:endParaRPr lang="en-ZA" dirty="0"/>
@@ -18474,7 +18473,7 @@
           <p:cNvPr id="3" name="Text Placeholder 2">
             <a:extLst>
               <a:ext uri="{FF2B5EF4-FFF2-40B4-BE49-F238E27FC236}">
-                <a16:creationId xmlns="" xmlns:a16="http://schemas.microsoft.com/office/drawing/2014/main" id="{9322B50D-6A7D-41C6-BA57-613BC231DF36}"/>
+                <a16:creationId xmlns:a16="http://schemas.microsoft.com/office/drawing/2014/main" id="{9322B50D-6A7D-41C6-BA57-613BC231DF36}"/>
               </a:ext>
             </a:extLst>
           </p:cNvPr>
@@ -18541,7 +18540,7 @@
           <a:p>
             <a:pPr lvl="0"/>
             <a:r>
-              <a:rPr lang="en-US" smtClean="0"/>
+              <a:rPr lang="en-US"/>
               <a:t>Click to edit Master text styles</a:t>
             </a:r>
           </a:p>
@@ -18552,7 +18551,7 @@
           <p:cNvPr id="4" name="Content Placeholder 3">
             <a:extLst>
               <a:ext uri="{FF2B5EF4-FFF2-40B4-BE49-F238E27FC236}">
-                <a16:creationId xmlns="" xmlns:a16="http://schemas.microsoft.com/office/drawing/2014/main" id="{9FD584DA-F775-47B8-A1D7-6556AD5FCBD2}"/>
+                <a16:creationId xmlns:a16="http://schemas.microsoft.com/office/drawing/2014/main" id="{9FD584DA-F775-47B8-A1D7-6556AD5FCBD2}"/>
               </a:ext>
             </a:extLst>
           </p:cNvPr>
@@ -18626,35 +18625,35 @@
           <a:p>
             <a:pPr lvl="0"/>
             <a:r>
-              <a:rPr lang="en-US" smtClean="0"/>
+              <a:rPr lang="en-US"/>
               <a:t>Click to edit Master text styles</a:t>
             </a:r>
           </a:p>
           <a:p>
             <a:pPr lvl="1"/>
             <a:r>
-              <a:rPr lang="en-US" smtClean="0"/>
+              <a:rPr lang="en-US"/>
               <a:t>Second level</a:t>
             </a:r>
           </a:p>
           <a:p>
             <a:pPr lvl="2"/>
             <a:r>
-              <a:rPr lang="en-US" smtClean="0"/>
+              <a:rPr lang="en-US"/>
               <a:t>Third level</a:t>
             </a:r>
           </a:p>
           <a:p>
             <a:pPr lvl="3"/>
             <a:r>
-              <a:rPr lang="en-US" smtClean="0"/>
+              <a:rPr lang="en-US"/>
               <a:t>Fourth level</a:t>
             </a:r>
           </a:p>
           <a:p>
             <a:pPr lvl="4"/>
             <a:r>
-              <a:rPr lang="en-US" smtClean="0"/>
+              <a:rPr lang="en-US"/>
               <a:t>Fifth level</a:t>
             </a:r>
             <a:endParaRPr lang="en-ZA" dirty="0"/>
@@ -18666,7 +18665,7 @@
           <p:cNvPr id="10" name="Footer Placeholder 9">
             <a:extLst>
               <a:ext uri="{FF2B5EF4-FFF2-40B4-BE49-F238E27FC236}">
-                <a16:creationId xmlns="" xmlns:a16="http://schemas.microsoft.com/office/drawing/2014/main" id="{9337FD81-6DFD-43B7-A7D9-59E45ECDF39A}"/>
+                <a16:creationId xmlns:a16="http://schemas.microsoft.com/office/drawing/2014/main" id="{9337FD81-6DFD-43B7-A7D9-59E45ECDF39A}"/>
               </a:ext>
             </a:extLst>
           </p:cNvPr>
@@ -18712,7 +18711,7 @@
           <p:cNvPr id="11" name="Slide Number Placeholder 10">
             <a:extLst>
               <a:ext uri="{FF2B5EF4-FFF2-40B4-BE49-F238E27FC236}">
-                <a16:creationId xmlns="" xmlns:a16="http://schemas.microsoft.com/office/drawing/2014/main" id="{F17B7460-0559-435A-9C2F-1B12BC6CE184}"/>
+                <a16:creationId xmlns:a16="http://schemas.microsoft.com/office/drawing/2014/main" id="{F17B7460-0559-435A-9C2F-1B12BC6CE184}"/>
               </a:ext>
             </a:extLst>
           </p:cNvPr>
@@ -18767,10 +18766,10 @@
           <p:cNvPr id="9" name="Straight Connector 8">
             <a:extLst>
               <a:ext uri="{FF2B5EF4-FFF2-40B4-BE49-F238E27FC236}">
-                <a16:creationId xmlns="" xmlns:a16="http://schemas.microsoft.com/office/drawing/2014/main" id="{0A0FADEC-BFBD-4A6E-B51C-B0DFD4C804F5}"/>
+                <a16:creationId xmlns:a16="http://schemas.microsoft.com/office/drawing/2014/main" id="{0A0FADEC-BFBD-4A6E-B51C-B0DFD4C804F5}"/>
               </a:ext>
               <a:ext uri="{C183D7F6-B498-43B3-948B-1728B52AA6E4}">
-                <adec:decorative xmlns="" xmlns:adec="http://schemas.microsoft.com/office/drawing/2017/decorative" val="1"/>
+                <adec:decorative xmlns:adec="http://schemas.microsoft.com/office/drawing/2017/decorative" val="1"/>
               </a:ext>
             </a:extLst>
           </p:cNvPr>
@@ -18815,7 +18814,7 @@
           <p:cNvPr id="13" name="Text Placeholder 4">
             <a:extLst>
               <a:ext uri="{FF2B5EF4-FFF2-40B4-BE49-F238E27FC236}">
-                <a16:creationId xmlns="" xmlns:a16="http://schemas.microsoft.com/office/drawing/2014/main" id="{C47312EC-14D6-4EE3-84DF-5BE8F35DD85E}"/>
+                <a16:creationId xmlns:a16="http://schemas.microsoft.com/office/drawing/2014/main" id="{C47312EC-14D6-4EE3-84DF-5BE8F35DD85E}"/>
               </a:ext>
             </a:extLst>
           </p:cNvPr>
@@ -18845,7 +18844,7 @@
           <a:p>
             <a:pPr marL="266700" lvl="0" indent="-266700"/>
             <a:r>
-              <a:rPr lang="en-US" smtClean="0"/>
+              <a:rPr lang="en-US"/>
               <a:t>Click to edit Master text styles</a:t>
             </a:r>
           </a:p>
@@ -18856,7 +18855,7 @@
           <p:cNvPr id="14" name="Content Placeholder 5">
             <a:extLst>
               <a:ext uri="{FF2B5EF4-FFF2-40B4-BE49-F238E27FC236}">
-                <a16:creationId xmlns="" xmlns:a16="http://schemas.microsoft.com/office/drawing/2014/main" id="{D2E4423B-993A-4321-BD96-12519C601A1E}"/>
+                <a16:creationId xmlns:a16="http://schemas.microsoft.com/office/drawing/2014/main" id="{D2E4423B-993A-4321-BD96-12519C601A1E}"/>
               </a:ext>
             </a:extLst>
           </p:cNvPr>
@@ -18879,35 +18878,35 @@
           <a:p>
             <a:pPr lvl="0"/>
             <a:r>
-              <a:rPr lang="en-US" smtClean="0"/>
+              <a:rPr lang="en-US"/>
               <a:t>Click to edit Master text styles</a:t>
             </a:r>
           </a:p>
           <a:p>
             <a:pPr lvl="1"/>
             <a:r>
-              <a:rPr lang="en-US" smtClean="0"/>
+              <a:rPr lang="en-US"/>
               <a:t>Second level</a:t>
             </a:r>
           </a:p>
           <a:p>
             <a:pPr lvl="2"/>
             <a:r>
-              <a:rPr lang="en-US" smtClean="0"/>
+              <a:rPr lang="en-US"/>
               <a:t>Third level</a:t>
             </a:r>
           </a:p>
           <a:p>
             <a:pPr lvl="3"/>
             <a:r>
-              <a:rPr lang="en-US" smtClean="0"/>
+              <a:rPr lang="en-US"/>
               <a:t>Fourth level</a:t>
             </a:r>
           </a:p>
           <a:p>
             <a:pPr lvl="4"/>
             <a:r>
-              <a:rPr lang="en-US" smtClean="0"/>
+              <a:rPr lang="en-US"/>
               <a:t>Fifth level</a:t>
             </a:r>
             <a:endParaRPr lang="en-US" dirty="0"/>
@@ -18949,7 +18948,7 @@
           <p:cNvPr id="2" name="Title 1">
             <a:extLst>
               <a:ext uri="{FF2B5EF4-FFF2-40B4-BE49-F238E27FC236}">
-                <a16:creationId xmlns="" xmlns:a16="http://schemas.microsoft.com/office/drawing/2014/main" id="{5FC626A5-4FF6-42BD-858A-AE4B2C23A6BC}"/>
+                <a16:creationId xmlns:a16="http://schemas.microsoft.com/office/drawing/2014/main" id="{5FC626A5-4FF6-42BD-858A-AE4B2C23A6BC}"/>
               </a:ext>
             </a:extLst>
           </p:cNvPr>
@@ -18977,7 +18976,7 @@
           </a:lstStyle>
           <a:p>
             <a:r>
-              <a:rPr lang="en-US" smtClean="0"/>
+              <a:rPr lang="en-US"/>
               <a:t>Click to edit Master title style</a:t>
             </a:r>
             <a:endParaRPr lang="en-ZA" dirty="0"/>
@@ -18989,7 +18988,7 @@
           <p:cNvPr id="6" name="Footer Placeholder 5">
             <a:extLst>
               <a:ext uri="{FF2B5EF4-FFF2-40B4-BE49-F238E27FC236}">
-                <a16:creationId xmlns="" xmlns:a16="http://schemas.microsoft.com/office/drawing/2014/main" id="{29E5E346-F307-4307-949D-77CDB6E6577A}"/>
+                <a16:creationId xmlns:a16="http://schemas.microsoft.com/office/drawing/2014/main" id="{29E5E346-F307-4307-949D-77CDB6E6577A}"/>
               </a:ext>
             </a:extLst>
           </p:cNvPr>
@@ -19035,7 +19034,7 @@
           <p:cNvPr id="7" name="Slide Number Placeholder 6">
             <a:extLst>
               <a:ext uri="{FF2B5EF4-FFF2-40B4-BE49-F238E27FC236}">
-                <a16:creationId xmlns="" xmlns:a16="http://schemas.microsoft.com/office/drawing/2014/main" id="{BB4446C0-A637-4726-88A6-815A6AB63B96}"/>
+                <a16:creationId xmlns:a16="http://schemas.microsoft.com/office/drawing/2014/main" id="{BB4446C0-A637-4726-88A6-815A6AB63B96}"/>
               </a:ext>
             </a:extLst>
           </p:cNvPr>
@@ -19120,7 +19119,7 @@
           <p:cNvPr id="5" name="Footer Placeholder 4">
             <a:extLst>
               <a:ext uri="{FF2B5EF4-FFF2-40B4-BE49-F238E27FC236}">
-                <a16:creationId xmlns="" xmlns:a16="http://schemas.microsoft.com/office/drawing/2014/main" id="{F380D91F-8335-4C39-A703-5F4EE36875C8}"/>
+                <a16:creationId xmlns:a16="http://schemas.microsoft.com/office/drawing/2014/main" id="{F380D91F-8335-4C39-A703-5F4EE36875C8}"/>
               </a:ext>
             </a:extLst>
           </p:cNvPr>
@@ -19166,7 +19165,7 @@
           <p:cNvPr id="6" name="Slide Number Placeholder 5">
             <a:extLst>
               <a:ext uri="{FF2B5EF4-FFF2-40B4-BE49-F238E27FC236}">
-                <a16:creationId xmlns="" xmlns:a16="http://schemas.microsoft.com/office/drawing/2014/main" id="{ADB88685-006A-43C3-A850-F409CF02FC40}"/>
+                <a16:creationId xmlns:a16="http://schemas.microsoft.com/office/drawing/2014/main" id="{ADB88685-006A-43C3-A850-F409CF02FC40}"/>
               </a:ext>
             </a:extLst>
           </p:cNvPr>
@@ -19251,7 +19250,7 @@
           <p:cNvPr id="12" name="Picture Placeholder 10">
             <a:extLst>
               <a:ext uri="{FF2B5EF4-FFF2-40B4-BE49-F238E27FC236}">
-                <a16:creationId xmlns="" xmlns:a16="http://schemas.microsoft.com/office/drawing/2014/main" id="{6F821722-FE34-4DE9-9836-565D865C1559}"/>
+                <a16:creationId xmlns:a16="http://schemas.microsoft.com/office/drawing/2014/main" id="{6F821722-FE34-4DE9-9836-565D865C1559}"/>
               </a:ext>
             </a:extLst>
           </p:cNvPr>
@@ -19294,7 +19293,7 @@
           <p:cNvPr id="13" name="Rectangle 12">
             <a:extLst>
               <a:ext uri="{FF2B5EF4-FFF2-40B4-BE49-F238E27FC236}">
-                <a16:creationId xmlns="" xmlns:a16="http://schemas.microsoft.com/office/drawing/2014/main" id="{9BD909C6-0E9A-451D-91FD-B891A0C803D7}"/>
+                <a16:creationId xmlns:a16="http://schemas.microsoft.com/office/drawing/2014/main" id="{9BD909C6-0E9A-451D-91FD-B891A0C803D7}"/>
               </a:ext>
             </a:extLst>
           </p:cNvPr>
@@ -19350,7 +19349,7 @@
           <p:cNvPr id="14" name="Rectangle 13">
             <a:extLst>
               <a:ext uri="{FF2B5EF4-FFF2-40B4-BE49-F238E27FC236}">
-                <a16:creationId xmlns="" xmlns:a16="http://schemas.microsoft.com/office/drawing/2014/main" id="{41A9BD7F-717A-4177-BAD1-D798AE60FFD0}"/>
+                <a16:creationId xmlns:a16="http://schemas.microsoft.com/office/drawing/2014/main" id="{41A9BD7F-717A-4177-BAD1-D798AE60FFD0}"/>
               </a:ext>
             </a:extLst>
           </p:cNvPr>
@@ -19406,7 +19405,7 @@
           <p:cNvPr id="2" name="Title 1">
             <a:extLst>
               <a:ext uri="{FF2B5EF4-FFF2-40B4-BE49-F238E27FC236}">
-                <a16:creationId xmlns="" xmlns:a16="http://schemas.microsoft.com/office/drawing/2014/main" id="{00F23EB7-E336-46EB-A4A0-3DB7A6BF4CE1}"/>
+                <a16:creationId xmlns:a16="http://schemas.microsoft.com/office/drawing/2014/main" id="{00F23EB7-E336-46EB-A4A0-3DB7A6BF4CE1}"/>
               </a:ext>
             </a:extLst>
           </p:cNvPr>
@@ -19457,7 +19456,7 @@
           <p:cNvPr id="3" name="Subtitle 2">
             <a:extLst>
               <a:ext uri="{FF2B5EF4-FFF2-40B4-BE49-F238E27FC236}">
-                <a16:creationId xmlns="" xmlns:a16="http://schemas.microsoft.com/office/drawing/2014/main" id="{C9980B88-3F4A-4688-9ED0-17EF37E62D93}"/>
+                <a16:creationId xmlns:a16="http://schemas.microsoft.com/office/drawing/2014/main" id="{C9980B88-3F4A-4688-9ED0-17EF37E62D93}"/>
               </a:ext>
             </a:extLst>
           </p:cNvPr>
@@ -19536,7 +19535,7 @@
           <p:cNvPr id="5" name="Text Placeholder 4">
             <a:extLst>
               <a:ext uri="{FF2B5EF4-FFF2-40B4-BE49-F238E27FC236}">
-                <a16:creationId xmlns="" xmlns:a16="http://schemas.microsoft.com/office/drawing/2014/main" id="{4BFF1D51-2F23-4712-A1F0-725B32B9F42F}"/>
+                <a16:creationId xmlns:a16="http://schemas.microsoft.com/office/drawing/2014/main" id="{4BFF1D51-2F23-4712-A1F0-725B32B9F42F}"/>
               </a:ext>
             </a:extLst>
           </p:cNvPr>
@@ -19592,7 +19591,7 @@
           <p:cNvPr id="11" name="Text Placeholder 10">
             <a:extLst>
               <a:ext uri="{FF2B5EF4-FFF2-40B4-BE49-F238E27FC236}">
-                <a16:creationId xmlns="" xmlns:a16="http://schemas.microsoft.com/office/drawing/2014/main" id="{3BDABCD1-5D5B-40B2-8066-B5C93CEEC105}"/>
+                <a16:creationId xmlns:a16="http://schemas.microsoft.com/office/drawing/2014/main" id="{3BDABCD1-5D5B-40B2-8066-B5C93CEEC105}"/>
               </a:ext>
             </a:extLst>
           </p:cNvPr>
@@ -19632,7 +19631,7 @@
           <p:cNvPr id="16" name="Text Placeholder 15">
             <a:extLst>
               <a:ext uri="{FF2B5EF4-FFF2-40B4-BE49-F238E27FC236}">
-                <a16:creationId xmlns="" xmlns:a16="http://schemas.microsoft.com/office/drawing/2014/main" id="{38902124-F995-42DE-9ABC-A5670119893D}"/>
+                <a16:creationId xmlns:a16="http://schemas.microsoft.com/office/drawing/2014/main" id="{38902124-F995-42DE-9ABC-A5670119893D}"/>
               </a:ext>
             </a:extLst>
           </p:cNvPr>
@@ -19702,7 +19701,7 @@
           <p:cNvPr id="4" name="Rectangle 3">
             <a:extLst>
               <a:ext uri="{FF2B5EF4-FFF2-40B4-BE49-F238E27FC236}">
-                <a16:creationId xmlns="" xmlns:a16="http://schemas.microsoft.com/office/drawing/2014/main" id="{8AF9ABA0-4960-4BBE-9249-3B9F526B543D}"/>
+                <a16:creationId xmlns:a16="http://schemas.microsoft.com/office/drawing/2014/main" id="{8AF9ABA0-4960-4BBE-9249-3B9F526B543D}"/>
               </a:ext>
             </a:extLst>
           </p:cNvPr>
@@ -19763,7 +19762,7 @@
           <p:cNvPr id="2" name="Title 1">
             <a:extLst>
               <a:ext uri="{FF2B5EF4-FFF2-40B4-BE49-F238E27FC236}">
-                <a16:creationId xmlns="" xmlns:a16="http://schemas.microsoft.com/office/drawing/2014/main" id="{00F23EB7-E336-46EB-A4A0-3DB7A6BF4CE1}"/>
+                <a16:creationId xmlns:a16="http://schemas.microsoft.com/office/drawing/2014/main" id="{00F23EB7-E336-46EB-A4A0-3DB7A6BF4CE1}"/>
               </a:ext>
             </a:extLst>
           </p:cNvPr>
@@ -19814,7 +19813,7 @@
           <p:cNvPr id="3" name="Subtitle 2">
             <a:extLst>
               <a:ext uri="{FF2B5EF4-FFF2-40B4-BE49-F238E27FC236}">
-                <a16:creationId xmlns="" xmlns:a16="http://schemas.microsoft.com/office/drawing/2014/main" id="{C9980B88-3F4A-4688-9ED0-17EF37E62D93}"/>
+                <a16:creationId xmlns:a16="http://schemas.microsoft.com/office/drawing/2014/main" id="{C9980B88-3F4A-4688-9ED0-17EF37E62D93}"/>
               </a:ext>
             </a:extLst>
           </p:cNvPr>
@@ -19883,7 +19882,7 @@
           </a:lstStyle>
           <a:p>
             <a:r>
-              <a:rPr lang="en-US" smtClean="0"/>
+              <a:rPr lang="en-US"/>
               <a:t>Click to edit Master subtitle style</a:t>
             </a:r>
             <a:endParaRPr lang="en-ZA" dirty="0"/>
@@ -19895,7 +19894,7 @@
           <p:cNvPr id="12" name="Rectangle 11">
             <a:extLst>
               <a:ext uri="{FF2B5EF4-FFF2-40B4-BE49-F238E27FC236}">
-                <a16:creationId xmlns="" xmlns:a16="http://schemas.microsoft.com/office/drawing/2014/main" id="{3114E411-DCD8-47C4-8385-C03FBB18B180}"/>
+                <a16:creationId xmlns:a16="http://schemas.microsoft.com/office/drawing/2014/main" id="{3114E411-DCD8-47C4-8385-C03FBB18B180}"/>
               </a:ext>
             </a:extLst>
           </p:cNvPr>
@@ -19951,7 +19950,7 @@
           <p:cNvPr id="13" name="Rectangle 12">
             <a:extLst>
               <a:ext uri="{FF2B5EF4-FFF2-40B4-BE49-F238E27FC236}">
-                <a16:creationId xmlns="" xmlns:a16="http://schemas.microsoft.com/office/drawing/2014/main" id="{D5BF3746-E60B-4321-998E-07F04440CEAC}"/>
+                <a16:creationId xmlns:a16="http://schemas.microsoft.com/office/drawing/2014/main" id="{D5BF3746-E60B-4321-998E-07F04440CEAC}"/>
               </a:ext>
             </a:extLst>
           </p:cNvPr>
@@ -20007,10 +20006,10 @@
           <p:cNvPr id="8" name="Group 7" descr="Accent image brackets&#10;">
             <a:extLst>
               <a:ext uri="{FF2B5EF4-FFF2-40B4-BE49-F238E27FC236}">
-                <a16:creationId xmlns="" xmlns:a16="http://schemas.microsoft.com/office/drawing/2014/main" id="{C76F92B7-6C7B-47FA-99F4-C2B7B3F6DEC5}"/>
+                <a16:creationId xmlns:a16="http://schemas.microsoft.com/office/drawing/2014/main" id="{C76F92B7-6C7B-47FA-99F4-C2B7B3F6DEC5}"/>
               </a:ext>
               <a:ext uri="{C183D7F6-B498-43B3-948B-1728B52AA6E4}">
-                <adec:decorative xmlns="" xmlns:adec="http://schemas.microsoft.com/office/drawing/2017/decorative" val="1"/>
+                <adec:decorative xmlns:adec="http://schemas.microsoft.com/office/drawing/2017/decorative" val="1"/>
               </a:ext>
             </a:extLst>
           </p:cNvPr>
@@ -20030,7 +20029,7 @@
             <p:cNvPr id="9" name="Rectangle 6">
               <a:extLst>
                 <a:ext uri="{FF2B5EF4-FFF2-40B4-BE49-F238E27FC236}">
-                  <a16:creationId xmlns="" xmlns:a16="http://schemas.microsoft.com/office/drawing/2014/main" id="{3C768717-8441-4105-AF79-95C8C7634CEF}"/>
+                  <a16:creationId xmlns:a16="http://schemas.microsoft.com/office/drawing/2014/main" id="{3C768717-8441-4105-AF79-95C8C7634CEF}"/>
                 </a:ext>
               </a:extLst>
             </p:cNvPr>
@@ -20148,7 +20147,7 @@
             <p:cNvPr id="10" name="Rectangle 6">
               <a:extLst>
                 <a:ext uri="{FF2B5EF4-FFF2-40B4-BE49-F238E27FC236}">
-                  <a16:creationId xmlns="" xmlns:a16="http://schemas.microsoft.com/office/drawing/2014/main" id="{0AF2D9B2-503F-41FB-981B-EBBEF4D0D01D}"/>
+                  <a16:creationId xmlns:a16="http://schemas.microsoft.com/office/drawing/2014/main" id="{0AF2D9B2-503F-41FB-981B-EBBEF4D0D01D}"/>
                 </a:ext>
               </a:extLst>
             </p:cNvPr>
@@ -20297,7 +20296,7 @@
           <p:cNvPr id="4" name="Rectangle 3">
             <a:extLst>
               <a:ext uri="{FF2B5EF4-FFF2-40B4-BE49-F238E27FC236}">
-                <a16:creationId xmlns="" xmlns:a16="http://schemas.microsoft.com/office/drawing/2014/main" id="{25AE6A42-8962-4702-8E68-FB78280BAD08}"/>
+                <a16:creationId xmlns:a16="http://schemas.microsoft.com/office/drawing/2014/main" id="{25AE6A42-8962-4702-8E68-FB78280BAD08}"/>
               </a:ext>
             </a:extLst>
           </p:cNvPr>
@@ -20358,7 +20357,7 @@
           <p:cNvPr id="2" name="Title 1">
             <a:extLst>
               <a:ext uri="{FF2B5EF4-FFF2-40B4-BE49-F238E27FC236}">
-                <a16:creationId xmlns="" xmlns:a16="http://schemas.microsoft.com/office/drawing/2014/main" id="{00F23EB7-E336-46EB-A4A0-3DB7A6BF4CE1}"/>
+                <a16:creationId xmlns:a16="http://schemas.microsoft.com/office/drawing/2014/main" id="{00F23EB7-E336-46EB-A4A0-3DB7A6BF4CE1}"/>
               </a:ext>
             </a:extLst>
           </p:cNvPr>
@@ -20409,7 +20408,7 @@
           <p:cNvPr id="3" name="Subtitle 2">
             <a:extLst>
               <a:ext uri="{FF2B5EF4-FFF2-40B4-BE49-F238E27FC236}">
-                <a16:creationId xmlns="" xmlns:a16="http://schemas.microsoft.com/office/drawing/2014/main" id="{C9980B88-3F4A-4688-9ED0-17EF37E62D93}"/>
+                <a16:creationId xmlns:a16="http://schemas.microsoft.com/office/drawing/2014/main" id="{C9980B88-3F4A-4688-9ED0-17EF37E62D93}"/>
               </a:ext>
             </a:extLst>
           </p:cNvPr>
@@ -20476,7 +20475,7 @@
           </a:lstStyle>
           <a:p>
             <a:r>
-              <a:rPr lang="en-US" smtClean="0"/>
+              <a:rPr lang="en-US"/>
               <a:t>Click to edit Master subtitle style</a:t>
             </a:r>
             <a:endParaRPr lang="en-ZA" dirty="0"/>
@@ -20488,7 +20487,7 @@
           <p:cNvPr id="5" name="Slide Number Placeholder 4">
             <a:extLst>
               <a:ext uri="{FF2B5EF4-FFF2-40B4-BE49-F238E27FC236}">
-                <a16:creationId xmlns="" xmlns:a16="http://schemas.microsoft.com/office/drawing/2014/main" id="{AE6A6BE3-DFA9-4797-868F-D23E7118FAB9}"/>
+                <a16:creationId xmlns:a16="http://schemas.microsoft.com/office/drawing/2014/main" id="{AE6A6BE3-DFA9-4797-868F-D23E7118FAB9}"/>
               </a:ext>
             </a:extLst>
           </p:cNvPr>
@@ -20532,7 +20531,7 @@
           <p:cNvPr id="9" name="Footer Placeholder 8">
             <a:extLst>
               <a:ext uri="{FF2B5EF4-FFF2-40B4-BE49-F238E27FC236}">
-                <a16:creationId xmlns="" xmlns:a16="http://schemas.microsoft.com/office/drawing/2014/main" id="{827C91B9-2B28-435F-8A65-9FB91CE2F765}"/>
+                <a16:creationId xmlns:a16="http://schemas.microsoft.com/office/drawing/2014/main" id="{827C91B9-2B28-435F-8A65-9FB91CE2F765}"/>
               </a:ext>
             </a:extLst>
           </p:cNvPr>
@@ -20597,7 +20596,7 @@
           <p:cNvPr id="4" name="Rectangle 3">
             <a:extLst>
               <a:ext uri="{FF2B5EF4-FFF2-40B4-BE49-F238E27FC236}">
-                <a16:creationId xmlns="" xmlns:a16="http://schemas.microsoft.com/office/drawing/2014/main" id="{4A54DF6A-4172-4D5F-A3ED-02BB36DE79DA}"/>
+                <a16:creationId xmlns:a16="http://schemas.microsoft.com/office/drawing/2014/main" id="{4A54DF6A-4172-4D5F-A3ED-02BB36DE79DA}"/>
               </a:ext>
             </a:extLst>
           </p:cNvPr>
@@ -20655,7 +20654,7 @@
           <p:cNvPr id="5" name="Slide Number Placeholder 4">
             <a:extLst>
               <a:ext uri="{FF2B5EF4-FFF2-40B4-BE49-F238E27FC236}">
-                <a16:creationId xmlns="" xmlns:a16="http://schemas.microsoft.com/office/drawing/2014/main" id="{AE6A6BE3-DFA9-4797-868F-D23E7118FAB9}"/>
+                <a16:creationId xmlns:a16="http://schemas.microsoft.com/office/drawing/2014/main" id="{AE6A6BE3-DFA9-4797-868F-D23E7118FAB9}"/>
               </a:ext>
             </a:extLst>
           </p:cNvPr>
@@ -20699,7 +20698,7 @@
           <p:cNvPr id="9" name="Footer Placeholder 8">
             <a:extLst>
               <a:ext uri="{FF2B5EF4-FFF2-40B4-BE49-F238E27FC236}">
-                <a16:creationId xmlns="" xmlns:a16="http://schemas.microsoft.com/office/drawing/2014/main" id="{827C91B9-2B28-435F-8A65-9FB91CE2F765}"/>
+                <a16:creationId xmlns:a16="http://schemas.microsoft.com/office/drawing/2014/main" id="{827C91B9-2B28-435F-8A65-9FB91CE2F765}"/>
               </a:ext>
             </a:extLst>
           </p:cNvPr>
@@ -20734,7 +20733,7 @@
           <p:cNvPr id="11" name="Text Placeholder 3">
             <a:extLst>
               <a:ext uri="{FF2B5EF4-FFF2-40B4-BE49-F238E27FC236}">
-                <a16:creationId xmlns="" xmlns:a16="http://schemas.microsoft.com/office/drawing/2014/main" id="{DF07348F-72DF-4462-A032-32D81AA8FB6A}"/>
+                <a16:creationId xmlns:a16="http://schemas.microsoft.com/office/drawing/2014/main" id="{DF07348F-72DF-4462-A032-32D81AA8FB6A}"/>
               </a:ext>
             </a:extLst>
           </p:cNvPr>
@@ -20797,7 +20796,7 @@
           <a:p>
             <a:pPr lvl="0"/>
             <a:r>
-              <a:rPr lang="en-US" smtClean="0"/>
+              <a:rPr lang="en-US"/>
               <a:t>Click to edit Master text styles</a:t>
             </a:r>
           </a:p>
@@ -20808,7 +20807,7 @@
           <p:cNvPr id="14" name="Title 1">
             <a:extLst>
               <a:ext uri="{FF2B5EF4-FFF2-40B4-BE49-F238E27FC236}">
-                <a16:creationId xmlns="" xmlns:a16="http://schemas.microsoft.com/office/drawing/2014/main" id="{931CBEE8-3214-4A3C-B723-D07BA0805E2D}"/>
+                <a16:creationId xmlns:a16="http://schemas.microsoft.com/office/drawing/2014/main" id="{931CBEE8-3214-4A3C-B723-D07BA0805E2D}"/>
               </a:ext>
             </a:extLst>
           </p:cNvPr>
@@ -20837,10 +20836,9 @@
           </a:lstStyle>
           <a:p>
             <a:r>
-              <a:rPr lang="en-US" smtClean="0"/>
+              <a:rPr lang="en-US"/>
               <a:t>Click to edit Master title style</a:t>
             </a:r>
-            <a:endParaRPr lang="en-US"/>
           </a:p>
         </p:txBody>
       </p:sp>
@@ -20849,7 +20847,7 @@
           <p:cNvPr id="15" name="Content Placeholder 2">
             <a:extLst>
               <a:ext uri="{FF2B5EF4-FFF2-40B4-BE49-F238E27FC236}">
-                <a16:creationId xmlns="" xmlns:a16="http://schemas.microsoft.com/office/drawing/2014/main" id="{2055B4F8-B74A-49D7-8E56-9627BCFF69B6}"/>
+                <a16:creationId xmlns:a16="http://schemas.microsoft.com/office/drawing/2014/main" id="{2055B4F8-B74A-49D7-8E56-9627BCFF69B6}"/>
               </a:ext>
             </a:extLst>
           </p:cNvPr>
@@ -20900,38 +20898,37 @@
           <a:p>
             <a:pPr lvl="0"/>
             <a:r>
-              <a:rPr lang="en-US" smtClean="0"/>
+              <a:rPr lang="en-US"/>
               <a:t>Click to edit Master text styles</a:t>
             </a:r>
           </a:p>
           <a:p>
             <a:pPr lvl="1"/>
             <a:r>
-              <a:rPr lang="en-US" smtClean="0"/>
+              <a:rPr lang="en-US"/>
               <a:t>Second level</a:t>
             </a:r>
           </a:p>
           <a:p>
             <a:pPr lvl="2"/>
             <a:r>
-              <a:rPr lang="en-US" smtClean="0"/>
+              <a:rPr lang="en-US"/>
               <a:t>Third level</a:t>
             </a:r>
           </a:p>
           <a:p>
             <a:pPr lvl="3"/>
             <a:r>
-              <a:rPr lang="en-US" smtClean="0"/>
+              <a:rPr lang="en-US"/>
               <a:t>Fourth level</a:t>
             </a:r>
           </a:p>
           <a:p>
             <a:pPr lvl="4"/>
             <a:r>
-              <a:rPr lang="en-US" smtClean="0"/>
+              <a:rPr lang="en-US"/>
               <a:t>Fifth level</a:t>
             </a:r>
-            <a:endParaRPr lang="en-US"/>
           </a:p>
         </p:txBody>
       </p:sp>
@@ -20970,7 +20967,7 @@
           <p:cNvPr id="4" name="Rectangle 3">
             <a:extLst>
               <a:ext uri="{FF2B5EF4-FFF2-40B4-BE49-F238E27FC236}">
-                <a16:creationId xmlns="" xmlns:a16="http://schemas.microsoft.com/office/drawing/2014/main" id="{4A54DF6A-4172-4D5F-A3ED-02BB36DE79DA}"/>
+                <a16:creationId xmlns:a16="http://schemas.microsoft.com/office/drawing/2014/main" id="{4A54DF6A-4172-4D5F-A3ED-02BB36DE79DA}"/>
               </a:ext>
             </a:extLst>
           </p:cNvPr>
@@ -21028,7 +21025,7 @@
           <p:cNvPr id="5" name="Slide Number Placeholder 4">
             <a:extLst>
               <a:ext uri="{FF2B5EF4-FFF2-40B4-BE49-F238E27FC236}">
-                <a16:creationId xmlns="" xmlns:a16="http://schemas.microsoft.com/office/drawing/2014/main" id="{AE6A6BE3-DFA9-4797-868F-D23E7118FAB9}"/>
+                <a16:creationId xmlns:a16="http://schemas.microsoft.com/office/drawing/2014/main" id="{AE6A6BE3-DFA9-4797-868F-D23E7118FAB9}"/>
               </a:ext>
             </a:extLst>
           </p:cNvPr>
@@ -21072,7 +21069,7 @@
           <p:cNvPr id="9" name="Footer Placeholder 8">
             <a:extLst>
               <a:ext uri="{FF2B5EF4-FFF2-40B4-BE49-F238E27FC236}">
-                <a16:creationId xmlns="" xmlns:a16="http://schemas.microsoft.com/office/drawing/2014/main" id="{827C91B9-2B28-435F-8A65-9FB91CE2F765}"/>
+                <a16:creationId xmlns:a16="http://schemas.microsoft.com/office/drawing/2014/main" id="{827C91B9-2B28-435F-8A65-9FB91CE2F765}"/>
               </a:ext>
             </a:extLst>
           </p:cNvPr>
@@ -21107,7 +21104,7 @@
           <p:cNvPr id="11" name="Text Placeholder 3">
             <a:extLst>
               <a:ext uri="{FF2B5EF4-FFF2-40B4-BE49-F238E27FC236}">
-                <a16:creationId xmlns="" xmlns:a16="http://schemas.microsoft.com/office/drawing/2014/main" id="{DF07348F-72DF-4462-A032-32D81AA8FB6A}"/>
+                <a16:creationId xmlns:a16="http://schemas.microsoft.com/office/drawing/2014/main" id="{DF07348F-72DF-4462-A032-32D81AA8FB6A}"/>
               </a:ext>
             </a:extLst>
           </p:cNvPr>
@@ -21170,7 +21167,7 @@
           <a:p>
             <a:pPr lvl="0"/>
             <a:r>
-              <a:rPr lang="en-US" smtClean="0"/>
+              <a:rPr lang="en-US"/>
               <a:t>Click to edit Master text styles</a:t>
             </a:r>
           </a:p>
@@ -21181,7 +21178,7 @@
           <p:cNvPr id="14" name="Title 1">
             <a:extLst>
               <a:ext uri="{FF2B5EF4-FFF2-40B4-BE49-F238E27FC236}">
-                <a16:creationId xmlns="" xmlns:a16="http://schemas.microsoft.com/office/drawing/2014/main" id="{931CBEE8-3214-4A3C-B723-D07BA0805E2D}"/>
+                <a16:creationId xmlns:a16="http://schemas.microsoft.com/office/drawing/2014/main" id="{931CBEE8-3214-4A3C-B723-D07BA0805E2D}"/>
               </a:ext>
             </a:extLst>
           </p:cNvPr>
@@ -21210,10 +21207,9 @@
           </a:lstStyle>
           <a:p>
             <a:r>
-              <a:rPr lang="en-US" smtClean="0"/>
+              <a:rPr lang="en-US"/>
               <a:t>Click to edit Master title style</a:t>
             </a:r>
-            <a:endParaRPr lang="en-US"/>
           </a:p>
         </p:txBody>
       </p:sp>
@@ -21222,7 +21218,7 @@
           <p:cNvPr id="8" name="Picture Placeholder 2">
             <a:extLst>
               <a:ext uri="{FF2B5EF4-FFF2-40B4-BE49-F238E27FC236}">
-                <a16:creationId xmlns="" xmlns:a16="http://schemas.microsoft.com/office/drawing/2014/main" id="{142253A3-E01E-4F41-A614-A428B7D36E8F}"/>
+                <a16:creationId xmlns:a16="http://schemas.microsoft.com/office/drawing/2014/main" id="{142253A3-E01E-4F41-A614-A428B7D36E8F}"/>
               </a:ext>
             </a:extLst>
           </p:cNvPr>
@@ -21281,7 +21277,7 @@
           </a:lstStyle>
           <a:p>
             <a:r>
-              <a:rPr lang="en-US" smtClean="0"/>
+              <a:rPr lang="en-US"/>
               <a:t>Click icon to add picture</a:t>
             </a:r>
             <a:endParaRPr lang="en-US" dirty="0"/>
@@ -21334,7 +21330,7 @@
           <a:lstStyle/>
           <a:p>
             <a:r>
-              <a:rPr lang="en-US" smtClean="0"/>
+              <a:rPr lang="en-US"/>
               <a:t>Click to edit Master title style</a:t>
             </a:r>
             <a:endParaRPr lang="en-US" dirty="0"/>
@@ -21363,35 +21359,35 @@
           <a:p>
             <a:pPr lvl="0"/>
             <a:r>
-              <a:rPr lang="en-US" smtClean="0"/>
+              <a:rPr lang="en-US"/>
               <a:t>Click to edit Master text styles</a:t>
             </a:r>
           </a:p>
           <a:p>
             <a:pPr lvl="1"/>
             <a:r>
-              <a:rPr lang="en-US" smtClean="0"/>
+              <a:rPr lang="en-US"/>
               <a:t>Second level</a:t>
             </a:r>
           </a:p>
           <a:p>
             <a:pPr lvl="2"/>
             <a:r>
-              <a:rPr lang="en-US" smtClean="0"/>
+              <a:rPr lang="en-US"/>
               <a:t>Third level</a:t>
             </a:r>
           </a:p>
           <a:p>
             <a:pPr lvl="3"/>
             <a:r>
-              <a:rPr lang="en-US" smtClean="0"/>
+              <a:rPr lang="en-US"/>
               <a:t>Fourth level</a:t>
             </a:r>
           </a:p>
           <a:p>
             <a:pPr lvl="4"/>
             <a:r>
-              <a:rPr lang="en-US" smtClean="0"/>
+              <a:rPr lang="en-US"/>
               <a:t>Fifth level</a:t>
             </a:r>
             <a:endParaRPr lang="en-US" dirty="0"/>
@@ -21420,35 +21416,35 @@
           <a:p>
             <a:pPr lvl="0"/>
             <a:r>
-              <a:rPr lang="en-US" smtClean="0"/>
+              <a:rPr lang="en-US"/>
               <a:t>Click to edit Master text styles</a:t>
             </a:r>
           </a:p>
           <a:p>
             <a:pPr lvl="1"/>
             <a:r>
-              <a:rPr lang="en-US" smtClean="0"/>
+              <a:rPr lang="en-US"/>
               <a:t>Second level</a:t>
             </a:r>
           </a:p>
           <a:p>
             <a:pPr lvl="2"/>
             <a:r>
-              <a:rPr lang="en-US" smtClean="0"/>
+              <a:rPr lang="en-US"/>
               <a:t>Third level</a:t>
             </a:r>
           </a:p>
           <a:p>
             <a:pPr lvl="3"/>
             <a:r>
-              <a:rPr lang="en-US" smtClean="0"/>
+              <a:rPr lang="en-US"/>
               <a:t>Fourth level</a:t>
             </a:r>
           </a:p>
           <a:p>
             <a:pPr lvl="4"/>
             <a:r>
-              <a:rPr lang="en-US" smtClean="0"/>
+              <a:rPr lang="en-US"/>
               <a:t>Fifth level</a:t>
             </a:r>
             <a:endParaRPr lang="en-US" dirty="0"/>
@@ -21473,7 +21469,7 @@
             <a:fld id="{B61BEF0D-F0BB-DE4B-95CE-6DB70DBA9567}" type="datetimeFigureOut">
               <a:rPr lang="en-US" smtClean="0"/>
               <a:pPr/>
-              <a:t>10/8/2018</a:t>
+              <a:t>1/8/2023</a:t>
             </a:fld>
             <a:endParaRPr lang="en-US" dirty="0"/>
           </a:p>
@@ -21578,7 +21574,7 @@
           <a:lstStyle/>
           <a:p>
             <a:r>
-              <a:rPr lang="en-US" smtClean="0"/>
+              <a:rPr lang="en-US"/>
               <a:t>Click to edit Master title style</a:t>
             </a:r>
             <a:endParaRPr lang="en-US" dirty="0"/>
@@ -21644,7 +21640,7 @@
           <a:p>
             <a:pPr lvl="0"/>
             <a:r>
-              <a:rPr lang="en-US" smtClean="0"/>
+              <a:rPr lang="en-US"/>
               <a:t>Click to edit Master text styles</a:t>
             </a:r>
           </a:p>
@@ -21672,35 +21668,35 @@
           <a:p>
             <a:pPr lvl="0"/>
             <a:r>
-              <a:rPr lang="en-US" smtClean="0"/>
+              <a:rPr lang="en-US"/>
               <a:t>Click to edit Master text styles</a:t>
             </a:r>
           </a:p>
           <a:p>
             <a:pPr lvl="1"/>
             <a:r>
-              <a:rPr lang="en-US" smtClean="0"/>
+              <a:rPr lang="en-US"/>
               <a:t>Second level</a:t>
             </a:r>
           </a:p>
           <a:p>
             <a:pPr lvl="2"/>
             <a:r>
-              <a:rPr lang="en-US" smtClean="0"/>
+              <a:rPr lang="en-US"/>
               <a:t>Third level</a:t>
             </a:r>
           </a:p>
           <a:p>
             <a:pPr lvl="3"/>
             <a:r>
-              <a:rPr lang="en-US" smtClean="0"/>
+              <a:rPr lang="en-US"/>
               <a:t>Fourth level</a:t>
             </a:r>
           </a:p>
           <a:p>
             <a:pPr lvl="4"/>
             <a:r>
-              <a:rPr lang="en-US" smtClean="0"/>
+              <a:rPr lang="en-US"/>
               <a:t>Fifth level</a:t>
             </a:r>
             <a:endParaRPr lang="en-US" dirty="0"/>
@@ -21766,7 +21762,7 @@
           <a:p>
             <a:pPr lvl="0"/>
             <a:r>
-              <a:rPr lang="en-US" smtClean="0"/>
+              <a:rPr lang="en-US"/>
               <a:t>Click to edit Master text styles</a:t>
             </a:r>
           </a:p>
@@ -21794,35 +21790,35 @@
           <a:p>
             <a:pPr lvl="0"/>
             <a:r>
-              <a:rPr lang="en-US" smtClean="0"/>
+              <a:rPr lang="en-US"/>
               <a:t>Click to edit Master text styles</a:t>
             </a:r>
           </a:p>
           <a:p>
             <a:pPr lvl="1"/>
             <a:r>
-              <a:rPr lang="en-US" smtClean="0"/>
+              <a:rPr lang="en-US"/>
               <a:t>Second level</a:t>
             </a:r>
           </a:p>
           <a:p>
             <a:pPr lvl="2"/>
             <a:r>
-              <a:rPr lang="en-US" smtClean="0"/>
+              <a:rPr lang="en-US"/>
               <a:t>Third level</a:t>
             </a:r>
           </a:p>
           <a:p>
             <a:pPr lvl="3"/>
             <a:r>
-              <a:rPr lang="en-US" smtClean="0"/>
+              <a:rPr lang="en-US"/>
               <a:t>Fourth level</a:t>
             </a:r>
           </a:p>
           <a:p>
             <a:pPr lvl="4"/>
             <a:r>
-              <a:rPr lang="en-US" smtClean="0"/>
+              <a:rPr lang="en-US"/>
               <a:t>Fifth level</a:t>
             </a:r>
             <a:endParaRPr lang="en-US" dirty="0"/>
@@ -21847,7 +21843,7 @@
             <a:fld id="{B61BEF0D-F0BB-DE4B-95CE-6DB70DBA9567}" type="datetimeFigureOut">
               <a:rPr lang="en-US" smtClean="0"/>
               <a:pPr/>
-              <a:t>10/8/2018</a:t>
+              <a:t>1/8/2023</a:t>
             </a:fld>
             <a:endParaRPr lang="en-US" dirty="0"/>
           </a:p>
@@ -21947,7 +21943,7 @@
           <a:lstStyle/>
           <a:p>
             <a:r>
-              <a:rPr lang="en-US" smtClean="0"/>
+              <a:rPr lang="en-US"/>
               <a:t>Click to edit Master title style</a:t>
             </a:r>
             <a:endParaRPr lang="en-US" dirty="0"/>
@@ -21972,7 +21968,7 @@
             <a:fld id="{B61BEF0D-F0BB-DE4B-95CE-6DB70DBA9567}" type="datetimeFigureOut">
               <a:rPr lang="en-US" smtClean="0"/>
               <a:pPr/>
-              <a:t>10/8/2018</a:t>
+              <a:t>1/8/2023</a:t>
             </a:fld>
             <a:endParaRPr lang="en-US" dirty="0"/>
           </a:p>
@@ -22069,7 +22065,7 @@
             <a:fld id="{B61BEF0D-F0BB-DE4B-95CE-6DB70DBA9567}" type="datetimeFigureOut">
               <a:rPr lang="en-US" smtClean="0"/>
               <a:pPr/>
-              <a:t>10/8/2018</a:t>
+              <a:t>1/8/2023</a:t>
             </a:fld>
             <a:endParaRPr lang="en-US" dirty="0"/>
           </a:p>
@@ -22173,7 +22169,7 @@
           </a:lstStyle>
           <a:p>
             <a:r>
-              <a:rPr lang="en-US" smtClean="0"/>
+              <a:rPr lang="en-US"/>
               <a:t>Click to edit Master title style</a:t>
             </a:r>
             <a:endParaRPr lang="en-US" dirty="0"/>
@@ -22230,35 +22226,35 @@
           <a:p>
             <a:pPr lvl="0"/>
             <a:r>
-              <a:rPr lang="en-US" smtClean="0"/>
+              <a:rPr lang="en-US"/>
               <a:t>Click to edit Master text styles</a:t>
             </a:r>
           </a:p>
           <a:p>
             <a:pPr lvl="1"/>
             <a:r>
-              <a:rPr lang="en-US" smtClean="0"/>
+              <a:rPr lang="en-US"/>
               <a:t>Second level</a:t>
             </a:r>
           </a:p>
           <a:p>
             <a:pPr lvl="2"/>
             <a:r>
-              <a:rPr lang="en-US" smtClean="0"/>
+              <a:rPr lang="en-US"/>
               <a:t>Third level</a:t>
             </a:r>
           </a:p>
           <a:p>
             <a:pPr lvl="3"/>
             <a:r>
-              <a:rPr lang="en-US" smtClean="0"/>
+              <a:rPr lang="en-US"/>
               <a:t>Fourth level</a:t>
             </a:r>
           </a:p>
           <a:p>
             <a:pPr lvl="4"/>
             <a:r>
-              <a:rPr lang="en-US" smtClean="0"/>
+              <a:rPr lang="en-US"/>
               <a:t>Fifth level</a:t>
             </a:r>
             <a:endParaRPr lang="en-US" dirty="0"/>
@@ -22324,7 +22320,7 @@
           <a:p>
             <a:pPr lvl="0"/>
             <a:r>
-              <a:rPr lang="en-US" smtClean="0"/>
+              <a:rPr lang="en-US"/>
               <a:t>Click to edit Master text styles</a:t>
             </a:r>
           </a:p>
@@ -22348,7 +22344,7 @@
             <a:fld id="{B61BEF0D-F0BB-DE4B-95CE-6DB70DBA9567}" type="datetimeFigureOut">
               <a:rPr lang="en-US" smtClean="0"/>
               <a:pPr/>
-              <a:t>10/8/2018</a:t>
+              <a:t>1/8/2023</a:t>
             </a:fld>
             <a:endParaRPr lang="en-US" dirty="0"/>
           </a:p>
@@ -22457,7 +22453,7 @@
           </a:lstStyle>
           <a:p>
             <a:r>
-              <a:rPr lang="en-US" smtClean="0"/>
+              <a:rPr lang="en-US"/>
               <a:t>Click to edit Master title style</a:t>
             </a:r>
             <a:endParaRPr lang="en-US" dirty="0"/>
@@ -22522,7 +22518,7 @@
           </a:lstStyle>
           <a:p>
             <a:r>
-              <a:rPr lang="en-US" smtClean="0"/>
+              <a:rPr lang="en-US"/>
               <a:t>Click icon to add picture</a:t>
             </a:r>
             <a:endParaRPr lang="en-US" dirty="0"/>
@@ -22588,7 +22584,7 @@
           <a:p>
             <a:pPr lvl="0"/>
             <a:r>
-              <a:rPr lang="en-US" smtClean="0"/>
+              <a:rPr lang="en-US"/>
               <a:t>Click to edit Master text styles</a:t>
             </a:r>
           </a:p>
@@ -22612,7 +22608,7 @@
             <a:fld id="{B61BEF0D-F0BB-DE4B-95CE-6DB70DBA9567}" type="datetimeFigureOut">
               <a:rPr lang="en-US" smtClean="0"/>
               <a:pPr/>
-              <a:t>10/8/2018</a:t>
+              <a:t>1/8/2023</a:t>
             </a:fld>
             <a:endParaRPr lang="en-US" dirty="0"/>
           </a:p>
@@ -22722,7 +22718,7 @@
           <a:lstStyle/>
           <a:p>
             <a:r>
-              <a:rPr lang="en-US" smtClean="0"/>
+              <a:rPr lang="en-US"/>
               <a:t>Click to edit Master title style</a:t>
             </a:r>
             <a:endParaRPr lang="en-US" dirty="0"/>
@@ -22756,35 +22752,35 @@
           <a:p>
             <a:pPr lvl="0"/>
             <a:r>
-              <a:rPr lang="en-US" smtClean="0"/>
+              <a:rPr lang="en-US"/>
               <a:t>Click to edit Master text styles</a:t>
             </a:r>
           </a:p>
           <a:p>
             <a:pPr lvl="1"/>
             <a:r>
-              <a:rPr lang="en-US" smtClean="0"/>
+              <a:rPr lang="en-US"/>
               <a:t>Second level</a:t>
             </a:r>
           </a:p>
           <a:p>
             <a:pPr lvl="2"/>
             <a:r>
-              <a:rPr lang="en-US" smtClean="0"/>
+              <a:rPr lang="en-US"/>
               <a:t>Third level</a:t>
             </a:r>
           </a:p>
           <a:p>
             <a:pPr lvl="3"/>
             <a:r>
-              <a:rPr lang="en-US" smtClean="0"/>
+              <a:rPr lang="en-US"/>
               <a:t>Fourth level</a:t>
             </a:r>
           </a:p>
           <a:p>
             <a:pPr lvl="4"/>
             <a:r>
-              <a:rPr lang="en-US" smtClean="0"/>
+              <a:rPr lang="en-US"/>
               <a:t>Fifth level</a:t>
             </a:r>
             <a:endParaRPr lang="en-US" dirty="0"/>
@@ -22827,7 +22823,7 @@
             <a:fld id="{B61BEF0D-F0BB-DE4B-95CE-6DB70DBA9567}" type="datetimeFigureOut">
               <a:rPr lang="en-US" smtClean="0"/>
               <a:pPr/>
-              <a:t>10/8/2018</a:t>
+              <a:t>1/8/2023</a:t>
             </a:fld>
             <a:endParaRPr lang="en-US" dirty="0"/>
           </a:p>
@@ -23248,7 +23244,7 @@
           <p:cNvPr id="7" name="Rectangle 6">
             <a:extLst>
               <a:ext uri="{FF2B5EF4-FFF2-40B4-BE49-F238E27FC236}">
-                <a16:creationId xmlns="" xmlns:a16="http://schemas.microsoft.com/office/drawing/2014/main" id="{3C4608B7-DD3E-4FE7-99F3-5F9903CF962C}"/>
+                <a16:creationId xmlns:a16="http://schemas.microsoft.com/office/drawing/2014/main" id="{3C4608B7-DD3E-4FE7-99F3-5F9903CF962C}"/>
               </a:ext>
             </a:extLst>
           </p:cNvPr>
@@ -23308,7 +23304,7 @@
           <p:cNvPr id="16" name="Rectangle 15">
             <a:extLst>
               <a:ext uri="{FF2B5EF4-FFF2-40B4-BE49-F238E27FC236}">
-                <a16:creationId xmlns="" xmlns:a16="http://schemas.microsoft.com/office/drawing/2014/main" id="{0014CD90-8DA5-4100-A913-BD3783FA44B9}"/>
+                <a16:creationId xmlns:a16="http://schemas.microsoft.com/office/drawing/2014/main" id="{0014CD90-8DA5-4100-A913-BD3783FA44B9}"/>
               </a:ext>
             </a:extLst>
           </p:cNvPr>
@@ -23366,7 +23362,7 @@
           <p:cNvPr id="2" name="Title Placeholder 1">
             <a:extLst>
               <a:ext uri="{FF2B5EF4-FFF2-40B4-BE49-F238E27FC236}">
-                <a16:creationId xmlns="" xmlns:a16="http://schemas.microsoft.com/office/drawing/2014/main" id="{090F41A2-6535-4CA6-81E4-026A5B56D9D7}"/>
+                <a16:creationId xmlns:a16="http://schemas.microsoft.com/office/drawing/2014/main" id="{090F41A2-6535-4CA6-81E4-026A5B56D9D7}"/>
               </a:ext>
             </a:extLst>
           </p:cNvPr>
@@ -23393,7 +23389,7 @@
           <a:lstStyle/>
           <a:p>
             <a:r>
-              <a:rPr lang="en-US" smtClean="0"/>
+              <a:rPr lang="en-US"/>
               <a:t>Click to edit Master title style</a:t>
             </a:r>
             <a:endParaRPr lang="en-ZA" dirty="0"/>
@@ -23405,7 +23401,7 @@
           <p:cNvPr id="3" name="Text Placeholder 2">
             <a:extLst>
               <a:ext uri="{FF2B5EF4-FFF2-40B4-BE49-F238E27FC236}">
-                <a16:creationId xmlns="" xmlns:a16="http://schemas.microsoft.com/office/drawing/2014/main" id="{213AB95C-7DD4-4796-80E4-1B7466A2A037}"/>
+                <a16:creationId xmlns:a16="http://schemas.microsoft.com/office/drawing/2014/main" id="{213AB95C-7DD4-4796-80E4-1B7466A2A037}"/>
               </a:ext>
             </a:extLst>
           </p:cNvPr>
@@ -23473,7 +23469,7 @@
           <p:cNvPr id="5" name="Footer Placeholder 4">
             <a:extLst>
               <a:ext uri="{FF2B5EF4-FFF2-40B4-BE49-F238E27FC236}">
-                <a16:creationId xmlns="" xmlns:a16="http://schemas.microsoft.com/office/drawing/2014/main" id="{58879C91-B77F-4273-9A27-A3535FB889DB}"/>
+                <a16:creationId xmlns:a16="http://schemas.microsoft.com/office/drawing/2014/main" id="{58879C91-B77F-4273-9A27-A3535FB889DB}"/>
               </a:ext>
             </a:extLst>
           </p:cNvPr>
@@ -23528,7 +23524,7 @@
           <p:cNvPr id="6" name="Slide Number Placeholder 5">
             <a:extLst>
               <a:ext uri="{FF2B5EF4-FFF2-40B4-BE49-F238E27FC236}">
-                <a16:creationId xmlns="" xmlns:a16="http://schemas.microsoft.com/office/drawing/2014/main" id="{5ECA3099-A94F-4C3E-BC29-780EDD38F722}"/>
+                <a16:creationId xmlns:a16="http://schemas.microsoft.com/office/drawing/2014/main" id="{5ECA3099-A94F-4C3E-BC29-780EDD38F722}"/>
               </a:ext>
             </a:extLst>
           </p:cNvPr>
@@ -23593,7 +23589,7 @@
           <p:cNvPr id="12" name="Straight Connector 11">
             <a:extLst>
               <a:ext uri="{FF2B5EF4-FFF2-40B4-BE49-F238E27FC236}">
-                <a16:creationId xmlns="" xmlns:a16="http://schemas.microsoft.com/office/drawing/2014/main" id="{227520FF-02C3-4FC8-9DD4-6FD4DAE01FE9}"/>
+                <a16:creationId xmlns:a16="http://schemas.microsoft.com/office/drawing/2014/main" id="{227520FF-02C3-4FC8-9DD4-6FD4DAE01FE9}"/>
               </a:ext>
             </a:extLst>
           </p:cNvPr>
@@ -23638,7 +23634,7 @@
           <p:cNvPr id="19" name="Rectangle 18">
             <a:extLst>
               <a:ext uri="{FF2B5EF4-FFF2-40B4-BE49-F238E27FC236}">
-                <a16:creationId xmlns="" xmlns:a16="http://schemas.microsoft.com/office/drawing/2014/main" id="{D948D9BA-F531-48FF-BE31-0248EF5CC454}"/>
+                <a16:creationId xmlns:a16="http://schemas.microsoft.com/office/drawing/2014/main" id="{D948D9BA-F531-48FF-BE31-0248EF5CC454}"/>
               </a:ext>
             </a:extLst>
           </p:cNvPr>
@@ -23694,7 +23690,7 @@
           <p:cNvPr id="11" name="Group 10">
             <a:extLst>
               <a:ext uri="{FF2B5EF4-FFF2-40B4-BE49-F238E27FC236}">
-                <a16:creationId xmlns="" xmlns:a16="http://schemas.microsoft.com/office/drawing/2014/main" id="{C637404C-CCC9-46CA-A9D3-525E2E6FC73B}"/>
+                <a16:creationId xmlns:a16="http://schemas.microsoft.com/office/drawing/2014/main" id="{C637404C-CCC9-46CA-A9D3-525E2E6FC73B}"/>
               </a:ext>
             </a:extLst>
           </p:cNvPr>
@@ -23714,7 +23710,7 @@
             <p:cNvPr id="13" name="Rectangle 12">
               <a:extLst>
                 <a:ext uri="{FF2B5EF4-FFF2-40B4-BE49-F238E27FC236}">
-                  <a16:creationId xmlns="" xmlns:a16="http://schemas.microsoft.com/office/drawing/2014/main" id="{05EB3BD8-4375-44FB-9E9D-0FB76CBA224D}"/>
+                  <a16:creationId xmlns:a16="http://schemas.microsoft.com/office/drawing/2014/main" id="{05EB3BD8-4375-44FB-9E9D-0FB76CBA224D}"/>
                 </a:ext>
               </a:extLst>
             </p:cNvPr>
@@ -23791,7 +23787,7 @@
             <p:cNvPr id="14" name="Rectangle 6">
               <a:extLst>
                 <a:ext uri="{FF2B5EF4-FFF2-40B4-BE49-F238E27FC236}">
-                  <a16:creationId xmlns="" xmlns:a16="http://schemas.microsoft.com/office/drawing/2014/main" id="{BCC973EA-C8AF-4B29-93CC-A9F4F15E238E}"/>
+                  <a16:creationId xmlns:a16="http://schemas.microsoft.com/office/drawing/2014/main" id="{BCC973EA-C8AF-4B29-93CC-A9F4F15E238E}"/>
                 </a:ext>
               </a:extLst>
             </p:cNvPr>
@@ -24288,7 +24284,7 @@
           <p:cNvPr id="19" name="Picture Placeholder 18" descr="Long wooden tunnel">
             <a:extLst>
               <a:ext uri="{FF2B5EF4-FFF2-40B4-BE49-F238E27FC236}">
-                <a16:creationId xmlns="" xmlns:a16="http://schemas.microsoft.com/office/drawing/2014/main" id="{26BCC204-42D7-4F58-B6DF-AB0501ACD7D8}"/>
+                <a16:creationId xmlns:a16="http://schemas.microsoft.com/office/drawing/2014/main" id="{26BCC204-42D7-4F58-B6DF-AB0501ACD7D8}"/>
               </a:ext>
             </a:extLst>
           </p:cNvPr>
@@ -24324,7 +24320,7 @@
           <p:cNvPr id="22" name="Title 21">
             <a:extLst>
               <a:ext uri="{FF2B5EF4-FFF2-40B4-BE49-F238E27FC236}">
-                <a16:creationId xmlns="" xmlns:a16="http://schemas.microsoft.com/office/drawing/2014/main" id="{BA160141-042F-4099-856C-C1D62E0FF551}"/>
+                <a16:creationId xmlns:a16="http://schemas.microsoft.com/office/drawing/2014/main" id="{BA160141-042F-4099-856C-C1D62E0FF551}"/>
               </a:ext>
             </a:extLst>
           </p:cNvPr>
@@ -24341,31 +24337,31 @@
           <a:lstStyle/>
           <a:p>
             <a:r>
-              <a:rPr lang="en-ZA" sz="4000" dirty="0" err="1" smtClean="0"/>
+              <a:rPr lang="en-ZA" sz="4000" dirty="0" err="1"/>
               <a:t>Manajemen</a:t>
             </a:r>
             <a:r>
-              <a:rPr lang="en-ZA" sz="4000" dirty="0" smtClean="0"/>
+              <a:rPr lang="en-ZA" sz="4000" dirty="0"/>
               <a:t> </a:t>
             </a:r>
             <a:r>
-              <a:rPr lang="en-ZA" sz="4000" dirty="0" err="1" smtClean="0"/>
+              <a:rPr lang="en-ZA" sz="4000" dirty="0" err="1"/>
               <a:t>Layanan</a:t>
             </a:r>
             <a:r>
-              <a:rPr lang="en-ZA" sz="4000" dirty="0" smtClean="0"/>
+              <a:rPr lang="en-ZA" sz="4000" dirty="0"/>
               <a:t> </a:t>
             </a:r>
             <a:r>
-              <a:rPr lang="en-ZA" sz="4000" dirty="0" err="1" smtClean="0"/>
+              <a:rPr lang="en-ZA" sz="4000" dirty="0" err="1"/>
               <a:t>Teknologi</a:t>
             </a:r>
             <a:r>
-              <a:rPr lang="en-ZA" sz="4000" dirty="0" smtClean="0"/>
+              <a:rPr lang="en-ZA" sz="4000" dirty="0"/>
               <a:t> </a:t>
             </a:r>
             <a:r>
-              <a:rPr lang="en-ZA" sz="4000" dirty="0" err="1" smtClean="0"/>
+              <a:rPr lang="en-ZA" sz="4000" dirty="0" err="1"/>
               <a:t>Informasi</a:t>
             </a:r>
             <a:endParaRPr lang="en-ZA" sz="4000" dirty="0"/>
@@ -24377,7 +24373,7 @@
           <p:cNvPr id="23" name="Subtitle 22">
             <a:extLst>
               <a:ext uri="{FF2B5EF4-FFF2-40B4-BE49-F238E27FC236}">
-                <a16:creationId xmlns="" xmlns:a16="http://schemas.microsoft.com/office/drawing/2014/main" id="{212BE0C8-3274-44C1-93C2-9347988BD0FF}"/>
+                <a16:creationId xmlns:a16="http://schemas.microsoft.com/office/drawing/2014/main" id="{212BE0C8-3274-44C1-93C2-9347988BD0FF}"/>
               </a:ext>
             </a:extLst>
           </p:cNvPr>
@@ -24394,10 +24390,9 @@
           <a:lstStyle/>
           <a:p>
             <a:r>
-              <a:rPr lang="en-ZA" noProof="1" smtClean="0"/>
+              <a:rPr lang="en-ZA" noProof="1"/>
               <a:t>#02-#03</a:t>
             </a:r>
-            <a:endParaRPr lang="en-ZA" noProof="1"/>
           </a:p>
         </p:txBody>
       </p:sp>
@@ -24406,10 +24401,10 @@
           <p:cNvPr id="112" name="Group 111" descr="Accent image brackets&#10;">
             <a:extLst>
               <a:ext uri="{FF2B5EF4-FFF2-40B4-BE49-F238E27FC236}">
-                <a16:creationId xmlns="" xmlns:a16="http://schemas.microsoft.com/office/drawing/2014/main" id="{D624720B-51E1-474D-90C6-CD74ED1DA39F}"/>
+                <a16:creationId xmlns:a16="http://schemas.microsoft.com/office/drawing/2014/main" id="{D624720B-51E1-474D-90C6-CD74ED1DA39F}"/>
               </a:ext>
               <a:ext uri="{C183D7F6-B498-43B3-948B-1728B52AA6E4}">
-                <adec:decorative xmlns="" xmlns:adec="http://schemas.microsoft.com/office/drawing/2017/decorative" val="1"/>
+                <adec:decorative xmlns:adec="http://schemas.microsoft.com/office/drawing/2017/decorative" val="1"/>
               </a:ext>
             </a:extLst>
           </p:cNvPr>
@@ -24429,7 +24424,7 @@
             <p:cNvPr id="110" name="Rectangle 6">
               <a:extLst>
                 <a:ext uri="{FF2B5EF4-FFF2-40B4-BE49-F238E27FC236}">
-                  <a16:creationId xmlns="" xmlns:a16="http://schemas.microsoft.com/office/drawing/2014/main" id="{E4561AC7-2339-461B-BFF9-BEBEF60974E1}"/>
+                  <a16:creationId xmlns:a16="http://schemas.microsoft.com/office/drawing/2014/main" id="{E4561AC7-2339-461B-BFF9-BEBEF60974E1}"/>
                 </a:ext>
               </a:extLst>
             </p:cNvPr>
@@ -24547,7 +24542,7 @@
             <p:cNvPr id="111" name="Rectangle 6">
               <a:extLst>
                 <a:ext uri="{FF2B5EF4-FFF2-40B4-BE49-F238E27FC236}">
-                  <a16:creationId xmlns="" xmlns:a16="http://schemas.microsoft.com/office/drawing/2014/main" id="{6FFCCB15-66C7-4E86-BF09-14C5B1569970}"/>
+                  <a16:creationId xmlns:a16="http://schemas.microsoft.com/office/drawing/2014/main" id="{6FFCCB15-66C7-4E86-BF09-14C5B1569970}"/>
                 </a:ext>
               </a:extLst>
             </p:cNvPr>
@@ -24666,7 +24661,7 @@
           <p:cNvPr id="4" name="Group 3" descr="Logo Placeholder">
             <a:extLst>
               <a:ext uri="{FF2B5EF4-FFF2-40B4-BE49-F238E27FC236}">
-                <a16:creationId xmlns="" xmlns:a16="http://schemas.microsoft.com/office/drawing/2014/main" id="{15BDFF4F-F29E-432C-8919-538354CC3582}"/>
+                <a16:creationId xmlns:a16="http://schemas.microsoft.com/office/drawing/2014/main" id="{15BDFF4F-F29E-432C-8919-538354CC3582}"/>
               </a:ext>
             </a:extLst>
           </p:cNvPr>
@@ -24686,7 +24681,7 @@
             <p:cNvPr id="3" name="Rectangle 2">
               <a:extLst>
                 <a:ext uri="{FF2B5EF4-FFF2-40B4-BE49-F238E27FC236}">
-                  <a16:creationId xmlns="" xmlns:a16="http://schemas.microsoft.com/office/drawing/2014/main" id="{5C906931-C069-4BF7-9D34-6BD0A441F1D0}"/>
+                  <a16:creationId xmlns:a16="http://schemas.microsoft.com/office/drawing/2014/main" id="{5C906931-C069-4BF7-9D34-6BD0A441F1D0}"/>
                 </a:ext>
               </a:extLst>
             </p:cNvPr>
@@ -24713,7 +24708,7 @@
             <a:p>
               <a:pPr algn="ctr" defTabSz="914400"/>
               <a:r>
-                <a:rPr lang="en-ZA" sz="2000" b="1" dirty="0" smtClean="0">
+                <a:rPr lang="en-ZA" sz="2000" b="1" dirty="0">
                   <a:solidFill>
                     <a:srgbClr val="FFFFFF"/>
                   </a:solidFill>
@@ -24722,7 +24717,7 @@
                 <a:t>RR. Dewi</a:t>
               </a:r>
               <a:r>
-                <a:rPr lang="en-ZA" sz="2000" dirty="0" smtClean="0">
+                <a:rPr lang="en-ZA" sz="2000" dirty="0">
                   <a:solidFill>
                     <a:srgbClr val="FFFFFF"/>
                   </a:solidFill>
@@ -24731,7 +24726,7 @@
                 <a:t> </a:t>
               </a:r>
               <a:r>
-                <a:rPr lang="en-ZA" sz="2000" i="1" dirty="0" smtClean="0">
+                <a:rPr lang="en-ZA" sz="2000" i="1" dirty="0">
                   <a:solidFill>
                     <a:srgbClr val="FFFFFF"/>
                   </a:solidFill>
@@ -24753,7 +24748,7 @@
             <p:cNvPr id="15" name="Rectangle 6">
               <a:extLst>
                 <a:ext uri="{FF2B5EF4-FFF2-40B4-BE49-F238E27FC236}">
-                  <a16:creationId xmlns="" xmlns:a16="http://schemas.microsoft.com/office/drawing/2014/main" id="{FA7AA601-65CC-44E2-A893-84390726E282}"/>
+                  <a16:creationId xmlns:a16="http://schemas.microsoft.com/office/drawing/2014/main" id="{FA7AA601-65CC-44E2-A893-84390726E282}"/>
                 </a:ext>
               </a:extLst>
             </p:cNvPr>
@@ -24883,13 +24878,6 @@
   <p:clrMapOvr>
     <a:masterClrMapping/>
   </p:clrMapOvr>
-  <p:timing>
-    <p:tnLst>
-      <p:par>
-        <p:cTn id="1" dur="indefinite" restart="never" nodeType="tmRoot"/>
-      </p:par>
-    </p:tnLst>
-  </p:timing>
 </p:sld>
 </file>
 
@@ -24962,45 +24950,32 @@
               </a:rPr>
               <a:t>Service Transition </a:t>
             </a:r>
-            <a:endParaRPr lang="id-ID" b="1" dirty="0" smtClean="0">
-              <a:solidFill>
-                <a:srgbClr val="0070C0"/>
-              </a:solidFill>
-            </a:endParaRPr>
           </a:p>
           <a:p>
             <a:pPr marL="0" indent="0">
               <a:buNone/>
             </a:pPr>
             <a:r>
-              <a:rPr lang="id-ID" dirty="0" smtClean="0"/>
-              <a:t>Pada </a:t>
-            </a:r>
-            <a:r>
               <a:rPr lang="id-ID" dirty="0"/>
-              <a:t>prinsipnya ada tujuh hal atau proses yang harus diperhatikan dan dikerjakan secara sungguh-sungguh oleh organisasi dalam konteks menerapkan konsep rancangan layanan teknologi informasi ke dalam kegiatan operasional sehari-hari, masing-masing adalah sebagai berikut:</a:t>
-            </a:r>
-          </a:p>
-          <a:p>
-            <a:r>
-              <a:rPr lang="id-ID" u="sng" dirty="0" smtClean="0"/>
-              <a:t>Transition </a:t>
-            </a:r>
+              <a:t>Pada prinsipnya ada tujuh hal atau proses yang harus diperhatikan dan dikerjakan secara sungguh-sungguh oleh organisasi dalam konteks menerapkan konsep rancangan layanan teknologi informasi ke dalam kegiatan operasional sehari-hari, masing-masing adalah sebagai berikut:</a:t>
+            </a:r>
+          </a:p>
+          <a:p>
             <a:r>
               <a:rPr lang="id-ID" u="sng" dirty="0"/>
-              <a:t>Planning and Support </a:t>
+              <a:t>Transition Planning and Support </a:t>
             </a:r>
             <a:r>
               <a:rPr lang="id-ID" dirty="0"/>
-              <a:t>adalah langkah pertama yang harus dilakukan perusahaan untuk mengelola transisi yang </a:t>
-            </a:r>
-            <a:r>
-              <a:rPr lang="id-ID" dirty="0" smtClean="0"/>
-              <a:t>akan dilakukan, mulai dari kondisi terkini menuju pada rancangan yang telah didefinisikan dan ditetapkan. Proses transisi yang </a:t>
-            </a:r>
-            <a:r>
-              <a:rPr lang="id-ID" dirty="0"/>
-              <a:t>ingin dilakukan harus dinyatakan dengan perencanaan yang jelas, detail, dan lugas - agar mudah dimengerti oleh seluruh pemangku kepentingan perusahaan, terutama manajemen dan karyawannya.</a:t>
+              <a:t>adalah langkah pertama yang harus dilakukan perusahaan untuk mengelola transisi yang akan dilakukan, mulai dari kondisi terkini menuju pada rancangan yang telah didefinisikan dan ditetapkan. </a:t>
+            </a:r>
+            <a:r>
+              <a:rPr lang="id-ID" dirty="0">
+                <a:solidFill>
+                  <a:srgbClr val="FFFF00"/>
+                </a:solidFill>
+              </a:rPr>
+              <a:t>Proses transisi yang ingin dilakukan harus dinyatakan dengan perencanaan yang jelas, detail, dan lugas - agar mudah dimengerti oleh seluruh pemangku kepentingan perusahaan, terutama manajemen dan karyawannya.</a:t>
             </a:r>
           </a:p>
           <a:p>
@@ -25018,13 +24993,6 @@
   <p:clrMapOvr>
     <a:masterClrMapping/>
   </p:clrMapOvr>
-  <p:timing>
-    <p:tnLst>
-      <p:par>
-        <p:cTn id="1" dur="indefinite" restart="never" nodeType="tmRoot"/>
-      </p:par>
-    </p:tnLst>
-  </p:timing>
 </p:sld>
 </file>
 
@@ -25092,29 +25060,49 @@
             </a:r>
             <a:r>
               <a:rPr lang="id-ID" dirty="0"/>
-              <a:t>merupakan suatu proses yang berkaitan dalam mengelola perubahan. Transisi dari kondisi terkini menuju target yang dicanangkan harus dikelola dengan sebaik-baiknya. Agar sukses, hal-hal semacam kejelasan visi, ketersediaan sumber daya, skema insentif, pengembangan peta pandu (roadmap), maupun dukungan pemangku kepentingan haruslah dikelola keberadaannya.</a:t>
-            </a:r>
-          </a:p>
-          <a:p>
-            <a:r>
-              <a:rPr lang="id-ID" u="sng" dirty="0" smtClean="0"/>
+              <a:t>merupakan </a:t>
+            </a:r>
+            <a:r>
+              <a:rPr lang="id-ID" dirty="0">
+                <a:solidFill>
+                  <a:srgbClr val="FFFF00"/>
+                </a:solidFill>
+              </a:rPr>
+              <a:t>suatu proses yang berkaitan dalam mengelola perubahan</a:t>
+            </a:r>
+            <a:r>
+              <a:rPr lang="id-ID" dirty="0"/>
+              <a:t>. Transisi dari kondisi terkini menuju target yang dicanangkan harus dikelola dengan sebaik-baiknya. Agar sukses, hal-hal semacam </a:t>
+            </a:r>
+            <a:r>
+              <a:rPr lang="id-ID" dirty="0">
+                <a:solidFill>
+                  <a:srgbClr val="FFFF00"/>
+                </a:solidFill>
+              </a:rPr>
+              <a:t>kejelasan visi, ketersediaan sumber daya, skema insentif, pengembangan peta pandu (roadmap), maupun dukungan pemangku kepentingan haruslah dikelola keberadaannya.</a:t>
+            </a:r>
+          </a:p>
+          <a:p>
+            <a:r>
+              <a:rPr lang="id-ID" u="sng" dirty="0"/>
               <a:t>Service Asset dan Configuration Management </a:t>
             </a:r>
             <a:r>
-              <a:rPr lang="id-ID" dirty="0" smtClean="0"/>
-              <a:t>memberikan </a:t>
-            </a:r>
-            <a:r>
               <a:rPr lang="id-ID" dirty="0"/>
-              <a:t>pengertian bahwa setiap model layanan membutuhkan </a:t>
-            </a:r>
-            <a:r>
-              <a:rPr lang="id-ID" dirty="0" smtClean="0"/>
-              <a:t>sumber daya dan aset teknologi informasi yang berbeda-beda, sehingga harus ada manajemen konfigurasi yang tepat diterapkan. Keseimbangan antara efektivitas dan efisiensi layanan adalah kunci dalam mengelola konfigurasi, sehingga pemanfaatan </a:t>
+              <a:t>memberikan pengertian bahwa </a:t>
+            </a:r>
+            <a:r>
+              <a:rPr lang="id-ID" dirty="0">
+                <a:solidFill>
+                  <a:srgbClr val="FFFF00"/>
+                </a:solidFill>
+              </a:rPr>
+              <a:t>setiap model layanan membutuhkan sumber daya dan aset teknologi informasi yang berbeda-beda, sehingga harus ada manajemen konfigurasi yang tepat diterapkan.</a:t>
             </a:r>
             <a:r>
               <a:rPr lang="id-ID" dirty="0"/>
-              <a:t>sumber daya dan aset yang dimiliki dapat optimal.</a:t>
+              <a:t> Keseimbangan antara efektivitas dan efisiensi layanan adalah kunci dalam mengelola konfigurasi, sehingga pemanfaatan sumber daya dan aset yang dimiliki dapat optimal.</a:t>
             </a:r>
           </a:p>
           <a:p>
@@ -25199,33 +25187,53 @@
             </a:r>
             <a:r>
               <a:rPr lang="id-ID" dirty="0"/>
-              <a:t>merupakan inti dari pengelolaan yang ada yaitu proses peresmian atau peluncuran </a:t>
-            </a:r>
-            <a:r>
-              <a:rPr lang="id-ID" dirty="0" smtClean="0"/>
-              <a:t>layanan teknologi informasi yang dibutuhkan. Perlu diperhatikan bahwa sebagaimana sebuah produk, karakter dan profil layanan </a:t>
+              <a:t>merupakan inti dari pengelolaan yang ada yaitu </a:t>
+            </a:r>
+            <a:r>
+              <a:rPr lang="id-ID" dirty="0">
+                <a:solidFill>
+                  <a:srgbClr val="FFFF00"/>
+                </a:solidFill>
+              </a:rPr>
+              <a:t>proses peresmian atau peluncuran layanan teknologi informasi yang dibutuhkan</a:t>
             </a:r>
             <a:r>
               <a:rPr lang="id-ID" dirty="0"/>
-              <a:t>juga akan berkembang dari hari ke hari, sehingga perlu dikelola pula sistem versinya</a:t>
-            </a:r>
-            <a:r>
-              <a:rPr lang="id-ID" dirty="0" smtClean="0"/>
-              <a:t>.</a:t>
-            </a:r>
-          </a:p>
-          <a:p>
-            <a:r>
-              <a:rPr lang="id-ID" u="sng" dirty="0" smtClean="0"/>
-              <a:t>Service </a:t>
-            </a:r>
+              <a:t>. Perlu diperhatikan bahwa sebagaimana sebuah produk, karakter dan profil layanan juga akan berkembang dari hari ke hari, sehingga perlu dikelola pula sistem versinya.</a:t>
+            </a:r>
+          </a:p>
+          <a:p>
             <a:r>
               <a:rPr lang="id-ID" u="sng" dirty="0"/>
-              <a:t>Validation and Testing </a:t>
+              <a:t>Service Validation and Testing </a:t>
             </a:r>
             <a:r>
               <a:rPr lang="id-ID" dirty="0"/>
-              <a:t>adalah suatu rangkaian proses untuk memastikan atau memvalidasi mutu dari suatu layanan. Caranya adalah melalui serangkaian aktivitas validasi dan test yang melibatkan banyak pihak, seperti ahli, pelanggan, manajemen, karyawan, pengembang layanan, vendor, dan lain sebagainya. </a:t>
+              <a:t>adalah </a:t>
+            </a:r>
+            <a:r>
+              <a:rPr lang="id-ID" dirty="0">
+                <a:solidFill>
+                  <a:srgbClr val="FFFF00"/>
+                </a:solidFill>
+              </a:rPr>
+              <a:t>suatu rangkaian proses untuk memastikan atau memvalidasi mutu dari suatu layanan</a:t>
+            </a:r>
+            <a:r>
+              <a:rPr lang="id-ID" dirty="0"/>
+              <a:t>. Caranya adalah melalui serangkaian aktivitas </a:t>
+            </a:r>
+            <a:r>
+              <a:rPr lang="id-ID" dirty="0">
+                <a:solidFill>
+                  <a:srgbClr val="FFFF00"/>
+                </a:solidFill>
+              </a:rPr>
+              <a:t>validasi dan test yang melibatkan banyak pihak, seperti ahli, pelanggan, manajemen, karyawan, pengembang layanan, vendor, dan lain sebagainya</a:t>
+            </a:r>
+            <a:r>
+              <a:rPr lang="id-ID" dirty="0"/>
+              <a:t>. </a:t>
             </a:r>
           </a:p>
           <a:p>
@@ -25310,11 +25318,31 @@
             </a:r>
             <a:r>
               <a:rPr lang="id-ID" dirty="0"/>
-              <a:t>merupakan aktivitas mengevaluasi perubahan yang telah dilakukan, terutama dalam konteks efektivitas layanan teknologi informasi yang telah diimplementasikan perusahaan. Perubahan ini haruslah dievaluasi untuk memastikan apakah layanan yang diberikan sudah sesuai dengan kebutuhan, dan tentu saja juga untuk melihat </a:t>
-            </a:r>
-            <a:r>
-              <a:rPr lang="id-ID" dirty="0" smtClean="0"/>
-              <a:t>apakah sudah terjadi efisiensi dan optimalisasi dalam proses pelaksanaan layanannya</a:t>
+              <a:t>merupakan </a:t>
+            </a:r>
+            <a:r>
+              <a:rPr lang="id-ID" dirty="0">
+                <a:solidFill>
+                  <a:srgbClr val="FFFF00"/>
+                </a:solidFill>
+              </a:rPr>
+              <a:t>aktivitas mengevaluasi perubahan yang telah dilakukan, terutama dalam konteks efektivitas layanan teknologi informasi </a:t>
+            </a:r>
+            <a:r>
+              <a:rPr lang="id-ID" dirty="0"/>
+              <a:t>yang telah diimplementasikan perusahaan. Perubahan ini haruslah dievaluasi untuk </a:t>
+            </a:r>
+            <a:r>
+              <a:rPr lang="id-ID" dirty="0">
+                <a:solidFill>
+                  <a:srgbClr val="FFFF00"/>
+                </a:solidFill>
+              </a:rPr>
+              <a:t>memastikan apakah layanan yang diberikan sudah sesuai dengan kebutuhan</a:t>
+            </a:r>
+            <a:r>
+              <a:rPr lang="id-ID" dirty="0"/>
+              <a:t>, dan tentu saja juga untuk melihat apakah sudah terjadi efisiensi dan optimalisasi dalam proses pelaksanaan layanannya</a:t>
             </a:r>
           </a:p>
           <a:p>
@@ -25324,7 +25352,19 @@
             </a:r>
             <a:r>
               <a:rPr lang="id-ID" dirty="0"/>
-              <a:t>adalah suatu aktivitas merekam, menyimpan, dan mengelola pengetahuan kolektif yang dimiliki perusahaan untuk kebutuhan pembelajaran di kemudian hari. Dengan mengelola pengetahuan kolektif ini, maka perusahaan selain dapat belajar dari masa lalu juga tidak perlu khawatir akan ketergantungan kinerja usahanya pada satu atau sekelompok individu, karena aset utamanya yaitu “knowledge” telah disimpan dan dikelola dengan sebaik-baiknya untuk berbagai kebutuhan. </a:t>
+              <a:t>adalah </a:t>
+            </a:r>
+            <a:r>
+              <a:rPr lang="id-ID" dirty="0">
+                <a:solidFill>
+                  <a:srgbClr val="FFFF00"/>
+                </a:solidFill>
+              </a:rPr>
+              <a:t>suatu aktivitas merekam, menyimpan, dan mengelola pengetahuan kolektif yang dimiliki perusahaan untuk kebutuhan pembelajaran di kemudian hari</a:t>
+            </a:r>
+            <a:r>
+              <a:rPr lang="id-ID" dirty="0"/>
+              <a:t>. Dengan mengelola pengetahuan kolektif ini, maka perusahaan selain dapat belajar dari masa lalu juga tidak perlu khawatir akan ketergantungan kinerja usahanya pada satu atau sekelompok individu, karena aset utamanya yaitu “knowledge” telah disimpan dan dikelola dengan sebaik-baiknya untuk berbagai kebutuhan. </a:t>
             </a:r>
           </a:p>
         </p:txBody>
@@ -25405,29 +25445,20 @@
               <a:rPr lang="id-ID" dirty="0"/>
               <a:t>Service Operation </a:t>
             </a:r>
-            <a:endParaRPr lang="id-ID" dirty="0" smtClean="0"/>
           </a:p>
           <a:p>
             <a:pPr marL="0" indent="0">
               <a:buNone/>
             </a:pPr>
             <a:r>
-              <a:rPr lang="id-ID" dirty="0" smtClean="0"/>
-              <a:t>Pada </a:t>
-            </a:r>
-            <a:r>
               <a:rPr lang="id-ID" dirty="0"/>
-              <a:t>prinsipnya ada lima proses dan empat fungsi yang harus diperhatikan dan dikerjakan secara sungguh-sungguh oleh organisasi dalam menjalankan kegiatan operasional layanan teknologi informasinya. Kelima proses yang dimaksud adalah sebagai berikut:</a:t>
-            </a:r>
-          </a:p>
-          <a:p>
-            <a:r>
-              <a:rPr lang="id-ID" u="sng" dirty="0" smtClean="0"/>
-              <a:t>Event </a:t>
-            </a:r>
+              <a:t>Pada prinsipnya ada lima proses dan empat fungsi yang harus diperhatikan dan dikerjakan secara sungguh-sungguh oleh organisasi dalam menjalankan kegiatan operasional layanan teknologi informasinya. Kelima proses yang dimaksud adalah sebagai berikut:</a:t>
+            </a:r>
+          </a:p>
+          <a:p>
             <a:r>
               <a:rPr lang="id-ID" u="sng" dirty="0"/>
-              <a:t>Management </a:t>
+              <a:t>Event Management </a:t>
             </a:r>
             <a:r>
               <a:rPr lang="id-ID" dirty="0"/>
@@ -25511,30 +25542,46 @@
           <a:lstStyle/>
           <a:p>
             <a:r>
-              <a:rPr lang="id-ID" u="sng" dirty="0" smtClean="0"/>
-              <a:t>Incident </a:t>
-            </a:r>
-            <a:r>
               <a:rPr lang="id-ID" u="sng" dirty="0"/>
-              <a:t>Management</a:t>
+              <a:t>Incident Management</a:t>
             </a:r>
             <a:r>
               <a:rPr lang="id-ID" dirty="0"/>
-              <a:t> adalah proses yang berkaitan dengan tata cara penanganan insiden yang dapat terjadi di tengahtengah operasional bisnis perusahaan. Insiden harus dapat dicegah dan ditangani dengan baik, agar tidak membawa risiko kerusakan yang tidak diinginkan perusahaan.</a:t>
-            </a:r>
-          </a:p>
-          <a:p>
-            <a:r>
-              <a:rPr lang="id-ID" u="sng" dirty="0" smtClean="0"/>
+              <a:t> adalah </a:t>
+            </a:r>
+            <a:r>
+              <a:rPr lang="id-ID" dirty="0">
+                <a:solidFill>
+                  <a:srgbClr val="FFFF00"/>
+                </a:solidFill>
+              </a:rPr>
+              <a:t>proses yang berkaitan dengan tata cara penanganan insiden yang dapat terjadi di tengahtengah operasional bisnis perusahaan</a:t>
+            </a:r>
+            <a:r>
+              <a:rPr lang="id-ID" dirty="0"/>
+              <a:t>. Insiden harus dapat dicegah dan ditangani dengan baik, agar tidak membawa risiko kerusakan yang tidak diinginkan perusahaan.</a:t>
+            </a:r>
+          </a:p>
+          <a:p>
+            <a:r>
+              <a:rPr lang="id-ID" u="sng" dirty="0"/>
               <a:t>Request Fulfillment</a:t>
             </a:r>
             <a:r>
-              <a:rPr lang="id-ID" dirty="0" smtClean="0"/>
-              <a:t> berhadapan </a:t>
-            </a:r>
-            <a:r>
               <a:rPr lang="id-ID" dirty="0"/>
-              <a:t>langsung dengan aktivitas pemenuhan terhadap permintaan pengguna terhadap layanan teknologi informasi. Aktivitas ini perlu dikelola mengingat jenis-jenis permintaan ada yang bermacam-macam, mulai dari yang sangat krusial karena sifatnya yang kritikal dan “emergency” hingga yang sifatnya tidak prioritas. Pastikan perusahaan memiliki mekanisme yang efektif dalam menjawab kebutuhan dimaksud.</a:t>
+              <a:t> berhadapan langsung dengan aktivitas pemenuhan terhadap permintaan pengguna terhadap layanan teknologi informasi. </a:t>
+            </a:r>
+            <a:r>
+              <a:rPr lang="id-ID" dirty="0">
+                <a:solidFill>
+                  <a:srgbClr val="FFFF00"/>
+                </a:solidFill>
+              </a:rPr>
+              <a:t>Aktivitas ini perlu dikelola mengingat jenis-jenis permintaan ada yang bermacam-macam</a:t>
+            </a:r>
+            <a:r>
+              <a:rPr lang="id-ID" dirty="0"/>
+              <a:t>, mulai dari yang sangat krusial karena sifatnya yang kritikal dan “emergency” hingga yang sifatnya tidak prioritas. Pastikan perusahaan memiliki mekanisme yang efektif dalam menjawab kebutuhan dimaksud.</a:t>
             </a:r>
           </a:p>
           <a:p>
@@ -25614,30 +25661,46 @@
           <a:lstStyle/>
           <a:p>
             <a:r>
-              <a:rPr lang="id-ID" u="sng" dirty="0" smtClean="0"/>
-              <a:t>Problem </a:t>
-            </a:r>
-            <a:r>
               <a:rPr lang="id-ID" u="sng" dirty="0"/>
-              <a:t>Management</a:t>
+              <a:t>Problem Management</a:t>
             </a:r>
             <a:r>
               <a:rPr lang="id-ID" dirty="0"/>
-              <a:t> berkaitan langsung dengan kemampuan perusahaan dalam menangani berbagai isu atau problem lapangan yang terkait dengan layanan teknologi informasi. Apakah problem yang bersifat teknis, administratif, maupun operasional, harus ada cara menanganinya secara cepat, akurat, dan efektif.</a:t>
-            </a:r>
-          </a:p>
-          <a:p>
-            <a:r>
-              <a:rPr lang="id-ID" u="sng" dirty="0" smtClean="0"/>
-              <a:t>Access </a:t>
-            </a:r>
+              <a:t> berkaitan langsung dengan </a:t>
+            </a:r>
+            <a:r>
+              <a:rPr lang="id-ID" dirty="0">
+                <a:solidFill>
+                  <a:srgbClr val="FFFF00"/>
+                </a:solidFill>
+              </a:rPr>
+              <a:t>kemampuan perusahaan dalam menangani berbagai isu atau problem lapangan yang terkait dengan layanan teknologi informasi</a:t>
+            </a:r>
+            <a:r>
+              <a:rPr lang="id-ID" dirty="0"/>
+              <a:t>. Apakah problem yang bersifat teknis, administratif, maupun operasional, harus ada cara menanganinya secara cepat, akurat, dan efektif.</a:t>
+            </a:r>
+          </a:p>
+          <a:p>
             <a:r>
               <a:rPr lang="id-ID" u="sng" dirty="0"/>
-              <a:t>Management</a:t>
+              <a:t>Access Management</a:t>
             </a:r>
             <a:r>
               <a:rPr lang="id-ID" dirty="0"/>
-              <a:t> adalah proses untuk memastikan setiap individu, kelompok, dan unit perusahaan dapat mengakses data dan informasi secara aman serta sesuai dengan hak/wewenang aksesnya. Dengan demikian, maka data dan informasi yang dimiliki perusahaan terlindungi pula dari eksposur pihak-pihak yang tidak berwenang mengaksesnya. </a:t>
+              <a:t> adalah </a:t>
+            </a:r>
+            <a:r>
+              <a:rPr lang="id-ID" dirty="0">
+                <a:solidFill>
+                  <a:srgbClr val="FFFF00"/>
+                </a:solidFill>
+              </a:rPr>
+              <a:t>proses untuk memastikan setiap individu, kelompok, dan unit perusahaan dapat mengakses data dan informasi secara aman serta sesuai dengan hak/wewenang aksesnya</a:t>
+            </a:r>
+            <a:r>
+              <a:rPr lang="id-ID" dirty="0"/>
+              <a:t>. Dengan demikian, maka data dan informasi yang dimiliki perusahaan terlindungi pula dari eksposur pihak-pihak yang tidak berwenang mengaksesnya. </a:t>
             </a:r>
           </a:p>
         </p:txBody>
@@ -25727,14 +25790,9 @@
               <a:buAutoNum type="arabicPeriod"/>
             </a:pPr>
             <a:r>
-              <a:rPr lang="id-ID" dirty="0" smtClean="0"/>
-              <a:t>Service </a:t>
-            </a:r>
-            <a:r>
               <a:rPr lang="id-ID" dirty="0"/>
-              <a:t>Desk Function - suatu fungsi organisasi yang senantiasa siap 24 jam sehari dan 7 hari seminggu menerima keluhan, masukan, laporan, permohonan bantuan, pertanyaan, dan layanan lainnya terkait dengan penerapan teknologi informasi. </a:t>
-            </a:r>
-            <a:endParaRPr lang="id-ID" dirty="0" smtClean="0"/>
+              <a:t>Service Desk Function - suatu fungsi organisasi yang senantiasa siap 24 jam sehari dan 7 hari seminggu menerima keluhan, masukan, laporan, permohonan bantuan, pertanyaan, dan layanan lainnya terkait dengan penerapan teknologi informasi. </a:t>
+            </a:r>
           </a:p>
           <a:p>
             <a:pPr>
@@ -25742,16 +25800,8 @@
               <a:buAutoNum type="arabicPeriod"/>
             </a:pPr>
             <a:r>
-              <a:rPr lang="id-ID" dirty="0" smtClean="0"/>
-              <a:t>Technical </a:t>
-            </a:r>
-            <a:r>
               <a:rPr lang="id-ID" dirty="0"/>
-              <a:t>Management Function - suatu fungsi organisasi yang senantiasa memastikan berbagai hal teknis terkait dengan operasional teknologi informasi dan komunikasi berjalan dengan lancar, termasuk memperbaiki dan menangani berbagai problem lapangan (teknis) yang terjadi</a:t>
-            </a:r>
-            <a:r>
-              <a:rPr lang="id-ID" dirty="0" smtClean="0"/>
-              <a:t>.</a:t>
+              <a:t>Technical Management Function - suatu fungsi organisasi yang senantiasa memastikan berbagai hal teknis terkait dengan operasional teknologi informasi dan komunikasi berjalan dengan lancar, termasuk memperbaiki dan menangani berbagai problem lapangan (teknis) yang terjadi.</a:t>
             </a:r>
           </a:p>
           <a:p>
@@ -25760,16 +25810,8 @@
               <a:buAutoNum type="arabicPeriod"/>
             </a:pPr>
             <a:r>
-              <a:rPr lang="id-ID" dirty="0" smtClean="0"/>
-              <a:t>IT </a:t>
-            </a:r>
-            <a:r>
               <a:rPr lang="id-ID" dirty="0"/>
-              <a:t>Operation Managemnet Function - suatu fungsi organisasi yang bertanggung jawab terhadap kelancaran kegiatan layanan teknologi informasi </a:t>
-            </a:r>
-            <a:r>
-              <a:rPr lang="id-ID" dirty="0" smtClean="0"/>
-              <a:t>sehari-hari.</a:t>
+              <a:t>IT Operation Managemnet Function - suatu fungsi organisasi yang bertanggung jawab terhadap kelancaran kegiatan layanan teknologi informasi sehari-hari.</a:t>
             </a:r>
           </a:p>
           <a:p>
@@ -25778,12 +25820,8 @@
               <a:buAutoNum type="arabicPeriod"/>
             </a:pPr>
             <a:r>
-              <a:rPr lang="id-ID" dirty="0" smtClean="0"/>
-              <a:t>Application </a:t>
-            </a:r>
-            <a:r>
               <a:rPr lang="id-ID" dirty="0"/>
-              <a:t>Management Function - suatu fungsi organisasi yang mengelola aset aplikasi dan software agar selalu berfungsi seharusnya sebagaimana diinginkan.</a:t>
+              <a:t>Application Management Function - suatu fungsi organisasi yang mengelola aset aplikasi dan software agar selalu berfungsi seharusnya sebagaimana diinginkan.</a:t>
             </a:r>
           </a:p>
           <a:p>
@@ -25876,7 +25914,19 @@
             </a:pPr>
             <a:r>
               <a:rPr lang="id-ID" dirty="0"/>
-              <a:t>Sebagai domain terakhir, semangat proses ini adalah untuk memastikan perusahaan senantiasa meningkatkan kinerja layanan teknologi informasinya dari waktu ke waktu. Proses ini berisi tujuh langkah perbaikan pelayanan, sebagai berikut:</a:t>
+              <a:t>Sebagai domain terakhir, semangat proses ini adalah </a:t>
+            </a:r>
+            <a:r>
+              <a:rPr lang="id-ID" dirty="0">
+                <a:solidFill>
+                  <a:srgbClr val="FFFF00"/>
+                </a:solidFill>
+              </a:rPr>
+              <a:t>untuk memastikan perusahaan senantiasa meningkatkan kinerja layanan teknologi informasinya dari waktu ke waktu.</a:t>
+            </a:r>
+            <a:r>
+              <a:rPr lang="id-ID" dirty="0"/>
+              <a:t> Proses ini berisi tujuh langkah perbaikan pelayanan, sebagai berikut:</a:t>
             </a:r>
           </a:p>
           <a:p>
@@ -25885,7 +25935,7 @@
               <a:buAutoNum type="arabicPeriod"/>
             </a:pPr>
             <a:r>
-              <a:rPr lang="id-ID" dirty="0" smtClean="0"/>
+              <a:rPr lang="id-ID" dirty="0"/>
               <a:t>Mendefinisikan indikator yang harus diukur</a:t>
             </a:r>
           </a:p>
@@ -25895,14 +25945,9 @@
               <a:buAutoNum type="arabicPeriod"/>
             </a:pPr>
             <a:r>
-              <a:rPr lang="id-ID" dirty="0" smtClean="0"/>
-              <a:t>Menentukan </a:t>
-            </a:r>
-            <a:r>
               <a:rPr lang="id-ID" dirty="0"/>
-              <a:t>yang bisa diukur </a:t>
-            </a:r>
-            <a:endParaRPr lang="id-ID" dirty="0" smtClean="0"/>
+              <a:t>Menentukan yang bisa diukur </a:t>
+            </a:r>
           </a:p>
           <a:p>
             <a:pPr>
@@ -25910,12 +25955,8 @@
               <a:buAutoNum type="arabicPeriod"/>
             </a:pPr>
             <a:r>
-              <a:rPr lang="id-ID" dirty="0" smtClean="0"/>
-              <a:t>Mengumpulkan </a:t>
-            </a:r>
-            <a:r>
               <a:rPr lang="id-ID" dirty="0"/>
-              <a:t>data </a:t>
+              <a:t>Mengumpulkan data </a:t>
             </a:r>
           </a:p>
           <a:p>
@@ -25924,12 +25965,8 @@
               <a:buAutoNum type="arabicPeriod"/>
             </a:pPr>
             <a:r>
-              <a:rPr lang="id-ID" dirty="0" smtClean="0"/>
-              <a:t>Memproses </a:t>
-            </a:r>
-            <a:r>
               <a:rPr lang="id-ID" dirty="0"/>
-              <a:t>data </a:t>
+              <a:t>Memproses data </a:t>
             </a:r>
           </a:p>
           <a:p>
@@ -25938,12 +25975,8 @@
               <a:buAutoNum type="arabicPeriod"/>
             </a:pPr>
             <a:r>
-              <a:rPr lang="id-ID" dirty="0" smtClean="0"/>
-              <a:t>Menganalisa </a:t>
-            </a:r>
-            <a:r>
               <a:rPr lang="id-ID" dirty="0"/>
-              <a:t>data </a:t>
+              <a:t>Menganalisa data </a:t>
             </a:r>
           </a:p>
           <a:p>
@@ -25952,12 +25985,8 @@
               <a:buAutoNum type="arabicPeriod"/>
             </a:pPr>
             <a:r>
-              <a:rPr lang="id-ID" dirty="0" smtClean="0"/>
-              <a:t>Menyajikan </a:t>
-            </a:r>
-            <a:r>
               <a:rPr lang="id-ID" dirty="0"/>
-              <a:t>dan menggunakan informasi </a:t>
+              <a:t>Menyajikan dan menggunakan informasi </a:t>
             </a:r>
           </a:p>
           <a:p>
@@ -25966,12 +25995,8 @@
               <a:buAutoNum type="arabicPeriod"/>
             </a:pPr>
             <a:r>
-              <a:rPr lang="id-ID" dirty="0" smtClean="0"/>
-              <a:t>Melaksanakan </a:t>
-            </a:r>
-            <a:r>
               <a:rPr lang="id-ID" dirty="0"/>
-              <a:t>aksi perbaikan</a:t>
+              <a:t>Melaksanakan aksi perbaikan</a:t>
             </a:r>
           </a:p>
           <a:p>
@@ -26029,28 +26054,28 @@
             <a:pPr marL="0" indent="0" algn="r">
               <a:buNone/>
             </a:pPr>
-            <a:endParaRPr lang="en-US" sz="4000" dirty="0" smtClean="0"/>
+            <a:endParaRPr lang="en-US" sz="4000" dirty="0"/>
           </a:p>
           <a:p>
             <a:pPr marL="0" indent="0" algn="r">
               <a:buNone/>
             </a:pPr>
-            <a:endParaRPr lang="en-US" sz="4000" dirty="0" smtClean="0"/>
+            <a:endParaRPr lang="en-US" sz="4000" dirty="0"/>
           </a:p>
           <a:p>
             <a:pPr marL="0" indent="0" algn="r">
               <a:buNone/>
             </a:pPr>
             <a:r>
-              <a:rPr lang="en-US" sz="4000" dirty="0" err="1" smtClean="0"/>
+              <a:rPr lang="en-US" sz="4000" dirty="0" err="1"/>
               <a:t>Terima</a:t>
             </a:r>
             <a:r>
-              <a:rPr lang="en-US" sz="4000" dirty="0" smtClean="0"/>
+              <a:rPr lang="en-US" sz="4000" dirty="0"/>
               <a:t> </a:t>
             </a:r>
             <a:r>
-              <a:rPr lang="en-US" sz="4000" dirty="0" err="1" smtClean="0"/>
+              <a:rPr lang="en-US" sz="4000" dirty="0" err="1"/>
               <a:t>Kasih</a:t>
             </a:r>
             <a:endParaRPr lang="id-ID" sz="4000" dirty="0"/>
@@ -26132,40 +26157,19 @@
               <a:buNone/>
             </a:pPr>
             <a:r>
-              <a:rPr lang="id-ID" dirty="0" smtClean="0"/>
-              <a:t>Ada </a:t>
-            </a:r>
-            <a:r>
               <a:rPr lang="id-ID" dirty="0"/>
-              <a:t>lima hal atau proses yang harus diperhatikan dan dikerjakan secara sungguh-sungguh oleh organisasi, dalam mengembangkan strategi layanan, masing-masing adalah sebagai berikut:</a:t>
-            </a:r>
-          </a:p>
-          <a:p>
-            <a:r>
-              <a:rPr lang="id-ID" u="sng" dirty="0" smtClean="0"/>
-              <a:t>Strategy </a:t>
-            </a:r>
+              <a:t>Ada lima hal atau proses yang harus diperhatikan dan dikerjakan secara sungguh-sungguh oleh organisasi, dalam mengembangkan strategi layanan, masing-masing adalah sebagai berikut:</a:t>
+            </a:r>
+          </a:p>
+          <a:p>
             <a:r>
               <a:rPr lang="id-ID" u="sng" dirty="0"/>
-              <a:t>Management for IT </a:t>
-            </a:r>
-            <a:r>
-              <a:rPr lang="id-ID" u="sng" dirty="0" smtClean="0"/>
-              <a:t>Services </a:t>
-            </a:r>
-            <a:r>
-              <a:rPr lang="id-ID" dirty="0" smtClean="0"/>
-              <a:t>merupakan kegiatan mendefinisikan pendekatan yang disepakati oleh segenap pimpinan </a:t>
+              <a:t>Strategy Management for IT Services </a:t>
             </a:r>
             <a:r>
               <a:rPr lang="id-ID" dirty="0"/>
-              <a:t>utama perusahaan dalam menyelenggarakan manajemen layanan teknologi informasi. Strategi ini haruslah selaras dengan strategi bisnis yang telah disusun mendahuluinya, agar hasilnya kelak benar-benar efektif. Strategi yang dimaksud menyangkut prinsip dasar, mekanisme, pendekatan, dan cara perusahaan dalam mengolah segenap sumber daya teknologi informasi yang dimilikinya untuk memenuhi kebutuhan pemangku kepentingan, baik yang berada dalam internal maupun eksternal perusahaan</a:t>
-            </a:r>
-            <a:r>
-              <a:rPr lang="id-ID" dirty="0" smtClean="0"/>
-              <a:t>.</a:t>
-            </a:r>
-            <a:endParaRPr lang="id-ID" dirty="0"/>
+              <a:t>merupakan kegiatan mendefinisikan pendekatan yang disepakati oleh segenap pimpinan utama perusahaan dalam menyelenggarakan manajemen layanan teknologi informasi. Strategi ini haruslah selaras dengan strategi bisnis yang telah disusun mendahuluinya, agar hasilnya kelak benar-benar efektif. Strategi yang dimaksud menyangkut prinsip dasar, mekanisme, pendekatan, dan cara perusahaan dalam mengolah segenap sumber daya teknologi informasi yang dimilikinya untuk memenuhi kebutuhan pemangku kepentingan, baik yang berada dalam internal maupun eksternal perusahaan.</a:t>
+            </a:r>
           </a:p>
         </p:txBody>
       </p:sp>
@@ -26179,13 +26183,6 @@
   <p:clrMapOvr>
     <a:masterClrMapping/>
   </p:clrMapOvr>
-  <p:timing>
-    <p:tnLst>
-      <p:par>
-        <p:cTn id="1" dur="indefinite" restart="never" nodeType="tmRoot"/>
-      </p:par>
-    </p:tnLst>
-  </p:timing>
 </p:sld>
 </file>
 
@@ -26252,38 +26249,38 @@
               <a:t>Service Portofolio Management </a:t>
             </a:r>
             <a:r>
+              <a:rPr lang="id-ID" dirty="0">
+                <a:solidFill>
+                  <a:srgbClr val="FFFF00"/>
+                </a:solidFill>
+              </a:rPr>
+              <a:t>menggambarkan beraneka ragam jenis pelayanan teknologi informasi yang dikelompokkan dan dikategorisasi berdasarkan karaketeristiknya (taksonomi portofolio). </a:t>
+            </a:r>
+            <a:r>
               <a:rPr lang="id-ID" dirty="0"/>
-              <a:t>menggambarkan beraneka ragam jenis pelayanan teknologi informasi yang </a:t>
-            </a:r>
-            <a:r>
-              <a:rPr lang="id-ID" dirty="0" smtClean="0"/>
-              <a:t>dikelompokkan dan dikategorisasi berdasarkan karaketeristiknya (taksonomi portofolio). Proses pengenalan dan pengelompokkan </a:t>
+              <a:t>Proses pengenalan dan pengelompokkan ini sangatlah perlu dilakukan dan diperhatikan dengan baik mengingat setiap perusahaan memiliki kebutuhan layanan yang berbeda-beda. </a:t>
+            </a:r>
+          </a:p>
+          <a:p>
+            <a:r>
+              <a:rPr lang="id-ID" u="sng" dirty="0"/>
+              <a:t>Financial Management for IT Services </a:t>
             </a:r>
             <a:r>
               <a:rPr lang="id-ID" dirty="0"/>
-              <a:t>ini sangatlah perlu dilakukan dan diperhatikan dengan baik mengingat setiap perusahaan memiliki kebutuhan layanan yang berbeda-beda. </a:t>
-            </a:r>
-          </a:p>
-          <a:p>
-            <a:r>
-              <a:rPr lang="id-ID" u="sng" dirty="0" smtClean="0"/>
-              <a:t>Financial </a:t>
-            </a:r>
-            <a:r>
-              <a:rPr lang="id-ID" u="sng" dirty="0"/>
-              <a:t>Management for IT Services </a:t>
+              <a:t>adalah </a:t>
+            </a:r>
+            <a:r>
+              <a:rPr lang="id-ID" dirty="0">
+                <a:solidFill>
+                  <a:srgbClr val="FFFF00"/>
+                </a:solidFill>
+              </a:rPr>
+              <a:t>suatu pertimbangan yang harus diputuskan terkait dengan komitmen, alokasi dan ketersediaan dana untuk menjalankan keseluruhan proses yang telah didefinisikan oleh perusahaan</a:t>
             </a:r>
             <a:r>
               <a:rPr lang="id-ID" dirty="0"/>
-              <a:t>adalah suatu pertimbangan yang harus diputuskan terkait dengan </a:t>
-            </a:r>
-            <a:r>
-              <a:rPr lang="id-ID" dirty="0" smtClean="0"/>
-              <a:t>komitmen, alokasi dan ketersediaan dana untuk menjalankan keseluruhan proses yang telah didefinisikan oleh perusahaan. Seperti diketahui </a:t>
-            </a:r>
-            <a:r>
-              <a:rPr lang="id-ID" dirty="0"/>
-              <a:t>bersama, besaran kekuatan sumber daya keuangan akan sangat menentukan kualitas layanan yang diberikan dan/atau ruang lingkup pelayanan yang tersedia.</a:t>
+              <a:t>. Seperti diketahui bersama, besaran kekuatan sumber daya keuangan akan sangat menentukan kualitas layanan yang diberikan dan/atau ruang lingkup pelayanan yang tersedia.</a:t>
             </a:r>
           </a:p>
           <a:p>
@@ -26301,13 +26298,6 @@
   <p:clrMapOvr>
     <a:masterClrMapping/>
   </p:clrMapOvr>
-  <p:timing>
-    <p:tnLst>
-      <p:par>
-        <p:cTn id="1" dur="indefinite" restart="never" nodeType="tmRoot"/>
-      </p:par>
-    </p:tnLst>
-  </p:timing>
 </p:sld>
 </file>
 
@@ -26370,20 +26360,24 @@
           <a:lstStyle/>
           <a:p>
             <a:r>
-              <a:rPr lang="id-ID" u="sng" dirty="0" smtClean="0"/>
+              <a:rPr lang="id-ID" u="sng" dirty="0"/>
               <a:t>Demand Management </a:t>
             </a:r>
             <a:r>
-              <a:rPr lang="id-ID" dirty="0" smtClean="0"/>
-              <a:t>merupakan suatu proses yang bertujuan untuk menangkap, mendefinisikan, menganalisa dan menentukan </a:t>
-            </a:r>
-            <a:r>
               <a:rPr lang="id-ID" dirty="0"/>
-              <a:t>kebutuhan pengguna akan layanan teknologi informasi. Seyogiyanya proses ini berlangsung secara terusmenerus dalam perusahaan mengingat begitu dinamisnya perubahan yang terjadi dari masa ke masa, baik disebabkan karena tekanan internal maupun eksternal</a:t>
-            </a:r>
-            <a:r>
-              <a:rPr lang="id-ID" dirty="0" smtClean="0"/>
-              <a:t>.</a:t>
+              <a:t>merupakan </a:t>
+            </a:r>
+            <a:r>
+              <a:rPr lang="id-ID" dirty="0">
+                <a:solidFill>
+                  <a:srgbClr val="FFFF00"/>
+                </a:solidFill>
+              </a:rPr>
+              <a:t>suatu proses yang bertujuan untuk menangkap, mendefinisikan, menganalisa dan menentukan kebutuhan pengguna akan layanan teknologi informasi</a:t>
+            </a:r>
+            <a:r>
+              <a:rPr lang="id-ID" dirty="0"/>
+              <a:t>. Seyogiyanya proses ini berlangsung secara terusmenerus dalam perusahaan mengingat begitu dinamisnya perubahan yang terjadi dari masa ke masa, baik disebabkan karena tekanan internal maupun eksternal.</a:t>
             </a:r>
           </a:p>
           <a:p>
@@ -26393,7 +26387,19 @@
             </a:r>
             <a:r>
               <a:rPr lang="id-ID" dirty="0"/>
-              <a:t>diperlukan mengingat bahwa proses pelayanan teknologi informasi yang diberikan akan melibatkan cukup banyak mitra dan stakeholder. Keseluruhan hubungan atau relasi bisnis ini harus dikelola secara sungguh-sungguh agar kepentingan dari masing-masing pihak dalam skema kerjasama dimaksud dapat terjaga dengan baik.</a:t>
+              <a:t>diperlukan mengingat bahwa proses pelayanan teknologi informasi yang diberikan akan melibatkan cukup banyak mitra dan stakeholder. Keseluruhan </a:t>
+            </a:r>
+            <a:r>
+              <a:rPr lang="id-ID" dirty="0">
+                <a:solidFill>
+                  <a:srgbClr val="FFFF00"/>
+                </a:solidFill>
+              </a:rPr>
+              <a:t>hubungan atau relasi bisnis ini harus dikelola secara sungguh-sungguh agar kepentingan dari masing-masing pihak dalam skema kerjasama dimaksud dapat terjaga dengan baik</a:t>
+            </a:r>
+            <a:r>
+              <a:rPr lang="id-ID" dirty="0"/>
+              <a:t>.</a:t>
             </a:r>
           </a:p>
           <a:p>
@@ -26414,13 +26420,6 @@
   <p:clrMapOvr>
     <a:masterClrMapping/>
   </p:clrMapOvr>
-  <p:timing>
-    <p:tnLst>
-      <p:par>
-        <p:cTn id="1" dur="indefinite" restart="never" nodeType="tmRoot"/>
-      </p:par>
-    </p:tnLst>
-  </p:timing>
 </p:sld>
 </file>
 
@@ -26493,23 +26492,14 @@
               </a:rPr>
               <a:t>Service Design </a:t>
             </a:r>
-            <a:endParaRPr lang="id-ID" b="1" dirty="0" smtClean="0">
-              <a:solidFill>
-                <a:srgbClr val="0070C0"/>
-              </a:solidFill>
-            </a:endParaRPr>
           </a:p>
           <a:p>
             <a:pPr marL="0" indent="0">
               <a:buNone/>
             </a:pPr>
             <a:r>
-              <a:rPr lang="id-ID" dirty="0" smtClean="0"/>
-              <a:t>Pada </a:t>
-            </a:r>
-            <a:r>
               <a:rPr lang="id-ID" dirty="0"/>
-              <a:t>prinsipnya ada delapan hal atau proses yang harus diperhatikan dan dikerjakan secara sungguh-sungguh oleh organisasi dalam merancang postur layanan teknologi informasinya, masing-masing adalah sebagai berikut:</a:t>
+              <a:t>Pada prinsipnya ada delapan hal atau proses yang harus diperhatikan dan dikerjakan secara sungguh-sungguh oleh organisasi dalam merancang postur layanan teknologi informasinya, masing-masing adalah sebagai berikut:</a:t>
             </a:r>
           </a:p>
           <a:p>
@@ -26537,13 +26527,6 @@
   <p:clrMapOvr>
     <a:masterClrMapping/>
   </p:clrMapOvr>
-  <p:timing>
-    <p:tnLst>
-      <p:par>
-        <p:cTn id="1" dur="indefinite" restart="never" nodeType="tmRoot"/>
-      </p:par>
-    </p:tnLst>
-  </p:timing>
 </p:sld>
 </file>
 
@@ -26606,42 +26589,22 @@
           <a:lstStyle/>
           <a:p>
             <a:r>
-              <a:rPr lang="id-ID" u="sng" dirty="0" smtClean="0"/>
-              <a:t>Service </a:t>
-            </a:r>
-            <a:r>
               <a:rPr lang="id-ID" u="sng" dirty="0"/>
-              <a:t>Catalogue Management</a:t>
+              <a:t>Service Catalogue Management</a:t>
             </a:r>
             <a:r>
               <a:rPr lang="id-ID" dirty="0"/>
-              <a:t> terdiri dari serangkaian proses yang berfungsi untuk mengelola daftar layanan teknologi informasi yang tersedia di dalam perusahaan. Daftar yang biasanya dari masa ke masa bertambah tersebut dibutuhkan untuk berbagai kebutuhan, seperti komunikasi kepada pelanggan atau pengguna, dasar alokasi anggaran bagi divisi keuangan, panduan rekrutmen karyawan bagi unit sumber daya manusia, dan lain sebagainya</a:t>
-            </a:r>
-            <a:r>
-              <a:rPr lang="id-ID" dirty="0" smtClean="0"/>
-              <a:t>.</a:t>
-            </a:r>
-          </a:p>
-          <a:p>
-            <a:r>
-              <a:rPr lang="id-ID" u="sng" dirty="0" smtClean="0"/>
-              <a:t>Service </a:t>
-            </a:r>
+              <a:t> terdiri dari serangkaian proses yang berfungsi untuk mengelola daftar layanan teknologi informasi yang tersedia di dalam perusahaan. Daftar yang biasanya dari masa ke masa bertambah tersebut dibutuhkan untuk berbagai kebutuhan, seperti komunikasi kepada pelanggan atau pengguna, dasar alokasi anggaran bagi divisi keuangan, panduan rekrutmen karyawan bagi unit sumber daya manusia, dan lain sebagainya.</a:t>
+            </a:r>
+          </a:p>
+          <a:p>
             <a:r>
               <a:rPr lang="id-ID" u="sng" dirty="0"/>
-              <a:t>Level </a:t>
-            </a:r>
-            <a:r>
-              <a:rPr lang="id-ID" u="sng" dirty="0" smtClean="0"/>
-              <a:t>Management</a:t>
-            </a:r>
-            <a:r>
-              <a:rPr lang="id-ID" dirty="0" smtClean="0"/>
-              <a:t> merupakan proses mendefinisikan, menyampaikan, memastikan dan mengevaluasi target kualitas </a:t>
+              <a:t>Service Level Management</a:t>
             </a:r>
             <a:r>
               <a:rPr lang="id-ID" dirty="0"/>
-              <a:t>masing-masing layanan teknologi informasi yang ada di dalam perusahaan. Dengan adanya aktivitas monitoring terhadap hal ini, maka kebutuhan bisnis dapat tercapai dengan baik dan jauh dari potensi gangguan yang dapat terjadi.</a:t>
+              <a:t> merupakan proses mendefinisikan, menyampaikan, memastikan dan mengevaluasi target kualitas masing-masing layanan teknologi informasi yang ada di dalam perusahaan. Dengan adanya aktivitas monitoring terhadap hal ini, maka kebutuhan bisnis dapat tercapai dengan baik dan jauh dari potensi gangguan yang dapat terjadi.</a:t>
             </a:r>
           </a:p>
           <a:p>
@@ -26662,13 +26625,6 @@
   <p:clrMapOvr>
     <a:masterClrMapping/>
   </p:clrMapOvr>
-  <p:timing>
-    <p:tnLst>
-      <p:par>
-        <p:cTn id="1" dur="indefinite" restart="never" nodeType="tmRoot"/>
-      </p:par>
-    </p:tnLst>
-  </p:timing>
 </p:sld>
 </file>
 
@@ -26731,12 +26687,8 @@
           <a:lstStyle/>
           <a:p>
             <a:r>
-              <a:rPr lang="id-ID" u="sng" dirty="0" smtClean="0"/>
-              <a:t>Availability </a:t>
-            </a:r>
-            <a:r>
               <a:rPr lang="id-ID" u="sng" dirty="0"/>
-              <a:t>Management </a:t>
+              <a:t>Availability Management </a:t>
             </a:r>
             <a:r>
               <a:rPr lang="id-ID" dirty="0"/>
@@ -26768,13 +26720,6 @@
   <p:clrMapOvr>
     <a:masterClrMapping/>
   </p:clrMapOvr>
-  <p:timing>
-    <p:tnLst>
-      <p:par>
-        <p:cTn id="1" dur="indefinite" restart="never" nodeType="tmRoot"/>
-      </p:par>
-    </p:tnLst>
-  </p:timing>
 </p:sld>
 </file>
 
@@ -26837,12 +26782,8 @@
           <a:lstStyle/>
           <a:p>
             <a:r>
-              <a:rPr lang="id-ID" u="sng" dirty="0" smtClean="0"/>
-              <a:t>IT </a:t>
-            </a:r>
-            <a:r>
               <a:rPr lang="id-ID" u="sng" dirty="0"/>
-              <a:t>Service Continuity Management </a:t>
+              <a:t>IT Service Continuity Management </a:t>
             </a:r>
             <a:r>
               <a:rPr lang="id-ID" dirty="0"/>
@@ -26871,13 +26812,6 @@
   <p:clrMapOvr>
     <a:masterClrMapping/>
   </p:clrMapOvr>
-  <p:timing>
-    <p:tnLst>
-      <p:par>
-        <p:cTn id="1" dur="indefinite" restart="never" nodeType="tmRoot"/>
-      </p:par>
-    </p:tnLst>
-  </p:timing>
 </p:sld>
 </file>
 
@@ -26938,12 +26872,8 @@
           <a:lstStyle/>
           <a:p>
             <a:r>
-              <a:rPr lang="id-ID" u="sng" dirty="0" smtClean="0"/>
-              <a:t>Supplier </a:t>
-            </a:r>
-            <a:r>
               <a:rPr lang="id-ID" u="sng" dirty="0"/>
-              <a:t>Management</a:t>
+              <a:t>Supplier Management</a:t>
             </a:r>
             <a:r>
               <a:rPr lang="id-ID" dirty="0"/>
@@ -26965,13 +26895,6 @@
   <p:clrMapOvr>
     <a:masterClrMapping/>
   </p:clrMapOvr>
-  <p:timing>
-    <p:tnLst>
-      <p:par>
-        <p:cTn id="1" dur="indefinite" restart="never" nodeType="tmRoot"/>
-      </p:par>
-    </p:tnLst>
-  </p:timing>
 </p:sld>
 </file>
 
